--- a/C Language.pptx
+++ b/C Language.pptx
@@ -5,12 +5,13 @@
     <p:sldMasterId id="2147483660" r:id="rId1"/>
   </p:sldMasterIdLst>
   <p:notesMasterIdLst>
-    <p:notesMasterId r:id="rId5"/>
+    <p:notesMasterId r:id="rId6"/>
   </p:notesMasterIdLst>
   <p:sldIdLst>
     <p:sldId id="256" r:id="rId2"/>
     <p:sldId id="257" r:id="rId3"/>
     <p:sldId id="258" r:id="rId4"/>
+    <p:sldId id="259" r:id="rId5"/>
   </p:sldIdLst>
   <p:sldSz cx="9144000" cy="6858000" type="screen4x3"/>
   <p:notesSz cx="6858000" cy="9144000"/>
@@ -109,6 +110,11 @@
       </a:defRPr>
     </a:lvl9pPr>
   </p:defaultTextStyle>
+  <p:extLst>
+    <p:ext uri="{EFAFB233-063F-42B5-8137-9DF3F51BA10A}">
+      <p15:sldGuideLst xmlns:p15="http://schemas.microsoft.com/office/powerpoint/2012/main"/>
+    </p:ext>
+  </p:extLst>
 </p:presentation>
 </file>
 
@@ -194,7 +200,7 @@
           <a:p>
             <a:fld id="{B5A359EE-83A3-46DD-A625-BE357EE2F5AC}" type="datetimeFigureOut">
               <a:rPr lang="en-US" smtClean="0"/>
-              <a:t>7/23/2015</a:t>
+              <a:t>7/24/2015</a:t>
             </a:fld>
             <a:endParaRPr lang="en-US"/>
           </a:p>
@@ -506,6 +512,23 @@
           <a:bodyPr/>
           <a:lstStyle/>
           <a:p>
+            <a:pPr marL="0" marR="0" indent="0" algn="l" defTabSz="914400" rtl="0" eaLnBrk="1" fontAlgn="auto" latinLnBrk="0" hangingPunct="1">
+              <a:lnSpc>
+                <a:spcPct val="100000"/>
+              </a:lnSpc>
+              <a:spcBef>
+                <a:spcPts val="0"/>
+              </a:spcBef>
+              <a:spcAft>
+                <a:spcPts val="0"/>
+              </a:spcAft>
+              <a:buClrTx/>
+              <a:buSzTx/>
+              <a:buFontTx/>
+              <a:buNone/>
+              <a:tabLst/>
+              <a:defRPr/>
+            </a:pPr>
             <a:r>
               <a:rPr lang="en-US" sz="1200" b="0" i="0" kern="1200" smtClean="0">
                 <a:solidFill>
@@ -518,6 +541,155 @@
               </a:rPr>
               <a:t>C is a structured programming language developed by Dennis Ritchie in 1973 at Bell Laboratories.</a:t>
             </a:r>
+          </a:p>
+        </p:txBody>
+      </p:sp>
+      <p:sp>
+        <p:nvSpPr>
+          <p:cNvPr id="4" name="Slide Number Placeholder 3"/>
+          <p:cNvSpPr>
+            <a:spLocks noGrp="1"/>
+          </p:cNvSpPr>
+          <p:nvPr>
+            <p:ph type="sldNum" sz="quarter" idx="10"/>
+          </p:nvPr>
+        </p:nvSpPr>
+        <p:spPr/>
+        <p:txBody>
+          <a:bodyPr/>
+          <a:lstStyle/>
+          <a:p>
+            <a:fld id="{6BC6582D-1A7B-4EF0-B2D6-AA7E6A5E55C9}" type="slidenum">
+              <a:rPr lang="en-US" smtClean="0"/>
+              <a:t>2</a:t>
+            </a:fld>
+            <a:endParaRPr lang="en-US"/>
+          </a:p>
+        </p:txBody>
+      </p:sp>
+    </p:spTree>
+    <p:extLst>
+      <p:ext uri="{BB962C8B-B14F-4D97-AF65-F5344CB8AC3E}">
+        <p14:creationId xmlns:p14="http://schemas.microsoft.com/office/powerpoint/2010/main" val="3733163369"/>
+      </p:ext>
+    </p:extLst>
+  </p:cSld>
+  <p:clrMapOvr>
+    <a:masterClrMapping/>
+  </p:clrMapOvr>
+</p:notes>
+</file>
+
+<file path=ppt/notesSlides/notesSlide2.xml><?xml version="1.0" encoding="utf-8"?>
+<p:notes xmlns:a="http://schemas.openxmlformats.org/drawingml/2006/main" xmlns:r="http://schemas.openxmlformats.org/officeDocument/2006/relationships" xmlns:p="http://schemas.openxmlformats.org/presentationml/2006/main">
+  <p:cSld>
+    <p:spTree>
+      <p:nvGrpSpPr>
+        <p:cNvPr id="1" name=""/>
+        <p:cNvGrpSpPr/>
+        <p:nvPr/>
+      </p:nvGrpSpPr>
+      <p:grpSpPr>
+        <a:xfrm>
+          <a:off x="0" y="0"/>
+          <a:ext cx="0" cy="0"/>
+          <a:chOff x="0" y="0"/>
+          <a:chExt cx="0" cy="0"/>
+        </a:xfrm>
+      </p:grpSpPr>
+      <p:sp>
+        <p:nvSpPr>
+          <p:cNvPr id="2" name="Slide Image Placeholder 1"/>
+          <p:cNvSpPr>
+            <a:spLocks noGrp="1" noRot="1" noChangeAspect="1"/>
+          </p:cNvSpPr>
+          <p:nvPr>
+            <p:ph type="sldImg"/>
+          </p:nvPr>
+        </p:nvSpPr>
+        <p:spPr/>
+      </p:sp>
+      <p:sp>
+        <p:nvSpPr>
+          <p:cNvPr id="3" name="Notes Placeholder 2"/>
+          <p:cNvSpPr>
+            <a:spLocks noGrp="1"/>
+          </p:cNvSpPr>
+          <p:nvPr>
+            <p:ph type="body" idx="1"/>
+          </p:nvPr>
+        </p:nvSpPr>
+        <p:spPr/>
+        <p:txBody>
+          <a:bodyPr/>
+          <a:lstStyle/>
+          <a:p>
+            <a:r>
+              <a:rPr lang="vi-VN" sz="1200" b="0" i="0" kern="1200" smtClean="0">
+                <a:solidFill>
+                  <a:schemeClr val="tx1"/>
+                </a:solidFill>
+                <a:effectLst/>
+                <a:latin typeface="+mn-lt"/>
+                <a:ea typeface="+mn-ea"/>
+                <a:cs typeface="+mn-cs"/>
+              </a:rPr>
+              <a:t>Bộ tiền xử lý - Bộ tiền xử lý nhận đầu vào là file mã nguồn và thực hiện việc phân tích các chỉ thị tiền xử lý với ký pháp # đứng đầu, chẳng hạn như #include và #define.</a:t>
+            </a:r>
+            <a:endParaRPr lang="en-US" sz="1200" b="0" i="0" kern="1200" smtClean="0">
+              <a:solidFill>
+                <a:schemeClr val="tx1"/>
+              </a:solidFill>
+              <a:effectLst/>
+              <a:latin typeface="+mn-lt"/>
+              <a:ea typeface="+mn-ea"/>
+              <a:cs typeface="+mn-cs"/>
+            </a:endParaRPr>
+          </a:p>
+          <a:p>
+            <a:endParaRPr lang="en-US" sz="1200" b="0" i="0" kern="1200" smtClean="0">
+              <a:solidFill>
+                <a:schemeClr val="tx1"/>
+              </a:solidFill>
+              <a:effectLst/>
+              <a:latin typeface="+mn-lt"/>
+              <a:ea typeface="+mn-ea"/>
+              <a:cs typeface="+mn-cs"/>
+            </a:endParaRPr>
+          </a:p>
+          <a:p>
+            <a:pPr marL="0" marR="0" indent="0" algn="l" defTabSz="914400" rtl="0" eaLnBrk="1" fontAlgn="auto" latinLnBrk="0" hangingPunct="1">
+              <a:lnSpc>
+                <a:spcPct val="100000"/>
+              </a:lnSpc>
+              <a:spcBef>
+                <a:spcPts val="0"/>
+              </a:spcBef>
+              <a:spcAft>
+                <a:spcPts val="0"/>
+              </a:spcAft>
+              <a:buClrTx/>
+              <a:buSzTx/>
+              <a:buFontTx/>
+              <a:buNone/>
+              <a:tabLst/>
+              <a:defRPr/>
+            </a:pPr>
+            <a:r>
+              <a:rPr lang="vi-VN" sz="1200" b="0" i="0" kern="1200" smtClean="0">
+                <a:solidFill>
+                  <a:schemeClr val="tx1"/>
+                </a:solidFill>
+                <a:effectLst/>
+                <a:latin typeface="+mn-lt"/>
+                <a:ea typeface="+mn-ea"/>
+                <a:cs typeface="+mn-cs"/>
+              </a:rPr>
+              <a:t>Trình biên dịch C – Trình biên dịch sẽ kiểm tra các lối cú pháp trong mã nguồn. Nếu lỗi xảy ra thì sẽ thông báo ra màn hình và quá trình dịch kết thúc. Các lỗi logic sẽ không được phát hiện bởi trình dịch. Một khi người sử dụng đã sửa hết các lỗi và chương trình nguồn đã được dịch lại, trình biên dịch dịch mã nguồn ra mã ngôn ngữ assembly.</a:t>
+            </a:r>
+            <a:endParaRPr lang="en-US" smtClean="0"/>
+          </a:p>
+          <a:p>
             <a:endParaRPr lang="en-US"/>
           </a:p>
         </p:txBody>
@@ -549,6 +721,234 @@
     <p:extLst>
       <p:ext uri="{BB962C8B-B14F-4D97-AF65-F5344CB8AC3E}">
         <p14:creationId xmlns:p14="http://schemas.microsoft.com/office/powerpoint/2010/main" val="1296513781"/>
+      </p:ext>
+    </p:extLst>
+  </p:cSld>
+  <p:clrMapOvr>
+    <a:masterClrMapping/>
+  </p:clrMapOvr>
+</p:notes>
+</file>
+
+<file path=ppt/notesSlides/notesSlide3.xml><?xml version="1.0" encoding="utf-8"?>
+<p:notes xmlns:a="http://schemas.openxmlformats.org/drawingml/2006/main" xmlns:r="http://schemas.openxmlformats.org/officeDocument/2006/relationships" xmlns:p="http://schemas.openxmlformats.org/presentationml/2006/main">
+  <p:cSld>
+    <p:spTree>
+      <p:nvGrpSpPr>
+        <p:cNvPr id="1" name=""/>
+        <p:cNvGrpSpPr/>
+        <p:nvPr/>
+      </p:nvGrpSpPr>
+      <p:grpSpPr>
+        <a:xfrm>
+          <a:off x="0" y="0"/>
+          <a:ext cx="0" cy="0"/>
+          <a:chOff x="0" y="0"/>
+          <a:chExt cx="0" cy="0"/>
+        </a:xfrm>
+      </p:grpSpPr>
+      <p:sp>
+        <p:nvSpPr>
+          <p:cNvPr id="2" name="Slide Image Placeholder 1"/>
+          <p:cNvSpPr>
+            <a:spLocks noGrp="1" noRot="1" noChangeAspect="1"/>
+          </p:cNvSpPr>
+          <p:nvPr>
+            <p:ph type="sldImg"/>
+          </p:nvPr>
+        </p:nvSpPr>
+        <p:spPr/>
+      </p:sp>
+      <p:sp>
+        <p:nvSpPr>
+          <p:cNvPr id="3" name="Notes Placeholder 2"/>
+          <p:cNvSpPr>
+            <a:spLocks noGrp="1"/>
+          </p:cNvSpPr>
+          <p:nvPr>
+            <p:ph type="body" idx="1"/>
+          </p:nvPr>
+        </p:nvSpPr>
+        <p:spPr/>
+        <p:txBody>
+          <a:bodyPr/>
+          <a:lstStyle/>
+          <a:p>
+            <a:r>
+              <a:rPr lang="en-US" sz="1200" b="0" i="0" kern="1200" smtClean="0">
+                <a:solidFill>
+                  <a:schemeClr val="tx1"/>
+                </a:solidFill>
+                <a:effectLst/>
+                <a:latin typeface="+mn-lt"/>
+                <a:ea typeface="+mn-ea"/>
+                <a:cs typeface="+mn-cs"/>
+              </a:rPr>
+              <a:t>Pre-processor</a:t>
+            </a:r>
+          </a:p>
+          <a:p>
+            <a:r>
+              <a:rPr lang="en-US" sz="1200" b="0" i="0" kern="1200" smtClean="0">
+                <a:solidFill>
+                  <a:schemeClr val="tx1"/>
+                </a:solidFill>
+                <a:effectLst/>
+                <a:latin typeface="+mn-lt"/>
+                <a:ea typeface="+mn-ea"/>
+                <a:cs typeface="+mn-cs"/>
+              </a:rPr>
+              <a:t>Header file</a:t>
+            </a:r>
+          </a:p>
+          <a:p>
+            <a:r>
+              <a:rPr lang="en-US" sz="1200" b="0" i="0" kern="1200" smtClean="0">
+                <a:solidFill>
+                  <a:schemeClr val="tx1"/>
+                </a:solidFill>
+                <a:effectLst/>
+                <a:latin typeface="+mn-lt"/>
+                <a:ea typeface="+mn-ea"/>
+                <a:cs typeface="+mn-cs"/>
+              </a:rPr>
+              <a:t>Function</a:t>
+            </a:r>
+          </a:p>
+          <a:p>
+            <a:r>
+              <a:rPr lang="en-US" sz="1200" b="0" i="0" kern="1200" smtClean="0">
+                <a:solidFill>
+                  <a:schemeClr val="tx1"/>
+                </a:solidFill>
+                <a:effectLst/>
+                <a:latin typeface="+mn-lt"/>
+                <a:ea typeface="+mn-ea"/>
+                <a:cs typeface="+mn-cs"/>
+              </a:rPr>
+              <a:t>Variables</a:t>
+            </a:r>
+          </a:p>
+          <a:p>
+            <a:r>
+              <a:rPr lang="en-US" sz="1200" b="0" i="0" kern="1200" smtClean="0">
+                <a:solidFill>
+                  <a:schemeClr val="tx1"/>
+                </a:solidFill>
+                <a:effectLst/>
+                <a:latin typeface="+mn-lt"/>
+                <a:ea typeface="+mn-ea"/>
+                <a:cs typeface="+mn-cs"/>
+              </a:rPr>
+              <a:t>expression</a:t>
+            </a:r>
+          </a:p>
+          <a:p>
+            <a:r>
+              <a:rPr lang="en-US" sz="1200" b="0" i="0" kern="1200" smtClean="0">
+                <a:solidFill>
+                  <a:schemeClr val="tx1"/>
+                </a:solidFill>
+                <a:effectLst/>
+                <a:latin typeface="+mn-lt"/>
+                <a:ea typeface="+mn-ea"/>
+                <a:cs typeface="+mn-cs"/>
+              </a:rPr>
+              <a:t>Comment</a:t>
+            </a:r>
+          </a:p>
+          <a:p>
+            <a:endParaRPr lang="en-US" smtClean="0"/>
+          </a:p>
+          <a:p>
+            <a:endParaRPr lang="en-US" smtClean="0"/>
+          </a:p>
+          <a:p>
+            <a:r>
+              <a:rPr lang="vi-VN" sz="1200" b="0" i="0" kern="1200" smtClean="0">
+                <a:solidFill>
+                  <a:schemeClr val="tx1"/>
+                </a:solidFill>
+                <a:effectLst/>
+                <a:latin typeface="+mn-lt"/>
+                <a:ea typeface="+mn-ea"/>
+                <a:cs typeface="+mn-cs"/>
+              </a:rPr>
+              <a:t>biến môi trường ERROR_LEVEL </a:t>
+            </a:r>
+            <a:endParaRPr lang="en-US" sz="1200" b="0" i="0" kern="1200" smtClean="0">
+              <a:solidFill>
+                <a:schemeClr val="tx1"/>
+              </a:solidFill>
+              <a:effectLst/>
+              <a:latin typeface="+mn-lt"/>
+              <a:ea typeface="+mn-ea"/>
+              <a:cs typeface="+mn-cs"/>
+            </a:endParaRPr>
+          </a:p>
+          <a:p>
+            <a:r>
+              <a:rPr lang="vi-VN" sz="1200" b="0" i="0" kern="1200" smtClean="0">
+                <a:solidFill>
+                  <a:schemeClr val="tx1"/>
+                </a:solidFill>
+                <a:effectLst/>
+                <a:latin typeface="+mn-lt"/>
+                <a:ea typeface="+mn-ea"/>
+                <a:cs typeface="+mn-cs"/>
+              </a:rPr>
+              <a:t>Mục định trả về ERROR_LEVEL là cho biết trạng thái kết thúc của chương trình của bạn, để sử dụng cho các tập tin BATCH (*.BAT) và COMMAND (*.CMD)...</a:t>
+            </a:r>
+            <a:r>
+              <a:rPr lang="vi-VN" smtClean="0"/>
+              <a:t/>
+            </a:r>
+            <a:br>
+              <a:rPr lang="vi-VN" smtClean="0"/>
+            </a:br>
+            <a:r>
+              <a:rPr lang="vi-VN" sz="1200" b="0" i="0" kern="1200" smtClean="0">
+                <a:solidFill>
+                  <a:schemeClr val="tx1"/>
+                </a:solidFill>
+                <a:effectLst/>
+                <a:latin typeface="+mn-lt"/>
+                <a:ea typeface="+mn-ea"/>
+                <a:cs typeface="+mn-cs"/>
+              </a:rPr>
+              <a:t>và trong một số shell khác của Linux.</a:t>
+            </a:r>
+            <a:endParaRPr lang="en-US" b="1"/>
+          </a:p>
+        </p:txBody>
+      </p:sp>
+      <p:sp>
+        <p:nvSpPr>
+          <p:cNvPr id="4" name="Slide Number Placeholder 3"/>
+          <p:cNvSpPr>
+            <a:spLocks noGrp="1"/>
+          </p:cNvSpPr>
+          <p:nvPr>
+            <p:ph type="sldNum" sz="quarter" idx="10"/>
+          </p:nvPr>
+        </p:nvSpPr>
+        <p:spPr/>
+        <p:txBody>
+          <a:bodyPr/>
+          <a:lstStyle/>
+          <a:p>
+            <a:fld id="{6BC6582D-1A7B-4EF0-B2D6-AA7E6A5E55C9}" type="slidenum">
+              <a:rPr lang="en-US" smtClean="0"/>
+              <a:t>4</a:t>
+            </a:fld>
+            <a:endParaRPr lang="en-US"/>
+          </a:p>
+        </p:txBody>
+      </p:sp>
+    </p:spTree>
+    <p:extLst>
+      <p:ext uri="{BB962C8B-B14F-4D97-AF65-F5344CB8AC3E}">
+        <p14:creationId xmlns:p14="http://schemas.microsoft.com/office/powerpoint/2010/main" val="3583767394"/>
       </p:ext>
     </p:extLst>
   </p:cSld>
@@ -734,7 +1134,7 @@
           <a:p>
             <a:fld id="{96DFF08F-DC6B-4601-B491-B0F83F6DD2DA}" type="datetimeFigureOut">
               <a:rPr lang="en-US" smtClean="0"/>
-              <a:t>7/23/2015</a:t>
+              <a:t>7/24/2015</a:t>
             </a:fld>
             <a:endParaRPr lang="en-US" dirty="0"/>
           </a:p>
@@ -904,7 +1304,7 @@
           <a:p>
             <a:fld id="{96DFF08F-DC6B-4601-B491-B0F83F6DD2DA}" type="datetimeFigureOut">
               <a:rPr lang="en-US" smtClean="0"/>
-              <a:t>7/23/2015</a:t>
+              <a:t>7/24/2015</a:t>
             </a:fld>
             <a:endParaRPr lang="en-US" dirty="0"/>
           </a:p>
@@ -1127,7 +1527,7 @@
           <a:p>
             <a:fld id="{96DFF08F-DC6B-4601-B491-B0F83F6DD2DA}" type="datetimeFigureOut">
               <a:rPr lang="en-US" smtClean="0"/>
-              <a:t>7/23/2015</a:t>
+              <a:t>7/24/2015</a:t>
             </a:fld>
             <a:endParaRPr lang="en-US" dirty="0"/>
           </a:p>
@@ -1307,7 +1707,7 @@
           <a:p>
             <a:fld id="{96DFF08F-DC6B-4601-B491-B0F83F6DD2DA}" type="datetimeFigureOut">
               <a:rPr lang="en-US" smtClean="0"/>
-              <a:t>7/23/2015</a:t>
+              <a:t>7/24/2015</a:t>
             </a:fld>
             <a:endParaRPr lang="en-US" dirty="0"/>
           </a:p>
@@ -1614,7 +2014,7 @@
             <a:fld id="{96DFF08F-DC6B-4601-B491-B0F83F6DD2DA}" type="datetimeFigureOut">
               <a:rPr lang="en-US" smtClean="0"/>
               <a:pPr/>
-              <a:t>7/23/2015</a:t>
+              <a:t>7/24/2015</a:t>
             </a:fld>
             <a:endParaRPr lang="en-US" dirty="0"/>
           </a:p>
@@ -1919,7 +2319,7 @@
           <a:p>
             <a:fld id="{96DFF08F-DC6B-4601-B491-B0F83F6DD2DA}" type="datetimeFigureOut">
               <a:rPr lang="en-US" smtClean="0"/>
-              <a:t>7/23/2015</a:t>
+              <a:t>7/24/2015</a:t>
             </a:fld>
             <a:endParaRPr lang="en-US" dirty="0"/>
           </a:p>
@@ -2341,7 +2741,7 @@
           <a:p>
             <a:fld id="{96DFF08F-DC6B-4601-B491-B0F83F6DD2DA}" type="datetimeFigureOut">
               <a:rPr lang="en-US" smtClean="0"/>
-              <a:t>7/23/2015</a:t>
+              <a:t>7/24/2015</a:t>
             </a:fld>
             <a:endParaRPr lang="en-US" dirty="0"/>
           </a:p>
@@ -2459,7 +2859,7 @@
           <a:p>
             <a:fld id="{96DFF08F-DC6B-4601-B491-B0F83F6DD2DA}" type="datetimeFigureOut">
               <a:rPr lang="en-US" smtClean="0"/>
-              <a:t>7/23/2015</a:t>
+              <a:t>7/24/2015</a:t>
             </a:fld>
             <a:endParaRPr lang="en-US" dirty="0"/>
           </a:p>
@@ -2554,7 +2954,7 @@
           <a:p>
             <a:fld id="{96DFF08F-DC6B-4601-B491-B0F83F6DD2DA}" type="datetimeFigureOut">
               <a:rPr lang="en-US" smtClean="0"/>
-              <a:t>7/23/2015</a:t>
+              <a:t>7/24/2015</a:t>
             </a:fld>
             <a:endParaRPr lang="en-US" dirty="0"/>
           </a:p>
@@ -2827,7 +3227,7 @@
           <a:p>
             <a:fld id="{96DFF08F-DC6B-4601-B491-B0F83F6DD2DA}" type="datetimeFigureOut">
               <a:rPr lang="en-US" smtClean="0"/>
-              <a:t>7/23/2015</a:t>
+              <a:t>7/24/2015</a:t>
             </a:fld>
             <a:endParaRPr lang="en-US" dirty="0"/>
           </a:p>
@@ -3092,7 +3492,7 @@
           <a:p>
             <a:fld id="{96DFF08F-DC6B-4601-B491-B0F83F6DD2DA}" type="datetimeFigureOut">
               <a:rPr lang="en-US" smtClean="0"/>
-              <a:t>7/23/2015</a:t>
+              <a:t>7/24/2015</a:t>
             </a:fld>
             <a:endParaRPr lang="en-US" dirty="0"/>
           </a:p>
@@ -3342,7 +3742,7 @@
             <a:fld id="{96DFF08F-DC6B-4601-B491-B0F83F6DD2DA}" type="datetimeFigureOut">
               <a:rPr lang="en-US" smtClean="0"/>
               <a:pPr/>
-              <a:t>7/23/2015</a:t>
+              <a:t>7/24/2015</a:t>
             </a:fld>
             <a:endParaRPr lang="en-US" dirty="0"/>
           </a:p>
@@ -3900,7 +4300,7 @@
           </p:nvPr>
         </p:nvPicPr>
         <p:blipFill>
-          <a:blip r:embed="rId2">
+          <a:blip r:embed="rId3">
             <a:extLst>
               <a:ext uri="{28A0092B-C50C-407E-A947-70E740481C1C}">
                 <a14:useLocalDpi xmlns:a14="http://schemas.microsoft.com/office/drawing/2010/main" val="0"/>
@@ -3941,7 +4341,7 @@
           <p:nvPr/>
         </p:nvPicPr>
         <p:blipFill>
-          <a:blip r:embed="rId3">
+          <a:blip r:embed="rId4">
             <a:extLst>
               <a:ext uri="{28A0092B-C50C-407E-A947-70E740481C1C}">
                 <a14:useLocalDpi xmlns:a14="http://schemas.microsoft.com/office/drawing/2010/main" val="0"/>
@@ -3982,7 +4382,7 @@
           <p:nvPr/>
         </p:nvPicPr>
         <p:blipFill>
-          <a:blip r:embed="rId4">
+          <a:blip r:embed="rId5">
             <a:extLst>
               <a:ext uri="{28A0092B-C50C-407E-A947-70E740481C1C}">
                 <a14:useLocalDpi xmlns:a14="http://schemas.microsoft.com/office/drawing/2010/main" val="0"/>
@@ -4023,7 +4423,7 @@
           <p:nvPr/>
         </p:nvPicPr>
         <p:blipFill>
-          <a:blip r:embed="rId5">
+          <a:blip r:embed="rId6">
             <a:extLst>
               <a:ext uri="{28A0092B-C50C-407E-A947-70E740481C1C}">
                 <a14:useLocalDpi xmlns:a14="http://schemas.microsoft.com/office/drawing/2010/main" val="0"/>
@@ -4107,26 +4507,562 @@
           <a:bodyPr/>
           <a:lstStyle/>
           <a:p>
+            <a:r>
+              <a:rPr lang="en-US" smtClean="0">
+                <a:latin typeface="Times New Roman" panose="02020603050405020304" pitchFamily="18" charset="0"/>
+                <a:cs typeface="Times New Roman" panose="02020603050405020304" pitchFamily="18" charset="0"/>
+              </a:rPr>
+              <a:t>Compiling in C</a:t>
+            </a:r>
+            <a:endParaRPr lang="en-US">
+              <a:latin typeface="Times New Roman" panose="02020603050405020304" pitchFamily="18" charset="0"/>
+              <a:cs typeface="Times New Roman" panose="02020603050405020304" pitchFamily="18" charset="0"/>
+            </a:endParaRPr>
+          </a:p>
+        </p:txBody>
+      </p:sp>
+      <p:sp>
+        <p:nvSpPr>
+          <p:cNvPr id="4" name="Rectangle 3"/>
+          <p:cNvSpPr>
+            <a:spLocks noChangeArrowheads="1"/>
+          </p:cNvSpPr>
+          <p:nvPr/>
+        </p:nvSpPr>
+        <p:spPr bwMode="auto">
+          <a:xfrm>
+            <a:off x="5174404" y="2081945"/>
+            <a:ext cx="3595856" cy="1200329"/>
+          </a:xfrm>
+          <a:prstGeom prst="rect">
+            <a:avLst/>
+          </a:prstGeom>
+          <a:noFill/>
+          <a:ln>
+            <a:noFill/>
+          </a:ln>
+          <a:effectLst/>
+          <a:extLst>
+            <a:ext uri="{909E8E84-426E-40DD-AFC4-6F175D3DCCD1}">
+              <a14:hiddenFill xmlns:a14="http://schemas.microsoft.com/office/drawing/2010/main">
+                <a:solidFill>
+                  <a:schemeClr val="accent1"/>
+                </a:solidFill>
+              </a14:hiddenFill>
+            </a:ext>
+            <a:ext uri="{91240B29-F687-4F45-9708-019B960494DF}">
+              <a14:hiddenLine xmlns:a14="http://schemas.microsoft.com/office/drawing/2010/main" w="9525">
+                <a:solidFill>
+                  <a:schemeClr val="tx1"/>
+                </a:solidFill>
+                <a:miter lim="800000"/>
+                <a:headEnd/>
+                <a:tailEnd/>
+              </a14:hiddenLine>
+            </a:ext>
+            <a:ext uri="{AF507438-7753-43E0-B8FC-AC1667EBCBE1}">
+              <a14:hiddenEffects xmlns:a14="http://schemas.microsoft.com/office/drawing/2010/main">
+                <a:effectLst>
+                  <a:outerShdw dist="35921" dir="2700000" algn="ctr" rotWithShape="0">
+                    <a:schemeClr val="bg2"/>
+                  </a:outerShdw>
+                </a:effectLst>
+              </a14:hiddenEffects>
+            </a:ext>
+          </a:extLst>
+        </p:spPr>
+        <p:txBody>
+          <a:bodyPr vert="horz" wrap="none" lIns="91440" tIns="45720" rIns="91440" bIns="45720" numCol="1" anchor="ctr" anchorCtr="0" compatLnSpc="1">
+            <a:prstTxWarp prst="textNoShape">
+              <a:avLst/>
+            </a:prstTxWarp>
+            <a:spAutoFit/>
+          </a:bodyPr>
+          <a:lstStyle/>
+          <a:p>
+            <a:pPr marL="285750" marR="0" lvl="0" indent="-285750" algn="l" defTabSz="914400" rtl="0" eaLnBrk="0" fontAlgn="base" latinLnBrk="0" hangingPunct="0">
+              <a:lnSpc>
+                <a:spcPct val="100000"/>
+              </a:lnSpc>
+              <a:spcBef>
+                <a:spcPct val="0"/>
+              </a:spcBef>
+              <a:spcAft>
+                <a:spcPct val="0"/>
+              </a:spcAft>
+              <a:buClrTx/>
+              <a:buSzTx/>
+              <a:buFont typeface="Arial" panose="020B0604020202020204" pitchFamily="34" charset="0"/>
+              <a:buChar char="•"/>
+              <a:tabLst/>
+            </a:pPr>
+            <a:endParaRPr kumimoji="0" lang="en-US" altLang="en-US" sz="1800" b="0" i="0" u="none" strike="noStrike" cap="none" normalizeH="0" baseline="0" smtClean="0">
+              <a:ln>
+                <a:noFill/>
+              </a:ln>
+              <a:solidFill>
+                <a:schemeClr val="tx1"/>
+              </a:solidFill>
+              <a:effectLst/>
+              <a:latin typeface="Arial" panose="020B0604020202020204" pitchFamily="34" charset="0"/>
+            </a:endParaRPr>
+          </a:p>
+          <a:p>
+            <a:pPr marL="285750" marR="0" lvl="0" indent="-285750" defTabSz="914400" rtl="0" eaLnBrk="0" fontAlgn="base" latinLnBrk="0" hangingPunct="0">
+              <a:lnSpc>
+                <a:spcPct val="100000"/>
+              </a:lnSpc>
+              <a:spcBef>
+                <a:spcPct val="0"/>
+              </a:spcBef>
+              <a:spcAft>
+                <a:spcPct val="0"/>
+              </a:spcAft>
+              <a:buClrTx/>
+              <a:buSzTx/>
+              <a:buFont typeface="Arial" panose="020B0604020202020204" pitchFamily="34" charset="0"/>
+              <a:buChar char="•"/>
+              <a:tabLst/>
+            </a:pPr>
+            <a:r>
+              <a:rPr lang="en-US" altLang="en-US">
+                <a:solidFill>
+                  <a:srgbClr val="000000"/>
+                </a:solidFill>
+                <a:latin typeface="Times New Roman" panose="02020603050405020304" pitchFamily="18" charset="0"/>
+                <a:cs typeface="Times New Roman" panose="02020603050405020304" pitchFamily="18" charset="0"/>
+              </a:rPr>
+              <a:t>R</a:t>
+            </a:r>
+            <a:r>
+              <a:rPr kumimoji="0" lang="en-US" altLang="en-US" sz="1800" b="0" i="0" u="none" strike="noStrike" cap="none" normalizeH="0" baseline="0" smtClean="0">
+                <a:ln>
+                  <a:noFill/>
+                </a:ln>
+                <a:solidFill>
+                  <a:srgbClr val="000000"/>
+                </a:solidFill>
+                <a:effectLst/>
+                <a:latin typeface="Times New Roman" panose="02020603050405020304" pitchFamily="18" charset="0"/>
+                <a:cs typeface="Times New Roman" panose="02020603050405020304" pitchFamily="18" charset="0"/>
+              </a:rPr>
+              <a:t>emoving </a:t>
+            </a:r>
+            <a:r>
+              <a:rPr kumimoji="0" lang="en-US" altLang="en-US" sz="1800" b="0" i="0" u="none" strike="noStrike" cap="none" normalizeH="0" baseline="0" smtClean="0">
+                <a:ln>
+                  <a:noFill/>
+                </a:ln>
+                <a:solidFill>
+                  <a:srgbClr val="000000"/>
+                </a:solidFill>
+                <a:effectLst/>
+                <a:latin typeface="Times New Roman" panose="02020603050405020304" pitchFamily="18" charset="0"/>
+                <a:cs typeface="Times New Roman" panose="02020603050405020304" pitchFamily="18" charset="0"/>
+              </a:rPr>
+              <a:t>comments</a:t>
+            </a:r>
+          </a:p>
+          <a:p>
+            <a:pPr marL="285750" marR="0" lvl="0" indent="-285750" algn="l" defTabSz="914400" rtl="0" eaLnBrk="0" fontAlgn="base" latinLnBrk="0" hangingPunct="0">
+              <a:lnSpc>
+                <a:spcPct val="100000"/>
+              </a:lnSpc>
+              <a:spcBef>
+                <a:spcPct val="0"/>
+              </a:spcBef>
+              <a:spcAft>
+                <a:spcPct val="0"/>
+              </a:spcAft>
+              <a:buClrTx/>
+              <a:buSzTx/>
+              <a:buFont typeface="Arial" panose="020B0604020202020204" pitchFamily="34" charset="0"/>
+              <a:buChar char="•"/>
+              <a:tabLst/>
+            </a:pPr>
+            <a:r>
+              <a:rPr lang="en-US" altLang="en-US">
+                <a:solidFill>
+                  <a:srgbClr val="000000"/>
+                </a:solidFill>
+                <a:latin typeface="Times New Roman" panose="02020603050405020304" pitchFamily="18" charset="0"/>
+                <a:cs typeface="Times New Roman" panose="02020603050405020304" pitchFamily="18" charset="0"/>
+              </a:rPr>
+              <a:t>I</a:t>
+            </a:r>
+            <a:r>
+              <a:rPr kumimoji="0" lang="en-US" altLang="en-US" sz="1800" b="0" i="0" u="none" strike="noStrike" cap="none" normalizeH="0" baseline="0" smtClean="0">
+                <a:ln>
+                  <a:noFill/>
+                </a:ln>
+                <a:solidFill>
+                  <a:srgbClr val="000000"/>
+                </a:solidFill>
+                <a:effectLst/>
+                <a:latin typeface="Times New Roman" panose="02020603050405020304" pitchFamily="18" charset="0"/>
+                <a:cs typeface="Times New Roman" panose="02020603050405020304" pitchFamily="18" charset="0"/>
+              </a:rPr>
+              <a:t>nterpreting </a:t>
+            </a:r>
+            <a:r>
+              <a:rPr kumimoji="0" lang="en-US" altLang="en-US" sz="1800" b="0" i="0" u="none" strike="noStrike" cap="none" normalizeH="0" baseline="0" smtClean="0">
+                <a:ln>
+                  <a:noFill/>
+                </a:ln>
+                <a:solidFill>
+                  <a:srgbClr val="000000"/>
+                </a:solidFill>
+                <a:effectLst/>
+                <a:latin typeface="Times New Roman" panose="02020603050405020304" pitchFamily="18" charset="0"/>
+                <a:cs typeface="Times New Roman" panose="02020603050405020304" pitchFamily="18" charset="0"/>
+              </a:rPr>
+              <a:t>special</a:t>
+            </a:r>
+            <a:r>
+              <a:rPr kumimoji="0" lang="en-US" altLang="en-US" sz="1800" b="0" i="0" u="none" strike="noStrike" cap="none" normalizeH="0" baseline="0" smtClean="0">
+                <a:ln>
+                  <a:noFill/>
+                </a:ln>
+                <a:solidFill>
+                  <a:srgbClr val="000000"/>
+                </a:solidFill>
+                <a:effectLst/>
+                <a:latin typeface="Times New Roman" panose="02020603050405020304" pitchFamily="18" charset="0"/>
+                <a:cs typeface="Times New Roman" panose="02020603050405020304" pitchFamily="18" charset="0"/>
+              </a:rPr>
+              <a:t> </a:t>
+            </a:r>
+            <a:r>
+              <a:rPr kumimoji="0" lang="en-US" altLang="en-US" sz="1800" b="1" i="1" u="none" strike="noStrike" cap="none" normalizeH="0" baseline="0" smtClean="0">
+                <a:ln>
+                  <a:noFill/>
+                </a:ln>
+                <a:solidFill>
+                  <a:srgbClr val="000000"/>
+                </a:solidFill>
+                <a:effectLst/>
+                <a:latin typeface="Times New Roman" panose="02020603050405020304" pitchFamily="18" charset="0"/>
+                <a:cs typeface="Times New Roman" panose="02020603050405020304" pitchFamily="18" charset="0"/>
+              </a:rPr>
+              <a:t>preprocessor </a:t>
+            </a:r>
+          </a:p>
+          <a:p>
+            <a:pPr marR="0" lvl="0" algn="l" defTabSz="914400" rtl="0" eaLnBrk="0" fontAlgn="base" latinLnBrk="0" hangingPunct="0">
+              <a:lnSpc>
+                <a:spcPct val="100000"/>
+              </a:lnSpc>
+              <a:spcBef>
+                <a:spcPct val="0"/>
+              </a:spcBef>
+              <a:spcAft>
+                <a:spcPct val="0"/>
+              </a:spcAft>
+              <a:buClrTx/>
+              <a:buSzTx/>
+              <a:tabLst/>
+            </a:pPr>
+            <a:r>
+              <a:rPr lang="en-US" altLang="en-US" b="1" i="1">
+                <a:solidFill>
+                  <a:srgbClr val="000000"/>
+                </a:solidFill>
+                <a:latin typeface="Times New Roman" panose="02020603050405020304" pitchFamily="18" charset="0"/>
+                <a:cs typeface="Times New Roman" panose="02020603050405020304" pitchFamily="18" charset="0"/>
+              </a:rPr>
+              <a:t> </a:t>
+            </a:r>
+            <a:r>
+              <a:rPr lang="en-US" altLang="en-US" b="1" i="1" smtClean="0">
+                <a:solidFill>
+                  <a:srgbClr val="000000"/>
+                </a:solidFill>
+                <a:latin typeface="Times New Roman" panose="02020603050405020304" pitchFamily="18" charset="0"/>
+                <a:cs typeface="Times New Roman" panose="02020603050405020304" pitchFamily="18" charset="0"/>
+              </a:rPr>
+              <a:t>    </a:t>
+            </a:r>
+            <a:r>
+              <a:rPr kumimoji="0" lang="en-US" altLang="en-US" sz="1800" b="1" i="1" u="none" strike="noStrike" cap="none" normalizeH="0" baseline="0" smtClean="0">
+                <a:ln>
+                  <a:noFill/>
+                </a:ln>
+                <a:solidFill>
+                  <a:srgbClr val="000000"/>
+                </a:solidFill>
+                <a:effectLst/>
+                <a:latin typeface="Times New Roman" panose="02020603050405020304" pitchFamily="18" charset="0"/>
+                <a:cs typeface="Times New Roman" panose="02020603050405020304" pitchFamily="18" charset="0"/>
+              </a:rPr>
+              <a:t>directives</a:t>
+            </a:r>
+            <a:r>
+              <a:rPr kumimoji="0" lang="en-US" altLang="en-US" sz="1800" b="0" i="0" u="none" strike="noStrike" cap="none" normalizeH="0" baseline="0" smtClean="0">
+                <a:ln>
+                  <a:noFill/>
+                </a:ln>
+                <a:solidFill>
+                  <a:srgbClr val="000000"/>
+                </a:solidFill>
+                <a:effectLst/>
+                <a:latin typeface="Times New Roman" panose="02020603050405020304" pitchFamily="18" charset="0"/>
+                <a:cs typeface="Times New Roman" panose="02020603050405020304" pitchFamily="18" charset="0"/>
+              </a:rPr>
+              <a:t> denoted by</a:t>
+            </a:r>
+            <a:r>
+              <a:rPr kumimoji="0" lang="en-US" altLang="en-US" sz="1800" b="0" i="0" u="none" strike="noStrike" cap="none" normalizeH="0" baseline="0" smtClean="0">
+                <a:ln>
+                  <a:noFill/>
+                </a:ln>
+                <a:solidFill>
+                  <a:srgbClr val="000000"/>
+                </a:solidFill>
+                <a:effectLst/>
+                <a:latin typeface="Times New Roman" panose="02020603050405020304" pitchFamily="18" charset="0"/>
+                <a:cs typeface="Times New Roman" panose="02020603050405020304" pitchFamily="18" charset="0"/>
+              </a:rPr>
+              <a:t> </a:t>
+            </a:r>
+            <a:r>
+              <a:rPr kumimoji="0" lang="en-US" altLang="en-US" sz="1000" b="0" i="0" u="none" strike="noStrike" cap="none" normalizeH="0" baseline="0" smtClean="0">
+                <a:ln>
+                  <a:noFill/>
+                </a:ln>
+                <a:solidFill>
+                  <a:srgbClr val="000000"/>
+                </a:solidFill>
+                <a:effectLst/>
+                <a:latin typeface="Arial Unicode MS" panose="020B0604020202020204" pitchFamily="34" charset="-128"/>
+                <a:cs typeface="Times New Roman" panose="02020603050405020304" pitchFamily="18" charset="0"/>
+              </a:rPr>
+              <a:t>#</a:t>
+            </a:r>
+            <a:r>
+              <a:rPr kumimoji="0" lang="en-US" altLang="en-US" sz="900" b="0" i="0" u="none" strike="noStrike" cap="none" normalizeH="0" baseline="0" smtClean="0">
+                <a:ln>
+                  <a:noFill/>
+                </a:ln>
+                <a:solidFill>
+                  <a:srgbClr val="000000"/>
+                </a:solidFill>
+                <a:effectLst/>
+                <a:latin typeface="Times New Roman" panose="02020603050405020304" pitchFamily="18" charset="0"/>
+                <a:cs typeface="Times New Roman" panose="02020603050405020304" pitchFamily="18" charset="0"/>
+              </a:rPr>
+              <a:t>.</a:t>
+            </a:r>
+            <a:endParaRPr kumimoji="0" lang="en-US" altLang="en-US" sz="1800" b="0" i="0" u="none" strike="noStrike" cap="none" normalizeH="0" baseline="0" smtClean="0">
+              <a:ln>
+                <a:noFill/>
+              </a:ln>
+              <a:solidFill>
+                <a:srgbClr val="000000"/>
+              </a:solidFill>
+              <a:effectLst/>
+              <a:latin typeface="Times New Roman" panose="02020603050405020304" pitchFamily="18" charset="0"/>
+              <a:cs typeface="Times New Roman" panose="02020603050405020304" pitchFamily="18" charset="0"/>
+            </a:endParaRPr>
+          </a:p>
+        </p:txBody>
+      </p:sp>
+      <p:sp>
+        <p:nvSpPr>
+          <p:cNvPr id="5" name="Rectangle 4"/>
+          <p:cNvSpPr/>
+          <p:nvPr/>
+        </p:nvSpPr>
+        <p:spPr>
+          <a:xfrm>
+            <a:off x="5174404" y="3420229"/>
+            <a:ext cx="4572000" cy="646331"/>
+          </a:xfrm>
+          <a:prstGeom prst="rect">
+            <a:avLst/>
+          </a:prstGeom>
+        </p:spPr>
+        <p:txBody>
+          <a:bodyPr>
+            <a:spAutoFit/>
+          </a:bodyPr>
+          <a:lstStyle/>
+          <a:p>
+            <a:pPr marL="285750" indent="-285750">
+              <a:buFont typeface="Arial" panose="020B0604020202020204" pitchFamily="34" charset="0"/>
+              <a:buChar char="•"/>
+            </a:pPr>
+            <a:r>
+              <a:rPr lang="en-US">
+                <a:solidFill>
+                  <a:srgbClr val="000000"/>
+                </a:solidFill>
+                <a:latin typeface="Times New Roman" panose="02020603050405020304" pitchFamily="18" charset="0"/>
+              </a:rPr>
+              <a:t>The C compiler </a:t>
+            </a:r>
+            <a:r>
+              <a:rPr lang="en-US">
+                <a:solidFill>
+                  <a:srgbClr val="000000"/>
+                </a:solidFill>
+                <a:latin typeface="Times New Roman" panose="02020603050405020304" pitchFamily="18" charset="0"/>
+              </a:rPr>
+              <a:t>translates </a:t>
+            </a:r>
+            <a:endParaRPr lang="en-US">
+              <a:solidFill>
+                <a:srgbClr val="000000"/>
+              </a:solidFill>
+              <a:latin typeface="Times New Roman" panose="02020603050405020304" pitchFamily="18" charset="0"/>
+            </a:endParaRPr>
+          </a:p>
+          <a:p>
+            <a:r>
+              <a:rPr lang="en-US">
+                <a:solidFill>
+                  <a:srgbClr val="000000"/>
+                </a:solidFill>
+                <a:latin typeface="Times New Roman" panose="02020603050405020304" pitchFamily="18" charset="0"/>
+              </a:rPr>
+              <a:t> </a:t>
+            </a:r>
+            <a:r>
+              <a:rPr lang="en-US" smtClean="0">
+                <a:solidFill>
+                  <a:srgbClr val="000000"/>
+                </a:solidFill>
+                <a:latin typeface="Times New Roman" panose="02020603050405020304" pitchFamily="18" charset="0"/>
+              </a:rPr>
+              <a:t>    source </a:t>
+            </a:r>
+            <a:r>
+              <a:rPr lang="en-US">
+                <a:solidFill>
+                  <a:srgbClr val="000000"/>
+                </a:solidFill>
+                <a:latin typeface="Times New Roman" panose="02020603050405020304" pitchFamily="18" charset="0"/>
+              </a:rPr>
+              <a:t>to assembly code.</a:t>
+            </a:r>
             <a:endParaRPr lang="en-US"/>
           </a:p>
         </p:txBody>
       </p:sp>
       <p:sp>
         <p:nvSpPr>
-          <p:cNvPr id="3" name="Content Placeholder 2"/>
-          <p:cNvSpPr>
-            <a:spLocks noGrp="1"/>
-          </p:cNvSpPr>
+          <p:cNvPr id="6" name="Rectangle 5"/>
+          <p:cNvSpPr/>
+          <p:nvPr/>
+        </p:nvSpPr>
+        <p:spPr>
+          <a:xfrm>
+            <a:off x="5174404" y="4378565"/>
+            <a:ext cx="3685624" cy="369332"/>
+          </a:xfrm>
+          <a:prstGeom prst="rect">
+            <a:avLst/>
+          </a:prstGeom>
+        </p:spPr>
+        <p:txBody>
+          <a:bodyPr wrap="none">
+            <a:spAutoFit/>
+          </a:bodyPr>
+          <a:lstStyle/>
+          <a:p>
+            <a:pPr marL="285750" indent="-285750">
+              <a:buFont typeface="Arial" panose="020B0604020202020204" pitchFamily="34" charset="0"/>
+              <a:buChar char="•"/>
+            </a:pPr>
+            <a:r>
+              <a:rPr lang="en-US">
+                <a:solidFill>
+                  <a:srgbClr val="000000"/>
+                </a:solidFill>
+                <a:latin typeface="Times New Roman" panose="02020603050405020304" pitchFamily="18" charset="0"/>
+              </a:rPr>
+              <a:t>The assembler creates object code.</a:t>
+            </a:r>
+            <a:endParaRPr lang="en-US"/>
+          </a:p>
+        </p:txBody>
+      </p:sp>
+      <p:pic>
+        <p:nvPicPr>
+          <p:cNvPr id="1031" name="Picture 7" descr="https://www3.ntu.edu.sg/home/ehchua/programming/cpp/images/GCC_CompilationProcess.png"/>
+          <p:cNvPicPr>
+            <a:picLocks noGrp="1" noChangeAspect="1" noChangeArrowheads="1"/>
+          </p:cNvPicPr>
           <p:nvPr>
             <p:ph idx="1"/>
           </p:nvPr>
-        </p:nvSpPr>
-        <p:spPr/>
-        <p:txBody>
-          <a:bodyPr/>
-          <a:lstStyle/>
-          <a:p>
-            <a:endParaRPr lang="en-US"/>
+        </p:nvPicPr>
+        <p:blipFill>
+          <a:blip r:embed="rId3">
+            <a:extLst>
+              <a:ext uri="{28A0092B-C50C-407E-A947-70E740481C1C}">
+                <a14:useLocalDpi xmlns:a14="http://schemas.microsoft.com/office/drawing/2010/main" val="0"/>
+              </a:ext>
+            </a:extLst>
+          </a:blip>
+          <a:srcRect/>
+          <a:stretch>
+            <a:fillRect/>
+          </a:stretch>
+        </p:blipFill>
+        <p:spPr bwMode="auto">
+          <a:xfrm>
+            <a:off x="385001" y="1945220"/>
+            <a:ext cx="4686706" cy="4611991"/>
+          </a:xfrm>
+          <a:prstGeom prst="rect">
+            <a:avLst/>
+          </a:prstGeom>
+          <a:noFill/>
+          <a:extLst>
+            <a:ext uri="{909E8E84-426E-40DD-AFC4-6F175D3DCCD1}">
+              <a14:hiddenFill xmlns:a14="http://schemas.microsoft.com/office/drawing/2010/main">
+                <a:solidFill>
+                  <a:srgbClr val="FFFFFF"/>
+                </a:solidFill>
+              </a14:hiddenFill>
+            </a:ext>
+          </a:extLst>
+        </p:spPr>
+      </p:pic>
+      <p:sp>
+        <p:nvSpPr>
+          <p:cNvPr id="9" name="Rectangle 8"/>
+          <p:cNvSpPr/>
+          <p:nvPr/>
+        </p:nvSpPr>
+        <p:spPr>
+          <a:xfrm>
+            <a:off x="5174404" y="5391835"/>
+            <a:ext cx="4572000" cy="646331"/>
+          </a:xfrm>
+          <a:prstGeom prst="rect">
+            <a:avLst/>
+          </a:prstGeom>
+        </p:spPr>
+        <p:txBody>
+          <a:bodyPr>
+            <a:spAutoFit/>
+          </a:bodyPr>
+          <a:lstStyle/>
+          <a:p>
+            <a:pPr marL="285750" indent="-285750">
+              <a:buFont typeface="Arial" panose="020B0604020202020204" pitchFamily="34" charset="0"/>
+              <a:buChar char="•"/>
+            </a:pPr>
+            <a:r>
+              <a:rPr lang="en-US">
+                <a:solidFill>
+                  <a:srgbClr val="000000"/>
+                </a:solidFill>
+                <a:latin typeface="Times New Roman" panose="02020603050405020304" pitchFamily="18" charset="0"/>
+              </a:rPr>
+              <a:t>links the object code with the library code to produce an executable file</a:t>
+            </a:r>
           </a:p>
         </p:txBody>
       </p:sp>
@@ -4134,6 +5070,295 @@
     <p:extLst>
       <p:ext uri="{BB962C8B-B14F-4D97-AF65-F5344CB8AC3E}">
         <p14:creationId xmlns:p14="http://schemas.microsoft.com/office/powerpoint/2010/main" val="3638160716"/>
+      </p:ext>
+    </p:extLst>
+  </p:cSld>
+  <p:clrMapOvr>
+    <a:masterClrMapping/>
+  </p:clrMapOvr>
+  <p:timing>
+    <p:tnLst>
+      <p:par>
+        <p:cTn id="1" dur="indefinite" restart="never" nodeType="tmRoot"/>
+      </p:par>
+    </p:tnLst>
+  </p:timing>
+</p:sld>
+</file>
+
+<file path=ppt/slides/slide4.xml><?xml version="1.0" encoding="utf-8"?>
+<p:sld xmlns:a="http://schemas.openxmlformats.org/drawingml/2006/main" xmlns:r="http://schemas.openxmlformats.org/officeDocument/2006/relationships" xmlns:p="http://schemas.openxmlformats.org/presentationml/2006/main">
+  <p:cSld>
+    <p:spTree>
+      <p:nvGrpSpPr>
+        <p:cNvPr id="1" name=""/>
+        <p:cNvGrpSpPr/>
+        <p:nvPr/>
+      </p:nvGrpSpPr>
+      <p:grpSpPr>
+        <a:xfrm>
+          <a:off x="0" y="0"/>
+          <a:ext cx="0" cy="0"/>
+          <a:chOff x="0" y="0"/>
+          <a:chExt cx="0" cy="0"/>
+        </a:xfrm>
+      </p:grpSpPr>
+      <p:sp>
+        <p:nvSpPr>
+          <p:cNvPr id="2" name="Title 1"/>
+          <p:cNvSpPr>
+            <a:spLocks noGrp="1"/>
+          </p:cNvSpPr>
+          <p:nvPr>
+            <p:ph type="title"/>
+          </p:nvPr>
+        </p:nvSpPr>
+        <p:spPr/>
+        <p:txBody>
+          <a:bodyPr/>
+          <a:lstStyle/>
+          <a:p>
+            <a:r>
+              <a:rPr lang="en-US"/>
+              <a:t>program structure in c</a:t>
+            </a:r>
+          </a:p>
+        </p:txBody>
+      </p:sp>
+      <p:sp>
+        <p:nvSpPr>
+          <p:cNvPr id="4" name="Rectangle 3"/>
+          <p:cNvSpPr>
+            <a:spLocks noGrp="1" noChangeArrowheads="1"/>
+          </p:cNvSpPr>
+          <p:nvPr>
+            <p:ph idx="1"/>
+          </p:nvPr>
+        </p:nvSpPr>
+        <p:spPr>
+          <a:xfrm>
+            <a:off x="360167" y="2651760"/>
+            <a:ext cx="3369622" cy="4206240"/>
+          </a:xfrm>
+        </p:spPr>
+        <p:txBody>
+          <a:bodyPr/>
+          <a:lstStyle/>
+          <a:p>
+            <a:pPr marL="0" indent="0" algn="just">
+              <a:buNone/>
+            </a:pPr>
+            <a:r>
+              <a:rPr lang="en-US"/>
+              <a:t>A C program basically consists of the following parts:</a:t>
+            </a:r>
+          </a:p>
+          <a:p>
+            <a:pPr lvl="1" algn="just"/>
+            <a:r>
+              <a:rPr lang="en-US"/>
+              <a:t>Preprocessor </a:t>
+            </a:r>
+            <a:r>
+              <a:rPr lang="en-US" smtClean="0"/>
+              <a:t>Commands Functions</a:t>
+            </a:r>
+          </a:p>
+          <a:p>
+            <a:pPr lvl="1" algn="just"/>
+            <a:r>
+              <a:rPr lang="en-US" smtClean="0"/>
+              <a:t>Prototype</a:t>
+            </a:r>
+            <a:endParaRPr lang="en-US"/>
+          </a:p>
+          <a:p>
+            <a:pPr lvl="1" algn="just"/>
+            <a:r>
+              <a:rPr lang="en-US"/>
+              <a:t>Variables</a:t>
+            </a:r>
+          </a:p>
+          <a:p>
+            <a:pPr lvl="1" algn="just"/>
+            <a:r>
+              <a:rPr lang="en-US" smtClean="0"/>
+              <a:t>Comments</a:t>
+            </a:r>
+            <a:endParaRPr lang="en-US"/>
+          </a:p>
+        </p:txBody>
+      </p:sp>
+      <p:sp>
+        <p:nvSpPr>
+          <p:cNvPr id="11" name="TextBox 10"/>
+          <p:cNvSpPr txBox="1"/>
+          <p:nvPr/>
+        </p:nvSpPr>
+        <p:spPr>
+          <a:xfrm>
+            <a:off x="5281082" y="2651760"/>
+            <a:ext cx="3176337" cy="3539430"/>
+          </a:xfrm>
+          <a:prstGeom prst="rect">
+            <a:avLst/>
+          </a:prstGeom>
+          <a:noFill/>
+        </p:spPr>
+        <p:txBody>
+          <a:bodyPr wrap="square" rtlCol="0">
+            <a:spAutoFit/>
+          </a:bodyPr>
+          <a:lstStyle/>
+          <a:p>
+            <a:r>
+              <a:rPr lang="en-US" sz="2800" smtClean="0">
+                <a:solidFill>
+                  <a:schemeClr val="bg1"/>
+                </a:solidFill>
+                <a:latin typeface="Sakkal Majalla" panose="02000000000000000000" pitchFamily="2" charset="-78"/>
+                <a:cs typeface="Sakkal Majalla" panose="02000000000000000000" pitchFamily="2" charset="-78"/>
+              </a:rPr>
+              <a:t>#include &lt;stdio.h&gt;</a:t>
+            </a:r>
+          </a:p>
+          <a:p>
+            <a:r>
+              <a:rPr lang="en-US" sz="2800" smtClean="0">
+                <a:solidFill>
+                  <a:schemeClr val="bg1"/>
+                </a:solidFill>
+                <a:latin typeface="Sakkal Majalla" panose="02000000000000000000" pitchFamily="2" charset="-78"/>
+                <a:cs typeface="Sakkal Majalla" panose="02000000000000000000" pitchFamily="2" charset="-78"/>
+              </a:rPr>
+              <a:t>[global </a:t>
+            </a:r>
+            <a:r>
+              <a:rPr lang="en-US" sz="2800">
+                <a:solidFill>
+                  <a:schemeClr val="bg1"/>
+                </a:solidFill>
+                <a:latin typeface="Sakkal Majalla" panose="02000000000000000000" pitchFamily="2" charset="-78"/>
+                <a:cs typeface="Sakkal Majalla" panose="02000000000000000000" pitchFamily="2" charset="-78"/>
+              </a:rPr>
+              <a:t>variables]</a:t>
+            </a:r>
+          </a:p>
+          <a:p>
+            <a:r>
+              <a:rPr lang="en-US" sz="2800" smtClean="0">
+                <a:solidFill>
+                  <a:schemeClr val="bg1"/>
+                </a:solidFill>
+                <a:latin typeface="Sakkal Majalla" panose="02000000000000000000" pitchFamily="2" charset="-78"/>
+                <a:cs typeface="Sakkal Majalla" panose="02000000000000000000" pitchFamily="2" charset="-78"/>
+              </a:rPr>
+              <a:t>[</a:t>
+            </a:r>
+            <a:r>
+              <a:rPr lang="en-US" sz="2800">
+                <a:solidFill>
+                  <a:schemeClr val="bg1"/>
+                </a:solidFill>
+                <a:latin typeface="Sakkal Majalla" panose="02000000000000000000" pitchFamily="2" charset="-78"/>
+                <a:cs typeface="Sakkal Majalla" panose="02000000000000000000" pitchFamily="2" charset="-78"/>
+              </a:rPr>
+              <a:t>function </a:t>
+            </a:r>
+            <a:r>
+              <a:rPr lang="en-US" sz="2800" smtClean="0">
+                <a:solidFill>
+                  <a:schemeClr val="bg1"/>
+                </a:solidFill>
+                <a:latin typeface="Sakkal Majalla" panose="02000000000000000000" pitchFamily="2" charset="-78"/>
+                <a:cs typeface="Sakkal Majalla" panose="02000000000000000000" pitchFamily="2" charset="-78"/>
+              </a:rPr>
+              <a:t>prototype]</a:t>
+            </a:r>
+          </a:p>
+          <a:p>
+            <a:r>
+              <a:rPr lang="en-US" sz="2800" smtClean="0">
+                <a:solidFill>
+                  <a:schemeClr val="bg1"/>
+                </a:solidFill>
+                <a:latin typeface="Sakkal Majalla" panose="02000000000000000000" pitchFamily="2" charset="-78"/>
+                <a:cs typeface="Sakkal Majalla" panose="02000000000000000000" pitchFamily="2" charset="-78"/>
+              </a:rPr>
+              <a:t>int main()</a:t>
+            </a:r>
+          </a:p>
+          <a:p>
+            <a:r>
+              <a:rPr lang="en-US" sz="2800" smtClean="0">
+                <a:solidFill>
+                  <a:schemeClr val="bg1"/>
+                </a:solidFill>
+                <a:latin typeface="Sakkal Majalla" panose="02000000000000000000" pitchFamily="2" charset="-78"/>
+                <a:cs typeface="Sakkal Majalla" panose="02000000000000000000" pitchFamily="2" charset="-78"/>
+              </a:rPr>
+              <a:t>{</a:t>
+            </a:r>
+          </a:p>
+          <a:p>
+            <a:r>
+              <a:rPr lang="en-US" sz="2800">
+                <a:solidFill>
+                  <a:schemeClr val="bg1"/>
+                </a:solidFill>
+                <a:latin typeface="Sakkal Majalla" panose="02000000000000000000" pitchFamily="2" charset="-78"/>
+                <a:cs typeface="Sakkal Majalla" panose="02000000000000000000" pitchFamily="2" charset="-78"/>
+              </a:rPr>
+              <a:t>	//</a:t>
+            </a:r>
+            <a:r>
+              <a:rPr lang="en-US" sz="2800" smtClean="0">
+                <a:solidFill>
+                  <a:schemeClr val="bg1"/>
+                </a:solidFill>
+                <a:latin typeface="Sakkal Majalla" panose="02000000000000000000" pitchFamily="2" charset="-78"/>
+                <a:cs typeface="Sakkal Majalla" panose="02000000000000000000" pitchFamily="2" charset="-78"/>
+              </a:rPr>
+              <a:t>statements</a:t>
+            </a:r>
+          </a:p>
+          <a:p>
+            <a:r>
+              <a:rPr lang="en-US" sz="2800" smtClean="0">
+                <a:solidFill>
+                  <a:schemeClr val="bg1"/>
+                </a:solidFill>
+                <a:latin typeface="Sakkal Majalla" panose="02000000000000000000" pitchFamily="2" charset="-78"/>
+                <a:cs typeface="Sakkal Majalla" panose="02000000000000000000" pitchFamily="2" charset="-78"/>
+              </a:rPr>
+              <a:t>	return 0;</a:t>
+            </a:r>
+          </a:p>
+          <a:p>
+            <a:r>
+              <a:rPr lang="en-US" sz="2800" smtClean="0">
+                <a:solidFill>
+                  <a:schemeClr val="bg1"/>
+                </a:solidFill>
+                <a:latin typeface="Sakkal Majalla" panose="02000000000000000000" pitchFamily="2" charset="-78"/>
+                <a:cs typeface="Sakkal Majalla" panose="02000000000000000000" pitchFamily="2" charset="-78"/>
+              </a:rPr>
+              <a:t>};</a:t>
+            </a:r>
+            <a:endParaRPr lang="en-US" sz="2800">
+              <a:solidFill>
+                <a:schemeClr val="bg1"/>
+              </a:solidFill>
+              <a:latin typeface="Sakkal Majalla" panose="02000000000000000000" pitchFamily="2" charset="-78"/>
+              <a:cs typeface="Sakkal Majalla" panose="02000000000000000000" pitchFamily="2" charset="-78"/>
+            </a:endParaRPr>
+          </a:p>
+        </p:txBody>
+      </p:sp>
+    </p:spTree>
+    <p:extLst>
+      <p:ext uri="{BB962C8B-B14F-4D97-AF65-F5344CB8AC3E}">
+        <p14:creationId xmlns:p14="http://schemas.microsoft.com/office/powerpoint/2010/main" val="1618702618"/>
       </p:ext>
     </p:extLst>
   </p:cSld>

--- a/C Language.pptx
+++ b/C Language.pptx
@@ -5,13 +5,21 @@
     <p:sldMasterId id="2147483660" r:id="rId1"/>
   </p:sldMasterIdLst>
   <p:notesMasterIdLst>
-    <p:notesMasterId r:id="rId6"/>
+    <p:notesMasterId r:id="rId14"/>
   </p:notesMasterIdLst>
   <p:sldIdLst>
     <p:sldId id="256" r:id="rId2"/>
     <p:sldId id="257" r:id="rId3"/>
     <p:sldId id="258" r:id="rId4"/>
     <p:sldId id="259" r:id="rId5"/>
+    <p:sldId id="261" r:id="rId6"/>
+    <p:sldId id="260" r:id="rId7"/>
+    <p:sldId id="262" r:id="rId8"/>
+    <p:sldId id="263" r:id="rId9"/>
+    <p:sldId id="264" r:id="rId10"/>
+    <p:sldId id="265" r:id="rId11"/>
+    <p:sldId id="266" r:id="rId12"/>
+    <p:sldId id="267" r:id="rId13"/>
   </p:sldIdLst>
   <p:sldSz cx="9144000" cy="6858000" type="screen4x3"/>
   <p:notesSz cx="6858000" cy="9144000"/>
@@ -200,7 +208,7 @@
           <a:p>
             <a:fld id="{B5A359EE-83A3-46DD-A625-BE357EE2F5AC}" type="datetimeFigureOut">
               <a:rPr lang="en-US" smtClean="0"/>
-              <a:t>7/24/2015</a:t>
+              <a:t>7/26/2015</a:t>
             </a:fld>
             <a:endParaRPr lang="en-US"/>
           </a:p>
@@ -958,6 +966,273 @@
 </p:notes>
 </file>
 
+<file path=ppt/notesSlides/notesSlide4.xml><?xml version="1.0" encoding="utf-8"?>
+<p:notes xmlns:a="http://schemas.openxmlformats.org/drawingml/2006/main" xmlns:r="http://schemas.openxmlformats.org/officeDocument/2006/relationships" xmlns:p="http://schemas.openxmlformats.org/presentationml/2006/main">
+  <p:cSld>
+    <p:spTree>
+      <p:nvGrpSpPr>
+        <p:cNvPr id="1" name=""/>
+        <p:cNvGrpSpPr/>
+        <p:nvPr/>
+      </p:nvGrpSpPr>
+      <p:grpSpPr>
+        <a:xfrm>
+          <a:off x="0" y="0"/>
+          <a:ext cx="0" cy="0"/>
+          <a:chOff x="0" y="0"/>
+          <a:chExt cx="0" cy="0"/>
+        </a:xfrm>
+      </p:grpSpPr>
+      <p:sp>
+        <p:nvSpPr>
+          <p:cNvPr id="2" name="Slide Image Placeholder 1"/>
+          <p:cNvSpPr>
+            <a:spLocks noGrp="1" noRot="1" noChangeAspect="1"/>
+          </p:cNvSpPr>
+          <p:nvPr>
+            <p:ph type="sldImg"/>
+          </p:nvPr>
+        </p:nvSpPr>
+        <p:spPr/>
+      </p:sp>
+      <p:sp>
+        <p:nvSpPr>
+          <p:cNvPr id="3" name="Notes Placeholder 2"/>
+          <p:cNvSpPr>
+            <a:spLocks noGrp="1"/>
+          </p:cNvSpPr>
+          <p:nvPr>
+            <p:ph type="body" idx="1"/>
+          </p:nvPr>
+        </p:nvSpPr>
+        <p:spPr/>
+        <p:txBody>
+          <a:bodyPr/>
+          <a:lstStyle/>
+          <a:p>
+            <a:r>
+              <a:rPr lang="vi-VN" sz="1200" b="0" i="0" kern="1200" smtClean="0">
+                <a:solidFill>
+                  <a:schemeClr val="tx1"/>
+                </a:solidFill>
+                <a:effectLst/>
+                <a:latin typeface="+mn-lt"/>
+                <a:ea typeface="+mn-ea"/>
+                <a:cs typeface="+mn-cs"/>
+              </a:rPr>
+              <a:t>%c : Ký tự đơn</a:t>
+            </a:r>
+            <a:r>
+              <a:rPr lang="vi-VN" smtClean="0"/>
+              <a:t/>
+            </a:r>
+            <a:br>
+              <a:rPr lang="vi-VN" smtClean="0"/>
+            </a:br>
+            <a:r>
+              <a:rPr lang="vi-VN" sz="1200" b="0" i="0" kern="1200" smtClean="0">
+                <a:solidFill>
+                  <a:schemeClr val="tx1"/>
+                </a:solidFill>
+                <a:effectLst/>
+                <a:latin typeface="+mn-lt"/>
+                <a:ea typeface="+mn-ea"/>
+                <a:cs typeface="+mn-cs"/>
+              </a:rPr>
+              <a:t>%s : Chuỗi</a:t>
+            </a:r>
+            <a:r>
+              <a:rPr lang="vi-VN" smtClean="0"/>
+              <a:t/>
+            </a:r>
+            <a:br>
+              <a:rPr lang="vi-VN" smtClean="0"/>
+            </a:br>
+            <a:r>
+              <a:rPr lang="vi-VN" sz="1200" b="0" i="0" kern="1200" smtClean="0">
+                <a:solidFill>
+                  <a:schemeClr val="tx1"/>
+                </a:solidFill>
+                <a:effectLst/>
+                <a:latin typeface="+mn-lt"/>
+                <a:ea typeface="+mn-ea"/>
+                <a:cs typeface="+mn-cs"/>
+              </a:rPr>
+              <a:t>%d : in số ra kiểu int</a:t>
+            </a:r>
+            <a:r>
+              <a:rPr lang="vi-VN" smtClean="0"/>
+              <a:t/>
+            </a:r>
+            <a:br>
+              <a:rPr lang="vi-VN" smtClean="0"/>
+            </a:br>
+            <a:r>
+              <a:rPr lang="vi-VN" sz="1200" b="0" i="0" kern="1200" smtClean="0">
+                <a:solidFill>
+                  <a:schemeClr val="tx1"/>
+                </a:solidFill>
+                <a:effectLst/>
+                <a:latin typeface="+mn-lt"/>
+                <a:ea typeface="+mn-ea"/>
+                <a:cs typeface="+mn-cs"/>
+              </a:rPr>
+              <a:t>%f : in số ra kiểu float</a:t>
+            </a:r>
+            <a:r>
+              <a:rPr lang="vi-VN" smtClean="0"/>
+              <a:t/>
+            </a:r>
+            <a:br>
+              <a:rPr lang="vi-VN" smtClean="0"/>
+            </a:br>
+            <a:r>
+              <a:rPr lang="vi-VN" sz="1200" b="0" i="0" kern="1200" smtClean="0">
+                <a:solidFill>
+                  <a:schemeClr val="tx1"/>
+                </a:solidFill>
+                <a:effectLst/>
+                <a:latin typeface="+mn-lt"/>
+                <a:ea typeface="+mn-ea"/>
+                <a:cs typeface="+mn-cs"/>
+              </a:rPr>
+              <a:t>%e : Số chấm động (ký hiệu có số mũ)</a:t>
+            </a:r>
+            <a:r>
+              <a:rPr lang="vi-VN" smtClean="0"/>
+              <a:t/>
+            </a:r>
+            <a:br>
+              <a:rPr lang="vi-VN" smtClean="0"/>
+            </a:br>
+            <a:r>
+              <a:rPr lang="vi-VN" sz="1200" b="0" i="0" kern="1200" smtClean="0">
+                <a:solidFill>
+                  <a:schemeClr val="tx1"/>
+                </a:solidFill>
+                <a:effectLst/>
+                <a:latin typeface="+mn-lt"/>
+                <a:ea typeface="+mn-ea"/>
+                <a:cs typeface="+mn-cs"/>
+              </a:rPr>
+              <a:t>%g : Số chấm động (%f hay %g)</a:t>
+            </a:r>
+            <a:r>
+              <a:rPr lang="vi-VN" smtClean="0"/>
+              <a:t/>
+            </a:r>
+            <a:br>
+              <a:rPr lang="vi-VN" smtClean="0"/>
+            </a:br>
+            <a:r>
+              <a:rPr lang="vi-VN" sz="1200" b="0" i="0" kern="1200" smtClean="0">
+                <a:solidFill>
+                  <a:schemeClr val="tx1"/>
+                </a:solidFill>
+                <a:effectLst/>
+                <a:latin typeface="+mn-lt"/>
+                <a:ea typeface="+mn-ea"/>
+                <a:cs typeface="+mn-cs"/>
+              </a:rPr>
+              <a:t>%u : Số nguyên thập phân không dấu(unsigned)</a:t>
+            </a:r>
+            <a:r>
+              <a:rPr lang="vi-VN" smtClean="0"/>
+              <a:t/>
+            </a:r>
+            <a:br>
+              <a:rPr lang="vi-VN" smtClean="0"/>
+            </a:br>
+            <a:r>
+              <a:rPr lang="vi-VN" sz="1200" b="0" i="0" kern="1200" smtClean="0">
+                <a:solidFill>
+                  <a:schemeClr val="tx1"/>
+                </a:solidFill>
+                <a:effectLst/>
+                <a:latin typeface="+mn-lt"/>
+                <a:ea typeface="+mn-ea"/>
+                <a:cs typeface="+mn-cs"/>
+              </a:rPr>
+              <a:t>%x : in ra số ở dạng cớ số 16</a:t>
+            </a:r>
+            <a:r>
+              <a:rPr lang="vi-VN" smtClean="0"/>
+              <a:t/>
+            </a:r>
+            <a:br>
+              <a:rPr lang="vi-VN" smtClean="0"/>
+            </a:br>
+            <a:r>
+              <a:rPr lang="vi-VN" sz="1200" b="0" i="0" kern="1200" smtClean="0">
+                <a:solidFill>
+                  <a:schemeClr val="tx1"/>
+                </a:solidFill>
+                <a:effectLst/>
+                <a:latin typeface="+mn-lt"/>
+                <a:ea typeface="+mn-ea"/>
+                <a:cs typeface="+mn-cs"/>
+              </a:rPr>
+              <a:t>%o : in ra số ở dạng cơ số 8</a:t>
+            </a:r>
+            <a:r>
+              <a:rPr lang="vi-VN" smtClean="0"/>
+              <a:t/>
+            </a:r>
+            <a:br>
+              <a:rPr lang="vi-VN" smtClean="0"/>
+            </a:br>
+            <a:r>
+              <a:rPr lang="vi-VN" sz="1200" b="0" i="0" kern="1200" smtClean="0">
+                <a:solidFill>
+                  <a:schemeClr val="tx1"/>
+                </a:solidFill>
+                <a:effectLst/>
+                <a:latin typeface="+mn-lt"/>
+                <a:ea typeface="+mn-ea"/>
+                <a:cs typeface="+mn-cs"/>
+              </a:rPr>
+              <a:t>l : Tiền tố dùng kèm với %d, %u, %x, %o để chỉ số nguyên dài (ví dụ%ld)</a:t>
+            </a:r>
+            <a:endParaRPr lang="en-US"/>
+          </a:p>
+        </p:txBody>
+      </p:sp>
+      <p:sp>
+        <p:nvSpPr>
+          <p:cNvPr id="4" name="Slide Number Placeholder 3"/>
+          <p:cNvSpPr>
+            <a:spLocks noGrp="1"/>
+          </p:cNvSpPr>
+          <p:nvPr>
+            <p:ph type="sldNum" sz="quarter" idx="10"/>
+          </p:nvPr>
+        </p:nvSpPr>
+        <p:spPr/>
+        <p:txBody>
+          <a:bodyPr/>
+          <a:lstStyle/>
+          <a:p>
+            <a:fld id="{6BC6582D-1A7B-4EF0-B2D6-AA7E6A5E55C9}" type="slidenum">
+              <a:rPr lang="en-US" smtClean="0"/>
+              <a:t>6</a:t>
+            </a:fld>
+            <a:endParaRPr lang="en-US"/>
+          </a:p>
+        </p:txBody>
+      </p:sp>
+    </p:spTree>
+    <p:extLst>
+      <p:ext uri="{BB962C8B-B14F-4D97-AF65-F5344CB8AC3E}">
+        <p14:creationId xmlns:p14="http://schemas.microsoft.com/office/powerpoint/2010/main" val="345972087"/>
+      </p:ext>
+    </p:extLst>
+  </p:cSld>
+  <p:clrMapOvr>
+    <a:masterClrMapping/>
+  </p:clrMapOvr>
+</p:notes>
+</file>
+
 <file path=ppt/slideLayouts/slideLayout1.xml><?xml version="1.0" encoding="utf-8"?>
 <p:sldLayout xmlns:a="http://schemas.openxmlformats.org/drawingml/2006/main" xmlns:r="http://schemas.openxmlformats.org/officeDocument/2006/relationships" xmlns:p="http://schemas.openxmlformats.org/presentationml/2006/main" showMasterSp="0" type="title" preserve="1">
   <p:cSld name="Title Slide">
@@ -1134,7 +1409,7 @@
           <a:p>
             <a:fld id="{96DFF08F-DC6B-4601-B491-B0F83F6DD2DA}" type="datetimeFigureOut">
               <a:rPr lang="en-US" smtClean="0"/>
-              <a:t>7/24/2015</a:t>
+              <a:t>7/26/2015</a:t>
             </a:fld>
             <a:endParaRPr lang="en-US" dirty="0"/>
           </a:p>
@@ -1304,7 +1579,7 @@
           <a:p>
             <a:fld id="{96DFF08F-DC6B-4601-B491-B0F83F6DD2DA}" type="datetimeFigureOut">
               <a:rPr lang="en-US" smtClean="0"/>
-              <a:t>7/24/2015</a:t>
+              <a:t>7/26/2015</a:t>
             </a:fld>
             <a:endParaRPr lang="en-US" dirty="0"/>
           </a:p>
@@ -1527,7 +1802,7 @@
           <a:p>
             <a:fld id="{96DFF08F-DC6B-4601-B491-B0F83F6DD2DA}" type="datetimeFigureOut">
               <a:rPr lang="en-US" smtClean="0"/>
-              <a:t>7/24/2015</a:t>
+              <a:t>7/26/2015</a:t>
             </a:fld>
             <a:endParaRPr lang="en-US" dirty="0"/>
           </a:p>
@@ -1707,7 +1982,7 @@
           <a:p>
             <a:fld id="{96DFF08F-DC6B-4601-B491-B0F83F6DD2DA}" type="datetimeFigureOut">
               <a:rPr lang="en-US" smtClean="0"/>
-              <a:t>7/24/2015</a:t>
+              <a:t>7/26/2015</a:t>
             </a:fld>
             <a:endParaRPr lang="en-US" dirty="0"/>
           </a:p>
@@ -2014,7 +2289,7 @@
             <a:fld id="{96DFF08F-DC6B-4601-B491-B0F83F6DD2DA}" type="datetimeFigureOut">
               <a:rPr lang="en-US" smtClean="0"/>
               <a:pPr/>
-              <a:t>7/24/2015</a:t>
+              <a:t>7/26/2015</a:t>
             </a:fld>
             <a:endParaRPr lang="en-US" dirty="0"/>
           </a:p>
@@ -2319,7 +2594,7 @@
           <a:p>
             <a:fld id="{96DFF08F-DC6B-4601-B491-B0F83F6DD2DA}" type="datetimeFigureOut">
               <a:rPr lang="en-US" smtClean="0"/>
-              <a:t>7/24/2015</a:t>
+              <a:t>7/26/2015</a:t>
             </a:fld>
             <a:endParaRPr lang="en-US" dirty="0"/>
           </a:p>
@@ -2741,7 +3016,7 @@
           <a:p>
             <a:fld id="{96DFF08F-DC6B-4601-B491-B0F83F6DD2DA}" type="datetimeFigureOut">
               <a:rPr lang="en-US" smtClean="0"/>
-              <a:t>7/24/2015</a:t>
+              <a:t>7/26/2015</a:t>
             </a:fld>
             <a:endParaRPr lang="en-US" dirty="0"/>
           </a:p>
@@ -2859,7 +3134,7 @@
           <a:p>
             <a:fld id="{96DFF08F-DC6B-4601-B491-B0F83F6DD2DA}" type="datetimeFigureOut">
               <a:rPr lang="en-US" smtClean="0"/>
-              <a:t>7/24/2015</a:t>
+              <a:t>7/26/2015</a:t>
             </a:fld>
             <a:endParaRPr lang="en-US" dirty="0"/>
           </a:p>
@@ -2954,7 +3229,7 @@
           <a:p>
             <a:fld id="{96DFF08F-DC6B-4601-B491-B0F83F6DD2DA}" type="datetimeFigureOut">
               <a:rPr lang="en-US" smtClean="0"/>
-              <a:t>7/24/2015</a:t>
+              <a:t>7/26/2015</a:t>
             </a:fld>
             <a:endParaRPr lang="en-US" dirty="0"/>
           </a:p>
@@ -3227,7 +3502,7 @@
           <a:p>
             <a:fld id="{96DFF08F-DC6B-4601-B491-B0F83F6DD2DA}" type="datetimeFigureOut">
               <a:rPr lang="en-US" smtClean="0"/>
-              <a:t>7/24/2015</a:t>
+              <a:t>7/26/2015</a:t>
             </a:fld>
             <a:endParaRPr lang="en-US" dirty="0"/>
           </a:p>
@@ -3492,7 +3767,7 @@
           <a:p>
             <a:fld id="{96DFF08F-DC6B-4601-B491-B0F83F6DD2DA}" type="datetimeFigureOut">
               <a:rPr lang="en-US" smtClean="0"/>
-              <a:t>7/24/2015</a:t>
+              <a:t>7/26/2015</a:t>
             </a:fld>
             <a:endParaRPr lang="en-US" dirty="0"/>
           </a:p>
@@ -3742,7 +4017,7 @@
             <a:fld id="{96DFF08F-DC6B-4601-B491-B0F83F6DD2DA}" type="datetimeFigureOut">
               <a:rPr lang="en-US" smtClean="0"/>
               <a:pPr/>
-              <a:t>7/24/2015</a:t>
+              <a:t>7/26/2015</a:t>
             </a:fld>
             <a:endParaRPr lang="en-US" dirty="0"/>
           </a:p>
@@ -4210,17 +4485,19 @@
         </p:nvSpPr>
         <p:spPr/>
         <p:txBody>
-          <a:bodyPr/>
+          <a:bodyPr>
+            <a:normAutofit/>
+          </a:bodyPr>
           <a:lstStyle/>
           <a:p>
             <a:r>
-              <a:rPr lang="en-US" smtClean="0">
+              <a:rPr lang="en-US" sz="5400" smtClean="0">
                 <a:latin typeface="Times New Roman" panose="02020603050405020304" pitchFamily="18" charset="0"/>
                 <a:cs typeface="Times New Roman" panose="02020603050405020304" pitchFamily="18" charset="0"/>
               </a:rPr>
-              <a:t>C Language	Overview</a:t>
-            </a:r>
-            <a:endParaRPr lang="en-US">
+              <a:t>C Language Overview</a:t>
+            </a:r>
+            <a:endParaRPr lang="en-US" sz="5400">
               <a:latin typeface="Times New Roman" panose="02020603050405020304" pitchFamily="18" charset="0"/>
               <a:cs typeface="Times New Roman" panose="02020603050405020304" pitchFamily="18" charset="0"/>
             </a:endParaRPr>
@@ -4244,6 +4521,1690 @@
       </p:par>
     </p:tnLst>
   </p:timing>
+</p:sld>
+</file>
+
+<file path=ppt/slides/slide10.xml><?xml version="1.0" encoding="utf-8"?>
+<p:sld xmlns:a="http://schemas.openxmlformats.org/drawingml/2006/main" xmlns:r="http://schemas.openxmlformats.org/officeDocument/2006/relationships" xmlns:p="http://schemas.openxmlformats.org/presentationml/2006/main">
+  <p:cSld>
+    <p:spTree>
+      <p:nvGrpSpPr>
+        <p:cNvPr id="1" name=""/>
+        <p:cNvGrpSpPr/>
+        <p:nvPr/>
+      </p:nvGrpSpPr>
+      <p:grpSpPr>
+        <a:xfrm>
+          <a:off x="0" y="0"/>
+          <a:ext cx="0" cy="0"/>
+          <a:chOff x="0" y="0"/>
+          <a:chExt cx="0" cy="0"/>
+        </a:xfrm>
+      </p:grpSpPr>
+      <p:sp>
+        <p:nvSpPr>
+          <p:cNvPr id="2" name="Title 1"/>
+          <p:cNvSpPr>
+            <a:spLocks noGrp="1"/>
+          </p:cNvSpPr>
+          <p:nvPr>
+            <p:ph type="title"/>
+          </p:nvPr>
+        </p:nvSpPr>
+        <p:spPr/>
+        <p:txBody>
+          <a:bodyPr/>
+          <a:lstStyle/>
+          <a:p>
+            <a:r>
+              <a:rPr lang="en-US">
+                <a:latin typeface="Arial" panose="020B0604020202020204" pitchFamily="34" charset="0"/>
+                <a:cs typeface="Arial" panose="020B0604020202020204" pitchFamily="34" charset="0"/>
+              </a:rPr>
+              <a:t>Functions in C</a:t>
+            </a:r>
+            <a:endParaRPr lang="en-US"/>
+          </a:p>
+        </p:txBody>
+      </p:sp>
+      <p:sp>
+        <p:nvSpPr>
+          <p:cNvPr id="3" name="Content Placeholder 2"/>
+          <p:cNvSpPr>
+            <a:spLocks noGrp="1"/>
+          </p:cNvSpPr>
+          <p:nvPr>
+            <p:ph idx="1"/>
+          </p:nvPr>
+        </p:nvSpPr>
+        <p:spPr/>
+        <p:txBody>
+          <a:bodyPr>
+            <a:normAutofit/>
+          </a:bodyPr>
+          <a:lstStyle/>
+          <a:p>
+            <a:pPr marL="0" indent="0">
+              <a:buNone/>
+            </a:pPr>
+            <a:r>
+              <a:rPr lang="en-US" sz="2800">
+                <a:latin typeface="Arial" panose="020B0604020202020204" pitchFamily="34" charset="0"/>
+                <a:cs typeface="Arial" panose="020B0604020202020204" pitchFamily="34" charset="0"/>
+              </a:rPr>
+              <a:t>General syntax of function </a:t>
+            </a:r>
+            <a:r>
+              <a:rPr lang="en-US" sz="2800">
+                <a:latin typeface="Arial" panose="020B0604020202020204" pitchFamily="34" charset="0"/>
+                <a:cs typeface="Arial" panose="020B0604020202020204" pitchFamily="34" charset="0"/>
+              </a:rPr>
+              <a:t>definition </a:t>
+            </a:r>
+            <a:r>
+              <a:rPr lang="en-US" sz="2800" smtClean="0">
+                <a:latin typeface="Arial" panose="020B0604020202020204" pitchFamily="34" charset="0"/>
+                <a:cs typeface="Arial" panose="020B0604020202020204" pitchFamily="34" charset="0"/>
+              </a:rPr>
+              <a:t>is:</a:t>
+            </a:r>
+          </a:p>
+          <a:p>
+            <a:pPr marL="228600" lvl="1" indent="0">
+              <a:buNone/>
+            </a:pPr>
+            <a:endParaRPr lang="en-US" sz="2800" smtClean="0">
+              <a:solidFill>
+                <a:schemeClr val="bg1"/>
+              </a:solidFill>
+              <a:latin typeface="Arial" panose="020B0604020202020204" pitchFamily="34" charset="0"/>
+              <a:cs typeface="Arial" panose="020B0604020202020204" pitchFamily="34" charset="0"/>
+            </a:endParaRPr>
+          </a:p>
+          <a:p>
+            <a:pPr marL="228600" lvl="1" indent="0">
+              <a:buNone/>
+            </a:pPr>
+            <a:r>
+              <a:rPr lang="en-US" sz="2800" smtClean="0">
+                <a:solidFill>
+                  <a:schemeClr val="bg1"/>
+                </a:solidFill>
+                <a:latin typeface="Arial" panose="020B0604020202020204" pitchFamily="34" charset="0"/>
+                <a:cs typeface="Arial" panose="020B0604020202020204" pitchFamily="34" charset="0"/>
+              </a:rPr>
+              <a:t>return-type </a:t>
+            </a:r>
+            <a:r>
+              <a:rPr lang="en-US" sz="2800">
+                <a:solidFill>
+                  <a:schemeClr val="bg1"/>
+                </a:solidFill>
+                <a:latin typeface="Arial" panose="020B0604020202020204" pitchFamily="34" charset="0"/>
+                <a:cs typeface="Arial" panose="020B0604020202020204" pitchFamily="34" charset="0"/>
+              </a:rPr>
+              <a:t>function-name (parameter-list)</a:t>
+            </a:r>
+          </a:p>
+          <a:p>
+            <a:pPr marL="228600" lvl="1" indent="0">
+              <a:buNone/>
+            </a:pPr>
+            <a:r>
+              <a:rPr lang="en-US" sz="2800">
+                <a:solidFill>
+                  <a:schemeClr val="bg1"/>
+                </a:solidFill>
+                <a:latin typeface="Arial" panose="020B0604020202020204" pitchFamily="34" charset="0"/>
+                <a:cs typeface="Arial" panose="020B0604020202020204" pitchFamily="34" charset="0"/>
+              </a:rPr>
+              <a:t>{</a:t>
+            </a:r>
+          </a:p>
+          <a:p>
+            <a:pPr marL="228600" lvl="1" indent="0">
+              <a:buNone/>
+            </a:pPr>
+            <a:r>
+              <a:rPr lang="en-US" sz="2800">
+                <a:solidFill>
+                  <a:schemeClr val="bg1"/>
+                </a:solidFill>
+                <a:latin typeface="Arial" panose="020B0604020202020204" pitchFamily="34" charset="0"/>
+                <a:cs typeface="Arial" panose="020B0604020202020204" pitchFamily="34" charset="0"/>
+              </a:rPr>
+              <a:t> </a:t>
+            </a:r>
+            <a:r>
+              <a:rPr lang="en-US" sz="2800" smtClean="0">
+                <a:solidFill>
+                  <a:schemeClr val="bg1"/>
+                </a:solidFill>
+                <a:latin typeface="Arial" panose="020B0604020202020204" pitchFamily="34" charset="0"/>
+                <a:cs typeface="Arial" panose="020B0604020202020204" pitchFamily="34" charset="0"/>
+              </a:rPr>
+              <a:t>    function-body </a:t>
+            </a:r>
+            <a:r>
+              <a:rPr lang="en-US" sz="2800">
+                <a:solidFill>
+                  <a:schemeClr val="bg1"/>
+                </a:solidFill>
+                <a:latin typeface="Arial" panose="020B0604020202020204" pitchFamily="34" charset="0"/>
+                <a:cs typeface="Arial" panose="020B0604020202020204" pitchFamily="34" charset="0"/>
+              </a:rPr>
+              <a:t>;</a:t>
+            </a:r>
+          </a:p>
+          <a:p>
+            <a:pPr marL="228600" lvl="1" indent="0">
+              <a:buNone/>
+            </a:pPr>
+            <a:r>
+              <a:rPr lang="en-US" sz="2800">
+                <a:solidFill>
+                  <a:schemeClr val="bg1"/>
+                </a:solidFill>
+                <a:latin typeface="Arial" panose="020B0604020202020204" pitchFamily="34" charset="0"/>
+                <a:cs typeface="Arial" panose="020B0604020202020204" pitchFamily="34" charset="0"/>
+              </a:rPr>
+              <a:t>}</a:t>
+            </a:r>
+          </a:p>
+        </p:txBody>
+      </p:sp>
+    </p:spTree>
+    <p:extLst>
+      <p:ext uri="{BB962C8B-B14F-4D97-AF65-F5344CB8AC3E}">
+        <p14:creationId xmlns:p14="http://schemas.microsoft.com/office/powerpoint/2010/main" val="2739336956"/>
+      </p:ext>
+    </p:extLst>
+  </p:cSld>
+  <p:clrMapOvr>
+    <a:masterClrMapping/>
+  </p:clrMapOvr>
+</p:sld>
+</file>
+
+<file path=ppt/slides/slide11.xml><?xml version="1.0" encoding="utf-8"?>
+<p:sld xmlns:a="http://schemas.openxmlformats.org/drawingml/2006/main" xmlns:r="http://schemas.openxmlformats.org/officeDocument/2006/relationships" xmlns:p="http://schemas.openxmlformats.org/presentationml/2006/main">
+  <p:cSld>
+    <p:spTree>
+      <p:nvGrpSpPr>
+        <p:cNvPr id="1" name=""/>
+        <p:cNvGrpSpPr/>
+        <p:nvPr/>
+      </p:nvGrpSpPr>
+      <p:grpSpPr>
+        <a:xfrm>
+          <a:off x="0" y="0"/>
+          <a:ext cx="0" cy="0"/>
+          <a:chOff x="0" y="0"/>
+          <a:chExt cx="0" cy="0"/>
+        </a:xfrm>
+      </p:grpSpPr>
+      <p:sp>
+        <p:nvSpPr>
+          <p:cNvPr id="2" name="Title 1"/>
+          <p:cNvSpPr>
+            <a:spLocks noGrp="1"/>
+          </p:cNvSpPr>
+          <p:nvPr>
+            <p:ph type="title"/>
+          </p:nvPr>
+        </p:nvSpPr>
+        <p:spPr/>
+        <p:txBody>
+          <a:bodyPr>
+            <a:normAutofit/>
+          </a:bodyPr>
+          <a:lstStyle/>
+          <a:p>
+            <a:r>
+              <a:rPr lang="en-US">
+                <a:latin typeface="Arial" panose="020B0604020202020204" pitchFamily="34" charset="0"/>
+                <a:cs typeface="Arial" panose="020B0604020202020204" pitchFamily="34" charset="0"/>
+              </a:rPr>
+              <a:t>Types of Function calls in C</a:t>
+            </a:r>
+          </a:p>
+        </p:txBody>
+      </p:sp>
+      <p:sp>
+        <p:nvSpPr>
+          <p:cNvPr id="3" name="Content Placeholder 2"/>
+          <p:cNvSpPr>
+            <a:spLocks noGrp="1"/>
+          </p:cNvSpPr>
+          <p:nvPr>
+            <p:ph idx="1"/>
+          </p:nvPr>
+        </p:nvSpPr>
+        <p:spPr/>
+        <p:txBody>
+          <a:bodyPr>
+            <a:normAutofit/>
+          </a:bodyPr>
+          <a:lstStyle/>
+          <a:p>
+            <a:r>
+              <a:rPr lang="en-US"/>
+              <a:t>Call by Value</a:t>
+            </a:r>
+          </a:p>
+          <a:p>
+            <a:r>
+              <a:rPr lang="en-US"/>
+              <a:t>Call </a:t>
+            </a:r>
+            <a:r>
+              <a:rPr lang="en-US"/>
+              <a:t>by </a:t>
+            </a:r>
+            <a:r>
+              <a:rPr lang="en-US" smtClean="0"/>
+              <a:t>Reference</a:t>
+            </a:r>
+          </a:p>
+        </p:txBody>
+      </p:sp>
+      <p:sp>
+        <p:nvSpPr>
+          <p:cNvPr id="5" name="Rectangle 2"/>
+          <p:cNvSpPr>
+            <a:spLocks noChangeArrowheads="1"/>
+          </p:cNvSpPr>
+          <p:nvPr/>
+        </p:nvSpPr>
+        <p:spPr bwMode="auto">
+          <a:xfrm>
+            <a:off x="569063" y="2940016"/>
+            <a:ext cx="3697356" cy="3783059"/>
+          </a:xfrm>
+          <a:prstGeom prst="rect">
+            <a:avLst/>
+          </a:prstGeom>
+          <a:solidFill>
+            <a:srgbClr val="F9F9F9"/>
+          </a:solidFill>
+          <a:ln>
+            <a:noFill/>
+          </a:ln>
+          <a:effectLst/>
+          <a:extLst>
+            <a:ext uri="{91240B29-F687-4F45-9708-019B960494DF}">
+              <a14:hiddenLine xmlns:a14="http://schemas.microsoft.com/office/drawing/2010/main" w="9525">
+                <a:solidFill>
+                  <a:schemeClr val="tx1"/>
+                </a:solidFill>
+                <a:miter lim="800000"/>
+                <a:headEnd/>
+                <a:tailEnd/>
+              </a14:hiddenLine>
+            </a:ext>
+            <a:ext uri="{AF507438-7753-43E0-B8FC-AC1667EBCBE1}">
+              <a14:hiddenEffects xmlns:a14="http://schemas.microsoft.com/office/drawing/2010/main">
+                <a:effectLst>
+                  <a:outerShdw dist="35921" dir="2700000" algn="ctr" rotWithShape="0">
+                    <a:schemeClr val="bg2"/>
+                  </a:outerShdw>
+                </a:effectLst>
+              </a14:hiddenEffects>
+            </a:ext>
+          </a:extLst>
+        </p:spPr>
+        <p:txBody>
+          <a:bodyPr vert="horz" wrap="square" lIns="0" tIns="0" rIns="0" bIns="88872" numCol="1" anchor="ctr" anchorCtr="0" compatLnSpc="1">
+            <a:prstTxWarp prst="textNoShape">
+              <a:avLst/>
+            </a:prstTxWarp>
+            <a:spAutoFit/>
+          </a:bodyPr>
+          <a:lstStyle/>
+          <a:p>
+            <a:pPr marL="0" marR="0" lvl="0" indent="0" algn="l" defTabSz="914400" rtl="0" eaLnBrk="0" fontAlgn="base" latinLnBrk="0" hangingPunct="0">
+              <a:lnSpc>
+                <a:spcPct val="100000"/>
+              </a:lnSpc>
+              <a:spcBef>
+                <a:spcPct val="0"/>
+              </a:spcBef>
+              <a:spcAft>
+                <a:spcPct val="0"/>
+              </a:spcAft>
+              <a:buClrTx/>
+              <a:buSzTx/>
+              <a:buFontTx/>
+              <a:buNone/>
+              <a:tabLst/>
+            </a:pPr>
+            <a:r>
+              <a:rPr kumimoji="0" lang="en-US" sz="2000" b="0" i="0" u="none" strike="noStrike" cap="none" normalizeH="0" baseline="0" smtClean="0">
+                <a:ln>
+                  <a:noFill/>
+                </a:ln>
+                <a:solidFill>
+                  <a:srgbClr val="111111"/>
+                </a:solidFill>
+                <a:effectLst/>
+                <a:latin typeface="Monaco"/>
+              </a:rPr>
+              <a:t>#include &lt;stdio.h&gt;</a:t>
+            </a:r>
+          </a:p>
+          <a:p>
+            <a:pPr marL="0" marR="0" lvl="0" indent="0" algn="l" defTabSz="914400" rtl="0" eaLnBrk="0" fontAlgn="base" latinLnBrk="0" hangingPunct="0">
+              <a:lnSpc>
+                <a:spcPct val="100000"/>
+              </a:lnSpc>
+              <a:spcBef>
+                <a:spcPct val="0"/>
+              </a:spcBef>
+              <a:spcAft>
+                <a:spcPct val="0"/>
+              </a:spcAft>
+              <a:buClrTx/>
+              <a:buSzTx/>
+              <a:buFontTx/>
+              <a:buNone/>
+              <a:tabLst/>
+            </a:pPr>
+            <a:r>
+              <a:rPr kumimoji="0" lang="en-US" sz="2000" b="0" i="0" u="none" strike="noStrike" cap="none" normalizeH="0" baseline="0" smtClean="0">
+                <a:ln>
+                  <a:noFill/>
+                </a:ln>
+                <a:solidFill>
+                  <a:srgbClr val="111111"/>
+                </a:solidFill>
+                <a:effectLst/>
+                <a:latin typeface="Monaco"/>
+              </a:rPr>
+              <a:t>void </a:t>
+            </a:r>
+            <a:r>
+              <a:rPr kumimoji="0" lang="en-US" sz="2000" b="0" i="0" u="none" strike="noStrike" cap="none" normalizeH="0" baseline="0" smtClean="0">
+                <a:ln>
+                  <a:noFill/>
+                </a:ln>
+                <a:solidFill>
+                  <a:srgbClr val="111111"/>
+                </a:solidFill>
+                <a:effectLst/>
+                <a:latin typeface="Monaco"/>
+              </a:rPr>
+              <a:t>calc(int </a:t>
+            </a:r>
+            <a:r>
+              <a:rPr kumimoji="0" lang="en-US" sz="2000" b="0" i="0" u="none" strike="noStrike" cap="none" normalizeH="0" baseline="0" smtClean="0">
+                <a:ln>
+                  <a:noFill/>
+                </a:ln>
+                <a:solidFill>
+                  <a:srgbClr val="111111"/>
+                </a:solidFill>
+                <a:effectLst/>
+                <a:latin typeface="Monaco"/>
+              </a:rPr>
+              <a:t>x</a:t>
+            </a:r>
+            <a:r>
+              <a:rPr kumimoji="0" lang="en-US" sz="2000" b="0" i="0" u="none" strike="noStrike" cap="none" normalizeH="0" baseline="0" smtClean="0">
+                <a:ln>
+                  <a:noFill/>
+                </a:ln>
+                <a:solidFill>
+                  <a:srgbClr val="111111"/>
+                </a:solidFill>
+                <a:effectLst/>
+                <a:latin typeface="Monaco"/>
+              </a:rPr>
+              <a:t>);</a:t>
+            </a:r>
+          </a:p>
+          <a:p>
+            <a:pPr marL="0" marR="0" lvl="0" indent="0" algn="l" defTabSz="914400" rtl="0" eaLnBrk="0" fontAlgn="base" latinLnBrk="0" hangingPunct="0">
+              <a:lnSpc>
+                <a:spcPct val="100000"/>
+              </a:lnSpc>
+              <a:spcBef>
+                <a:spcPct val="0"/>
+              </a:spcBef>
+              <a:spcAft>
+                <a:spcPct val="0"/>
+              </a:spcAft>
+              <a:buClrTx/>
+              <a:buSzTx/>
+              <a:buFontTx/>
+              <a:buNone/>
+              <a:tabLst/>
+            </a:pPr>
+            <a:endParaRPr kumimoji="0" lang="en-US" sz="2000" b="0" i="0" u="none" strike="noStrike" cap="none" normalizeH="0" baseline="0" smtClean="0">
+              <a:ln>
+                <a:noFill/>
+              </a:ln>
+              <a:solidFill>
+                <a:srgbClr val="111111"/>
+              </a:solidFill>
+              <a:effectLst/>
+              <a:latin typeface="Monaco"/>
+            </a:endParaRPr>
+          </a:p>
+          <a:p>
+            <a:pPr marL="0" marR="0" lvl="0" indent="0" algn="l" defTabSz="914400" rtl="0" eaLnBrk="0" fontAlgn="base" latinLnBrk="0" hangingPunct="0">
+              <a:lnSpc>
+                <a:spcPct val="100000"/>
+              </a:lnSpc>
+              <a:spcBef>
+                <a:spcPct val="0"/>
+              </a:spcBef>
+              <a:spcAft>
+                <a:spcPct val="0"/>
+              </a:spcAft>
+              <a:buClrTx/>
+              <a:buSzTx/>
+              <a:buFontTx/>
+              <a:buNone/>
+              <a:tabLst/>
+            </a:pPr>
+            <a:r>
+              <a:rPr kumimoji="0" lang="en-US" sz="2000" b="0" i="0" u="none" strike="noStrike" cap="none" normalizeH="0" baseline="0" smtClean="0">
+                <a:ln>
+                  <a:noFill/>
+                </a:ln>
+                <a:solidFill>
+                  <a:srgbClr val="111111"/>
+                </a:solidFill>
+                <a:effectLst/>
+                <a:latin typeface="Monaco"/>
+              </a:rPr>
+              <a:t> </a:t>
+            </a:r>
+            <a:r>
+              <a:rPr kumimoji="0" lang="en-US" sz="2000" b="0" i="0" u="none" strike="noStrike" cap="none" normalizeH="0" baseline="0" smtClean="0">
+                <a:ln>
+                  <a:noFill/>
+                </a:ln>
+                <a:solidFill>
+                  <a:srgbClr val="111111"/>
+                </a:solidFill>
+                <a:effectLst/>
+                <a:latin typeface="Monaco"/>
+              </a:rPr>
+              <a:t>int main</a:t>
+            </a:r>
+            <a:r>
+              <a:rPr kumimoji="0" lang="en-US" sz="2000" b="0" i="0" u="none" strike="noStrike" cap="none" normalizeH="0" baseline="0" smtClean="0">
+                <a:ln>
+                  <a:noFill/>
+                </a:ln>
+                <a:solidFill>
+                  <a:srgbClr val="111111"/>
+                </a:solidFill>
+                <a:effectLst/>
+                <a:latin typeface="Monaco"/>
+              </a:rPr>
+              <a:t>() </a:t>
+            </a:r>
+            <a:r>
+              <a:rPr kumimoji="0" lang="en-US" sz="2000" b="0" i="0" u="none" strike="noStrike" cap="none" normalizeH="0" baseline="0" smtClean="0">
+                <a:ln>
+                  <a:noFill/>
+                </a:ln>
+                <a:solidFill>
+                  <a:srgbClr val="111111"/>
+                </a:solidFill>
+                <a:effectLst/>
+                <a:latin typeface="Monaco"/>
+              </a:rPr>
+              <a:t>{</a:t>
+            </a:r>
+          </a:p>
+          <a:p>
+            <a:pPr marL="0" marR="0" lvl="0" indent="0" algn="l" defTabSz="914400" rtl="0" eaLnBrk="0" fontAlgn="base" latinLnBrk="0" hangingPunct="0">
+              <a:lnSpc>
+                <a:spcPct val="100000"/>
+              </a:lnSpc>
+              <a:spcBef>
+                <a:spcPct val="0"/>
+              </a:spcBef>
+              <a:spcAft>
+                <a:spcPct val="0"/>
+              </a:spcAft>
+              <a:buClrTx/>
+              <a:buSzTx/>
+              <a:buFontTx/>
+              <a:buNone/>
+              <a:tabLst/>
+            </a:pPr>
+            <a:r>
+              <a:rPr lang="en-US" sz="2000">
+                <a:solidFill>
+                  <a:srgbClr val="111111"/>
+                </a:solidFill>
+                <a:latin typeface="Monaco"/>
+              </a:rPr>
+              <a:t> </a:t>
+            </a:r>
+            <a:r>
+              <a:rPr lang="en-US" sz="2000" smtClean="0">
+                <a:solidFill>
+                  <a:srgbClr val="111111"/>
+                </a:solidFill>
+                <a:latin typeface="Monaco"/>
+              </a:rPr>
+              <a:t>    </a:t>
+            </a:r>
+            <a:r>
+              <a:rPr kumimoji="0" lang="en-US" sz="2000" b="0" i="0" u="none" strike="noStrike" cap="none" normalizeH="0" baseline="0" smtClean="0">
+                <a:ln>
+                  <a:noFill/>
+                </a:ln>
+                <a:solidFill>
+                  <a:srgbClr val="111111"/>
+                </a:solidFill>
+                <a:effectLst/>
+                <a:latin typeface="Monaco"/>
+              </a:rPr>
+              <a:t>int </a:t>
+            </a:r>
+            <a:r>
+              <a:rPr kumimoji="0" lang="en-US" sz="2000" b="0" i="0" u="none" strike="noStrike" cap="none" normalizeH="0" baseline="0" smtClean="0">
+                <a:ln>
+                  <a:noFill/>
+                </a:ln>
+                <a:solidFill>
+                  <a:srgbClr val="111111"/>
+                </a:solidFill>
+                <a:effectLst/>
+                <a:latin typeface="Monaco"/>
+              </a:rPr>
+              <a:t>x = </a:t>
+            </a:r>
+            <a:r>
+              <a:rPr kumimoji="0" lang="en-US" sz="2000" b="0" i="0" u="none" strike="noStrike" cap="none" normalizeH="0" baseline="0" smtClean="0">
+                <a:ln>
+                  <a:noFill/>
+                </a:ln>
+                <a:solidFill>
+                  <a:srgbClr val="111111"/>
+                </a:solidFill>
+                <a:effectLst/>
+                <a:latin typeface="Monaco"/>
+              </a:rPr>
+              <a:t>10</a:t>
+            </a:r>
+            <a:r>
+              <a:rPr kumimoji="0" lang="en-US" sz="2000" b="0" i="0" u="none" strike="noStrike" cap="none" normalizeH="0" baseline="0" smtClean="0">
+                <a:ln>
+                  <a:noFill/>
+                </a:ln>
+                <a:solidFill>
+                  <a:srgbClr val="111111"/>
+                </a:solidFill>
+                <a:effectLst/>
+                <a:latin typeface="Monaco"/>
+              </a:rPr>
+              <a:t>;</a:t>
+            </a:r>
+          </a:p>
+          <a:p>
+            <a:pPr marL="0" marR="0" lvl="0" indent="0" algn="l" defTabSz="914400" rtl="0" eaLnBrk="0" fontAlgn="base" latinLnBrk="0" hangingPunct="0">
+              <a:lnSpc>
+                <a:spcPct val="100000"/>
+              </a:lnSpc>
+              <a:spcBef>
+                <a:spcPct val="0"/>
+              </a:spcBef>
+              <a:spcAft>
+                <a:spcPct val="0"/>
+              </a:spcAft>
+              <a:buClrTx/>
+              <a:buSzTx/>
+              <a:buFontTx/>
+              <a:buNone/>
+              <a:tabLst/>
+            </a:pPr>
+            <a:r>
+              <a:rPr kumimoji="0" lang="en-US" sz="2000" b="0" i="0" u="none" strike="noStrike" cap="none" normalizeH="0" baseline="0" smtClean="0">
+                <a:ln>
+                  <a:noFill/>
+                </a:ln>
+                <a:solidFill>
+                  <a:srgbClr val="111111"/>
+                </a:solidFill>
+                <a:effectLst/>
+                <a:latin typeface="Monaco"/>
+              </a:rPr>
+              <a:t>     calc(x);</a:t>
+            </a:r>
+          </a:p>
+          <a:p>
+            <a:pPr marL="0" marR="0" lvl="0" indent="0" algn="l" defTabSz="914400" rtl="0" eaLnBrk="0" fontAlgn="base" latinLnBrk="0" hangingPunct="0">
+              <a:lnSpc>
+                <a:spcPct val="100000"/>
+              </a:lnSpc>
+              <a:spcBef>
+                <a:spcPct val="0"/>
+              </a:spcBef>
+              <a:spcAft>
+                <a:spcPct val="0"/>
+              </a:spcAft>
+              <a:buClrTx/>
+              <a:buSzTx/>
+              <a:buFontTx/>
+              <a:buNone/>
+              <a:tabLst/>
+            </a:pPr>
+            <a:r>
+              <a:rPr kumimoji="0" lang="en-US" sz="2000" b="0" i="0" u="none" strike="noStrike" cap="none" normalizeH="0" baseline="0" smtClean="0">
+                <a:ln>
+                  <a:noFill/>
+                </a:ln>
+                <a:solidFill>
+                  <a:srgbClr val="111111"/>
+                </a:solidFill>
+                <a:effectLst/>
+                <a:latin typeface="Monaco"/>
+              </a:rPr>
+              <a:t>     printf</a:t>
+            </a:r>
+            <a:r>
+              <a:rPr kumimoji="0" lang="en-US" sz="2000" b="0" i="0" u="none" strike="noStrike" cap="none" normalizeH="0" baseline="0" smtClean="0">
+                <a:ln>
+                  <a:noFill/>
+                </a:ln>
+                <a:solidFill>
+                  <a:srgbClr val="111111"/>
+                </a:solidFill>
+                <a:effectLst/>
+                <a:latin typeface="Monaco"/>
+              </a:rPr>
+              <a:t>("%d", x</a:t>
+            </a:r>
+            <a:r>
+              <a:rPr kumimoji="0" lang="en-US" sz="2000" b="0" i="0" u="none" strike="noStrike" cap="none" normalizeH="0" baseline="0" smtClean="0">
+                <a:ln>
+                  <a:noFill/>
+                </a:ln>
+                <a:solidFill>
+                  <a:srgbClr val="111111"/>
+                </a:solidFill>
+                <a:effectLst/>
+                <a:latin typeface="Monaco"/>
+              </a:rPr>
+              <a:t>); </a:t>
+            </a:r>
+            <a:endParaRPr kumimoji="0" lang="en-US" sz="2000" b="0" i="0" u="none" strike="noStrike" cap="none" normalizeH="0" baseline="0" smtClean="0">
+              <a:ln>
+                <a:noFill/>
+              </a:ln>
+              <a:solidFill>
+                <a:srgbClr val="111111"/>
+              </a:solidFill>
+              <a:effectLst/>
+              <a:latin typeface="Monaco"/>
+            </a:endParaRPr>
+          </a:p>
+          <a:p>
+            <a:pPr marL="0" marR="0" lvl="0" indent="0" algn="l" defTabSz="914400" rtl="0" eaLnBrk="0" fontAlgn="base" latinLnBrk="0" hangingPunct="0">
+              <a:lnSpc>
+                <a:spcPct val="100000"/>
+              </a:lnSpc>
+              <a:spcBef>
+                <a:spcPct val="0"/>
+              </a:spcBef>
+              <a:spcAft>
+                <a:spcPct val="0"/>
+              </a:spcAft>
+              <a:buClrTx/>
+              <a:buSzTx/>
+              <a:buFontTx/>
+              <a:buNone/>
+              <a:tabLst/>
+            </a:pPr>
+            <a:r>
+              <a:rPr kumimoji="0" lang="en-US" sz="2000" b="0" i="0" u="none" strike="noStrike" cap="none" normalizeH="0" baseline="0" smtClean="0">
+                <a:ln>
+                  <a:noFill/>
+                </a:ln>
+                <a:solidFill>
+                  <a:srgbClr val="111111"/>
+                </a:solidFill>
+                <a:effectLst/>
+                <a:latin typeface="Monaco"/>
+              </a:rPr>
+              <a:t>} </a:t>
+            </a:r>
+          </a:p>
+          <a:p>
+            <a:pPr marL="0" marR="0" lvl="0" indent="0" algn="l" defTabSz="914400" rtl="0" eaLnBrk="0" fontAlgn="base" latinLnBrk="0" hangingPunct="0">
+              <a:lnSpc>
+                <a:spcPct val="100000"/>
+              </a:lnSpc>
+              <a:spcBef>
+                <a:spcPct val="0"/>
+              </a:spcBef>
+              <a:spcAft>
+                <a:spcPct val="0"/>
+              </a:spcAft>
+              <a:buClrTx/>
+              <a:buSzTx/>
+              <a:buFontTx/>
+              <a:buNone/>
+              <a:tabLst/>
+            </a:pPr>
+            <a:endParaRPr lang="en-US" sz="2000">
+              <a:solidFill>
+                <a:srgbClr val="111111"/>
+              </a:solidFill>
+              <a:latin typeface="Monaco"/>
+            </a:endParaRPr>
+          </a:p>
+          <a:p>
+            <a:pPr marL="0" marR="0" lvl="0" indent="0" algn="l" defTabSz="914400" rtl="0" eaLnBrk="0" fontAlgn="base" latinLnBrk="0" hangingPunct="0">
+              <a:lnSpc>
+                <a:spcPct val="100000"/>
+              </a:lnSpc>
+              <a:spcBef>
+                <a:spcPct val="0"/>
+              </a:spcBef>
+              <a:spcAft>
+                <a:spcPct val="0"/>
+              </a:spcAft>
+              <a:buClrTx/>
+              <a:buSzTx/>
+              <a:buFontTx/>
+              <a:buNone/>
+              <a:tabLst/>
+            </a:pPr>
+            <a:r>
+              <a:rPr kumimoji="0" lang="en-US" sz="2000" b="0" i="0" u="none" strike="noStrike" cap="none" normalizeH="0" baseline="0" smtClean="0">
+                <a:ln>
+                  <a:noFill/>
+                </a:ln>
+                <a:solidFill>
+                  <a:srgbClr val="111111"/>
+                </a:solidFill>
+                <a:effectLst/>
+                <a:latin typeface="Monaco"/>
+              </a:rPr>
+              <a:t>void </a:t>
+            </a:r>
+            <a:r>
+              <a:rPr kumimoji="0" lang="en-US" sz="2000" b="0" i="0" u="none" strike="noStrike" cap="none" normalizeH="0" baseline="0" smtClean="0">
+                <a:ln>
+                  <a:noFill/>
+                </a:ln>
+                <a:solidFill>
+                  <a:srgbClr val="111111"/>
+                </a:solidFill>
+                <a:effectLst/>
+                <a:latin typeface="Monaco"/>
+              </a:rPr>
+              <a:t>calc(int x</a:t>
+            </a:r>
+            <a:r>
+              <a:rPr kumimoji="0" lang="en-US" sz="2000" b="0" i="0" u="none" strike="noStrike" cap="none" normalizeH="0" baseline="0" smtClean="0">
+                <a:ln>
+                  <a:noFill/>
+                </a:ln>
+                <a:solidFill>
+                  <a:srgbClr val="111111"/>
+                </a:solidFill>
+                <a:effectLst/>
+                <a:latin typeface="Monaco"/>
+              </a:rPr>
+              <a:t>) </a:t>
+            </a:r>
+            <a:r>
+              <a:rPr kumimoji="0" lang="en-US" sz="2000" b="0" i="0" u="none" strike="noStrike" cap="none" normalizeH="0" baseline="0" smtClean="0">
+                <a:ln>
+                  <a:noFill/>
+                </a:ln>
+                <a:solidFill>
+                  <a:srgbClr val="111111"/>
+                </a:solidFill>
+                <a:effectLst/>
+                <a:latin typeface="Monaco"/>
+              </a:rPr>
+              <a:t>{</a:t>
+            </a:r>
+          </a:p>
+          <a:p>
+            <a:pPr marL="0" marR="0" lvl="0" indent="0" algn="l" defTabSz="914400" rtl="0" eaLnBrk="0" fontAlgn="base" latinLnBrk="0" hangingPunct="0">
+              <a:lnSpc>
+                <a:spcPct val="100000"/>
+              </a:lnSpc>
+              <a:spcBef>
+                <a:spcPct val="0"/>
+              </a:spcBef>
+              <a:spcAft>
+                <a:spcPct val="0"/>
+              </a:spcAft>
+              <a:buClrTx/>
+              <a:buSzTx/>
+              <a:buFontTx/>
+              <a:buNone/>
+              <a:tabLst/>
+            </a:pPr>
+            <a:r>
+              <a:rPr lang="en-US" sz="2000" smtClean="0">
+                <a:solidFill>
+                  <a:srgbClr val="111111"/>
+                </a:solidFill>
+                <a:latin typeface="Monaco"/>
+              </a:rPr>
+              <a:t>     </a:t>
+            </a:r>
+            <a:r>
+              <a:rPr kumimoji="0" lang="en-US" sz="2000" b="0" i="0" u="none" strike="noStrike" cap="none" normalizeH="0" baseline="0" smtClean="0">
+                <a:ln>
+                  <a:noFill/>
+                </a:ln>
+                <a:solidFill>
+                  <a:srgbClr val="111111"/>
+                </a:solidFill>
+                <a:effectLst/>
+                <a:latin typeface="Monaco"/>
+              </a:rPr>
+              <a:t>x </a:t>
+            </a:r>
+            <a:r>
+              <a:rPr kumimoji="0" lang="en-US" sz="2000" b="0" i="0" u="none" strike="noStrike" cap="none" normalizeH="0" baseline="0" smtClean="0">
+                <a:ln>
+                  <a:noFill/>
+                </a:ln>
+                <a:solidFill>
+                  <a:srgbClr val="111111"/>
+                </a:solidFill>
+                <a:effectLst/>
+                <a:latin typeface="Monaco"/>
+              </a:rPr>
+              <a:t>= x + 10 </a:t>
+            </a:r>
+            <a:r>
+              <a:rPr kumimoji="0" lang="en-US" sz="2000" b="0" i="0" u="none" strike="noStrike" cap="none" normalizeH="0" baseline="0" smtClean="0">
+                <a:ln>
+                  <a:noFill/>
+                </a:ln>
+                <a:solidFill>
+                  <a:srgbClr val="111111"/>
+                </a:solidFill>
+                <a:effectLst/>
+                <a:latin typeface="Monaco"/>
+              </a:rPr>
+              <a:t>; </a:t>
+            </a:r>
+            <a:endParaRPr kumimoji="0" lang="en-US" sz="2000" b="0" i="0" u="none" strike="noStrike" cap="none" normalizeH="0" baseline="0" smtClean="0">
+              <a:ln>
+                <a:noFill/>
+              </a:ln>
+              <a:solidFill>
+                <a:srgbClr val="111111"/>
+              </a:solidFill>
+              <a:effectLst/>
+              <a:latin typeface="Monaco"/>
+            </a:endParaRPr>
+          </a:p>
+          <a:p>
+            <a:pPr marL="0" marR="0" lvl="0" indent="0" algn="l" defTabSz="914400" rtl="0" eaLnBrk="0" fontAlgn="base" latinLnBrk="0" hangingPunct="0">
+              <a:lnSpc>
+                <a:spcPct val="100000"/>
+              </a:lnSpc>
+              <a:spcBef>
+                <a:spcPct val="0"/>
+              </a:spcBef>
+              <a:spcAft>
+                <a:spcPct val="0"/>
+              </a:spcAft>
+              <a:buClrTx/>
+              <a:buSzTx/>
+              <a:buFontTx/>
+              <a:buNone/>
+              <a:tabLst/>
+            </a:pPr>
+            <a:r>
+              <a:rPr kumimoji="0" lang="en-US" sz="2000" b="0" i="0" u="none" strike="noStrike" cap="none" normalizeH="0" baseline="0" smtClean="0">
+                <a:ln>
+                  <a:noFill/>
+                </a:ln>
+                <a:solidFill>
+                  <a:srgbClr val="111111"/>
+                </a:solidFill>
+                <a:effectLst/>
+                <a:latin typeface="Monaco"/>
+              </a:rPr>
+              <a:t>}</a:t>
+            </a:r>
+            <a:r>
+              <a:rPr kumimoji="0" lang="en-US" sz="2000" b="0" i="0" u="none" strike="noStrike" cap="none" normalizeH="0" baseline="0" smtClean="0">
+                <a:ln>
+                  <a:noFill/>
+                </a:ln>
+                <a:solidFill>
+                  <a:schemeClr val="tx1"/>
+                </a:solidFill>
+                <a:effectLst/>
+              </a:rPr>
+              <a:t> </a:t>
+            </a:r>
+            <a:endParaRPr kumimoji="0" lang="en-US" sz="2000" b="0" i="0" u="none" strike="noStrike" cap="none" normalizeH="0" baseline="0" smtClean="0">
+              <a:ln>
+                <a:noFill/>
+              </a:ln>
+              <a:solidFill>
+                <a:schemeClr val="tx1"/>
+              </a:solidFill>
+              <a:effectLst/>
+              <a:latin typeface="Arial" panose="020B0604020202020204" pitchFamily="34" charset="0"/>
+            </a:endParaRPr>
+          </a:p>
+        </p:txBody>
+      </p:sp>
+      <p:sp>
+        <p:nvSpPr>
+          <p:cNvPr id="6" name="Rectangle 3"/>
+          <p:cNvSpPr>
+            <a:spLocks noChangeArrowheads="1"/>
+          </p:cNvSpPr>
+          <p:nvPr/>
+        </p:nvSpPr>
+        <p:spPr bwMode="auto">
+          <a:xfrm>
+            <a:off x="4382375" y="2940015"/>
+            <a:ext cx="4383937" cy="3783059"/>
+          </a:xfrm>
+          <a:prstGeom prst="rect">
+            <a:avLst/>
+          </a:prstGeom>
+          <a:solidFill>
+            <a:srgbClr val="F9F9F9"/>
+          </a:solidFill>
+          <a:ln>
+            <a:noFill/>
+          </a:ln>
+          <a:effectLst/>
+          <a:extLst>
+            <a:ext uri="{91240B29-F687-4F45-9708-019B960494DF}">
+              <a14:hiddenLine xmlns:a14="http://schemas.microsoft.com/office/drawing/2010/main" w="9525">
+                <a:solidFill>
+                  <a:schemeClr val="tx1"/>
+                </a:solidFill>
+                <a:miter lim="800000"/>
+                <a:headEnd/>
+                <a:tailEnd/>
+              </a14:hiddenLine>
+            </a:ext>
+            <a:ext uri="{AF507438-7753-43E0-B8FC-AC1667EBCBE1}">
+              <a14:hiddenEffects xmlns:a14="http://schemas.microsoft.com/office/drawing/2010/main">
+                <a:effectLst>
+                  <a:outerShdw dist="35921" dir="2700000" algn="ctr" rotWithShape="0">
+                    <a:schemeClr val="bg2"/>
+                  </a:outerShdw>
+                </a:effectLst>
+              </a14:hiddenEffects>
+            </a:ext>
+          </a:extLst>
+        </p:spPr>
+        <p:txBody>
+          <a:bodyPr vert="horz" wrap="square" lIns="0" tIns="0" rIns="0" bIns="88872" numCol="1" anchor="ctr" anchorCtr="0" compatLnSpc="1">
+            <a:prstTxWarp prst="textNoShape">
+              <a:avLst/>
+            </a:prstTxWarp>
+            <a:spAutoFit/>
+          </a:bodyPr>
+          <a:lstStyle/>
+          <a:p>
+            <a:pPr defTabSz="914400" eaLnBrk="0" fontAlgn="base" hangingPunct="0">
+              <a:spcBef>
+                <a:spcPct val="0"/>
+              </a:spcBef>
+              <a:spcAft>
+                <a:spcPct val="0"/>
+              </a:spcAft>
+            </a:pPr>
+            <a:r>
+              <a:rPr lang="en-US" sz="2000">
+                <a:solidFill>
+                  <a:srgbClr val="111111"/>
+                </a:solidFill>
+                <a:latin typeface="Monaco"/>
+              </a:rPr>
+              <a:t>#include &lt;</a:t>
+            </a:r>
+            <a:r>
+              <a:rPr lang="en-US" sz="2000">
+                <a:solidFill>
+                  <a:srgbClr val="111111"/>
+                </a:solidFill>
+                <a:latin typeface="Monaco"/>
+              </a:rPr>
+              <a:t>stdio.h</a:t>
+            </a:r>
+            <a:r>
+              <a:rPr lang="en-US" sz="2000" smtClean="0">
+                <a:solidFill>
+                  <a:srgbClr val="111111"/>
+                </a:solidFill>
+                <a:latin typeface="Monaco"/>
+              </a:rPr>
+              <a:t>&gt;</a:t>
+            </a:r>
+          </a:p>
+          <a:p>
+            <a:pPr defTabSz="914400" eaLnBrk="0" fontAlgn="base" hangingPunct="0">
+              <a:spcBef>
+                <a:spcPct val="0"/>
+              </a:spcBef>
+              <a:spcAft>
+                <a:spcPct val="0"/>
+              </a:spcAft>
+            </a:pPr>
+            <a:r>
+              <a:rPr lang="en-US" sz="2000" smtClean="0">
+                <a:solidFill>
+                  <a:srgbClr val="111111"/>
+                </a:solidFill>
+                <a:latin typeface="Monaco"/>
+              </a:rPr>
+              <a:t> </a:t>
+            </a:r>
+            <a:r>
+              <a:rPr lang="en-US" sz="2000">
+                <a:solidFill>
+                  <a:srgbClr val="111111"/>
+                </a:solidFill>
+                <a:latin typeface="Monaco"/>
+              </a:rPr>
+              <a:t>void swap(int *a,int *b</a:t>
+            </a:r>
+            <a:r>
+              <a:rPr lang="en-US" sz="2000">
+                <a:solidFill>
+                  <a:srgbClr val="111111"/>
+                </a:solidFill>
+                <a:latin typeface="Monaco"/>
+              </a:rPr>
+              <a:t>) </a:t>
+            </a:r>
+            <a:r>
+              <a:rPr lang="en-US" sz="2000" smtClean="0">
+                <a:solidFill>
+                  <a:srgbClr val="111111"/>
+                </a:solidFill>
+                <a:latin typeface="Monaco"/>
+              </a:rPr>
+              <a:t>{</a:t>
+            </a:r>
+          </a:p>
+          <a:p>
+            <a:pPr defTabSz="914400" eaLnBrk="0" fontAlgn="base" hangingPunct="0">
+              <a:spcBef>
+                <a:spcPct val="0"/>
+              </a:spcBef>
+              <a:spcAft>
+                <a:spcPct val="0"/>
+              </a:spcAft>
+            </a:pPr>
+            <a:r>
+              <a:rPr lang="en-US" sz="2000" smtClean="0">
+                <a:solidFill>
+                  <a:srgbClr val="111111"/>
+                </a:solidFill>
+                <a:latin typeface="Monaco"/>
+              </a:rPr>
+              <a:t>        int temp </a:t>
+            </a:r>
+            <a:r>
+              <a:rPr lang="en-US" sz="2000">
+                <a:solidFill>
+                  <a:srgbClr val="111111"/>
+                </a:solidFill>
+                <a:latin typeface="Monaco"/>
+              </a:rPr>
+              <a:t>= </a:t>
+            </a:r>
+            <a:r>
+              <a:rPr lang="en-US" sz="2000" smtClean="0">
+                <a:solidFill>
+                  <a:srgbClr val="111111"/>
+                </a:solidFill>
+                <a:latin typeface="Monaco"/>
+              </a:rPr>
+              <a:t>*a</a:t>
+            </a:r>
+            <a:r>
+              <a:rPr lang="en-US" sz="2000">
+                <a:solidFill>
+                  <a:srgbClr val="111111"/>
+                </a:solidFill>
+                <a:latin typeface="Monaco"/>
+              </a:rPr>
+              <a:t>; </a:t>
+            </a:r>
+            <a:endParaRPr lang="en-US" sz="2000" smtClean="0">
+              <a:solidFill>
+                <a:srgbClr val="111111"/>
+              </a:solidFill>
+              <a:latin typeface="Monaco"/>
+            </a:endParaRPr>
+          </a:p>
+          <a:p>
+            <a:pPr defTabSz="914400" eaLnBrk="0" fontAlgn="base" hangingPunct="0">
+              <a:spcBef>
+                <a:spcPct val="0"/>
+              </a:spcBef>
+              <a:spcAft>
+                <a:spcPct val="0"/>
+              </a:spcAft>
+            </a:pPr>
+            <a:r>
+              <a:rPr lang="en-US" sz="2000">
+                <a:solidFill>
+                  <a:srgbClr val="111111"/>
+                </a:solidFill>
+                <a:latin typeface="Monaco"/>
+              </a:rPr>
+              <a:t> </a:t>
+            </a:r>
+            <a:r>
+              <a:rPr lang="en-US" sz="2000" smtClean="0">
+                <a:solidFill>
+                  <a:srgbClr val="111111"/>
+                </a:solidFill>
+                <a:latin typeface="Monaco"/>
+              </a:rPr>
+              <a:t>       *a </a:t>
+            </a:r>
+            <a:r>
+              <a:rPr lang="en-US" sz="2000">
+                <a:solidFill>
+                  <a:srgbClr val="111111"/>
+                </a:solidFill>
+                <a:latin typeface="Monaco"/>
+              </a:rPr>
+              <a:t>= </a:t>
+            </a:r>
+            <a:r>
+              <a:rPr lang="en-US" sz="2000">
+                <a:solidFill>
+                  <a:srgbClr val="111111"/>
+                </a:solidFill>
+                <a:latin typeface="Monaco"/>
+              </a:rPr>
+              <a:t>*</a:t>
+            </a:r>
+            <a:r>
+              <a:rPr lang="en-US" sz="2000" smtClean="0">
+                <a:solidFill>
+                  <a:srgbClr val="111111"/>
+                </a:solidFill>
+                <a:latin typeface="Monaco"/>
+              </a:rPr>
+              <a:t>b</a:t>
+            </a:r>
+            <a:r>
+              <a:rPr lang="en-US" sz="2000">
+                <a:solidFill>
+                  <a:srgbClr val="111111"/>
+                </a:solidFill>
+                <a:latin typeface="Monaco"/>
+              </a:rPr>
+              <a:t>; </a:t>
+            </a:r>
+            <a:endParaRPr lang="en-US" sz="2000" smtClean="0">
+              <a:solidFill>
+                <a:srgbClr val="111111"/>
+              </a:solidFill>
+              <a:latin typeface="Monaco"/>
+            </a:endParaRPr>
+          </a:p>
+          <a:p>
+            <a:pPr defTabSz="914400" eaLnBrk="0" fontAlgn="base" hangingPunct="0">
+              <a:spcBef>
+                <a:spcPct val="0"/>
+              </a:spcBef>
+              <a:spcAft>
+                <a:spcPct val="0"/>
+              </a:spcAft>
+            </a:pPr>
+            <a:r>
+              <a:rPr lang="en-US" sz="2000">
+                <a:solidFill>
+                  <a:srgbClr val="111111"/>
+                </a:solidFill>
+                <a:latin typeface="Monaco"/>
+              </a:rPr>
+              <a:t> </a:t>
+            </a:r>
+            <a:r>
+              <a:rPr lang="en-US" sz="2000" smtClean="0">
+                <a:solidFill>
+                  <a:srgbClr val="111111"/>
+                </a:solidFill>
+                <a:latin typeface="Monaco"/>
+              </a:rPr>
+              <a:t>       *b </a:t>
+            </a:r>
+            <a:r>
+              <a:rPr lang="en-US" sz="2000">
+                <a:solidFill>
+                  <a:srgbClr val="111111"/>
+                </a:solidFill>
+                <a:latin typeface="Monaco"/>
+              </a:rPr>
+              <a:t>= temp</a:t>
+            </a:r>
+            <a:r>
+              <a:rPr lang="en-US" sz="2000">
+                <a:solidFill>
+                  <a:srgbClr val="111111"/>
+                </a:solidFill>
+                <a:latin typeface="Monaco"/>
+              </a:rPr>
+              <a:t>; </a:t>
+            </a:r>
+            <a:endParaRPr lang="en-US" sz="2000" smtClean="0">
+              <a:solidFill>
+                <a:srgbClr val="111111"/>
+              </a:solidFill>
+              <a:latin typeface="Monaco"/>
+            </a:endParaRPr>
+          </a:p>
+          <a:p>
+            <a:pPr defTabSz="914400" eaLnBrk="0" fontAlgn="base" hangingPunct="0">
+              <a:spcBef>
+                <a:spcPct val="0"/>
+              </a:spcBef>
+              <a:spcAft>
+                <a:spcPct val="0"/>
+              </a:spcAft>
+            </a:pPr>
+            <a:r>
+              <a:rPr lang="en-US" sz="2000" smtClean="0">
+                <a:solidFill>
+                  <a:srgbClr val="111111"/>
+                </a:solidFill>
+                <a:latin typeface="Monaco"/>
+              </a:rPr>
+              <a:t>} </a:t>
+            </a:r>
+          </a:p>
+          <a:p>
+            <a:pPr defTabSz="914400" eaLnBrk="0" fontAlgn="base" hangingPunct="0">
+              <a:spcBef>
+                <a:spcPct val="0"/>
+              </a:spcBef>
+              <a:spcAft>
+                <a:spcPct val="0"/>
+              </a:spcAft>
+            </a:pPr>
+            <a:r>
+              <a:rPr lang="en-US" sz="2000" smtClean="0">
+                <a:solidFill>
+                  <a:srgbClr val="111111"/>
+                </a:solidFill>
+                <a:latin typeface="Monaco"/>
+              </a:rPr>
+              <a:t>void </a:t>
+            </a:r>
+            <a:r>
+              <a:rPr lang="en-US" sz="2000">
+                <a:solidFill>
+                  <a:srgbClr val="111111"/>
+                </a:solidFill>
+                <a:latin typeface="Monaco"/>
+              </a:rPr>
+              <a:t>main() </a:t>
+            </a:r>
+            <a:r>
+              <a:rPr lang="en-US" sz="2000">
+                <a:solidFill>
+                  <a:srgbClr val="111111"/>
+                </a:solidFill>
+                <a:latin typeface="Monaco"/>
+              </a:rPr>
+              <a:t>{ </a:t>
+            </a:r>
+            <a:endParaRPr lang="en-US" sz="2000" smtClean="0">
+              <a:solidFill>
+                <a:srgbClr val="111111"/>
+              </a:solidFill>
+              <a:latin typeface="Monaco"/>
+            </a:endParaRPr>
+          </a:p>
+          <a:p>
+            <a:pPr defTabSz="914400" eaLnBrk="0" fontAlgn="base" hangingPunct="0">
+              <a:spcBef>
+                <a:spcPct val="0"/>
+              </a:spcBef>
+              <a:spcAft>
+                <a:spcPct val="0"/>
+              </a:spcAft>
+            </a:pPr>
+            <a:r>
+              <a:rPr lang="en-US" sz="2000" smtClean="0">
+                <a:solidFill>
+                  <a:srgbClr val="111111"/>
+                </a:solidFill>
+                <a:latin typeface="Monaco"/>
+              </a:rPr>
+              <a:t>       int </a:t>
+            </a:r>
+            <a:r>
+              <a:rPr lang="en-US" sz="2000">
+                <a:solidFill>
+                  <a:srgbClr val="111111"/>
+                </a:solidFill>
+                <a:latin typeface="Monaco"/>
+              </a:rPr>
+              <a:t>x = 2,y = 3</a:t>
+            </a:r>
+            <a:r>
+              <a:rPr lang="en-US" sz="2000">
+                <a:solidFill>
+                  <a:srgbClr val="111111"/>
+                </a:solidFill>
+                <a:latin typeface="Monaco"/>
+              </a:rPr>
+              <a:t>; </a:t>
+            </a:r>
+            <a:endParaRPr lang="en-US" sz="2000" smtClean="0">
+              <a:solidFill>
+                <a:srgbClr val="111111"/>
+              </a:solidFill>
+              <a:latin typeface="Monaco"/>
+            </a:endParaRPr>
+          </a:p>
+          <a:p>
+            <a:pPr defTabSz="914400" eaLnBrk="0" fontAlgn="base" hangingPunct="0">
+              <a:spcBef>
+                <a:spcPct val="0"/>
+              </a:spcBef>
+              <a:spcAft>
+                <a:spcPct val="0"/>
+              </a:spcAft>
+            </a:pPr>
+            <a:r>
+              <a:rPr lang="en-US" sz="2000">
+                <a:solidFill>
+                  <a:srgbClr val="111111"/>
+                </a:solidFill>
+                <a:latin typeface="Monaco"/>
+              </a:rPr>
+              <a:t> </a:t>
+            </a:r>
+            <a:r>
+              <a:rPr lang="en-US" sz="2000" smtClean="0">
+                <a:solidFill>
+                  <a:srgbClr val="111111"/>
+                </a:solidFill>
+                <a:latin typeface="Monaco"/>
+              </a:rPr>
+              <a:t>      swap</a:t>
+            </a:r>
+            <a:r>
+              <a:rPr lang="en-US" sz="2000">
+                <a:solidFill>
+                  <a:srgbClr val="111111"/>
+                </a:solidFill>
+                <a:latin typeface="Monaco"/>
+              </a:rPr>
+              <a:t>(&amp;x,&amp;y</a:t>
+            </a:r>
+            <a:r>
+              <a:rPr lang="en-US" sz="2000">
+                <a:solidFill>
+                  <a:srgbClr val="111111"/>
+                </a:solidFill>
+                <a:latin typeface="Monaco"/>
+              </a:rPr>
+              <a:t>); </a:t>
+            </a:r>
+            <a:endParaRPr lang="en-US" sz="2000" smtClean="0">
+              <a:solidFill>
+                <a:srgbClr val="111111"/>
+              </a:solidFill>
+              <a:latin typeface="Monaco"/>
+            </a:endParaRPr>
+          </a:p>
+          <a:p>
+            <a:pPr defTabSz="914400" eaLnBrk="0" fontAlgn="base" hangingPunct="0">
+              <a:spcBef>
+                <a:spcPct val="0"/>
+              </a:spcBef>
+              <a:spcAft>
+                <a:spcPct val="0"/>
+              </a:spcAft>
+            </a:pPr>
+            <a:r>
+              <a:rPr lang="en-US" sz="2000">
+                <a:solidFill>
+                  <a:srgbClr val="111111"/>
+                </a:solidFill>
+                <a:latin typeface="Monaco"/>
+              </a:rPr>
+              <a:t> </a:t>
+            </a:r>
+            <a:r>
+              <a:rPr lang="en-US" sz="2000" smtClean="0">
+                <a:solidFill>
+                  <a:srgbClr val="111111"/>
+                </a:solidFill>
+                <a:latin typeface="Monaco"/>
+              </a:rPr>
+              <a:t>      printf</a:t>
+            </a:r>
+            <a:r>
+              <a:rPr lang="en-US" sz="2000">
+                <a:solidFill>
+                  <a:srgbClr val="111111"/>
+                </a:solidFill>
+                <a:latin typeface="Monaco"/>
+              </a:rPr>
+              <a:t>("\n x =%d",x</a:t>
+            </a:r>
+            <a:r>
+              <a:rPr lang="en-US" sz="2000">
+                <a:solidFill>
+                  <a:srgbClr val="111111"/>
+                </a:solidFill>
+                <a:latin typeface="Monaco"/>
+              </a:rPr>
+              <a:t>); </a:t>
+            </a:r>
+            <a:r>
+              <a:rPr lang="en-US" sz="2000" smtClean="0">
+                <a:solidFill>
+                  <a:srgbClr val="111111"/>
+                </a:solidFill>
+                <a:latin typeface="Monaco"/>
+              </a:rPr>
+              <a:t>// </a:t>
+            </a:r>
+            <a:r>
+              <a:rPr lang="en-US" sz="2000">
+                <a:solidFill>
+                  <a:srgbClr val="111111"/>
+                </a:solidFill>
+                <a:latin typeface="Monaco"/>
+              </a:rPr>
+              <a:t>x = </a:t>
+            </a:r>
+            <a:r>
+              <a:rPr lang="en-US" sz="2000">
+                <a:solidFill>
+                  <a:srgbClr val="111111"/>
+                </a:solidFill>
+                <a:latin typeface="Monaco"/>
+              </a:rPr>
+              <a:t>3 </a:t>
+            </a:r>
+            <a:endParaRPr lang="en-US" sz="2000" smtClean="0">
+              <a:solidFill>
+                <a:srgbClr val="111111"/>
+              </a:solidFill>
+              <a:latin typeface="Monaco"/>
+            </a:endParaRPr>
+          </a:p>
+          <a:p>
+            <a:pPr defTabSz="914400" eaLnBrk="0" fontAlgn="base" hangingPunct="0">
+              <a:spcBef>
+                <a:spcPct val="0"/>
+              </a:spcBef>
+              <a:spcAft>
+                <a:spcPct val="0"/>
+              </a:spcAft>
+            </a:pPr>
+            <a:r>
+              <a:rPr lang="en-US" sz="2000">
+                <a:solidFill>
+                  <a:srgbClr val="111111"/>
+                </a:solidFill>
+                <a:latin typeface="Monaco"/>
+              </a:rPr>
+              <a:t> </a:t>
+            </a:r>
+            <a:r>
+              <a:rPr lang="en-US" sz="2000" smtClean="0">
+                <a:solidFill>
+                  <a:srgbClr val="111111"/>
+                </a:solidFill>
+                <a:latin typeface="Monaco"/>
+              </a:rPr>
+              <a:t>      printf</a:t>
+            </a:r>
+            <a:r>
+              <a:rPr lang="en-US" sz="2000">
+                <a:solidFill>
+                  <a:srgbClr val="111111"/>
+                </a:solidFill>
+                <a:latin typeface="Monaco"/>
+              </a:rPr>
+              <a:t>("\n y =%d",y); // y = </a:t>
+            </a:r>
+            <a:r>
+              <a:rPr lang="en-US" sz="2000">
+                <a:solidFill>
+                  <a:srgbClr val="111111"/>
+                </a:solidFill>
+                <a:latin typeface="Monaco"/>
+              </a:rPr>
+              <a:t>2 </a:t>
+            </a:r>
+            <a:endParaRPr lang="en-US" sz="2000" smtClean="0">
+              <a:solidFill>
+                <a:srgbClr val="111111"/>
+              </a:solidFill>
+              <a:latin typeface="Monaco"/>
+            </a:endParaRPr>
+          </a:p>
+          <a:p>
+            <a:pPr defTabSz="914400" eaLnBrk="0" fontAlgn="base" hangingPunct="0">
+              <a:spcBef>
+                <a:spcPct val="0"/>
+              </a:spcBef>
+              <a:spcAft>
+                <a:spcPct val="0"/>
+              </a:spcAft>
+            </a:pPr>
+            <a:r>
+              <a:rPr lang="en-US" sz="2000" smtClean="0">
+                <a:solidFill>
+                  <a:srgbClr val="111111"/>
+                </a:solidFill>
+                <a:latin typeface="Monaco"/>
+              </a:rPr>
+              <a:t>} </a:t>
+            </a:r>
+            <a:endParaRPr lang="en-US" sz="2000">
+              <a:solidFill>
+                <a:srgbClr val="111111"/>
+              </a:solidFill>
+              <a:latin typeface="Monaco"/>
+            </a:endParaRPr>
+          </a:p>
+        </p:txBody>
+      </p:sp>
+    </p:spTree>
+    <p:extLst>
+      <p:ext uri="{BB962C8B-B14F-4D97-AF65-F5344CB8AC3E}">
+        <p14:creationId xmlns:p14="http://schemas.microsoft.com/office/powerpoint/2010/main" val="4247931008"/>
+      </p:ext>
+    </p:extLst>
+  </p:cSld>
+  <p:clrMapOvr>
+    <a:masterClrMapping/>
+  </p:clrMapOvr>
+</p:sld>
+</file>
+
+<file path=ppt/slides/slide12.xml><?xml version="1.0" encoding="utf-8"?>
+<p:sld xmlns:a="http://schemas.openxmlformats.org/drawingml/2006/main" xmlns:r="http://schemas.openxmlformats.org/officeDocument/2006/relationships" xmlns:p="http://schemas.openxmlformats.org/presentationml/2006/main">
+  <p:cSld>
+    <p:spTree>
+      <p:nvGrpSpPr>
+        <p:cNvPr id="1" name=""/>
+        <p:cNvGrpSpPr/>
+        <p:nvPr/>
+      </p:nvGrpSpPr>
+      <p:grpSpPr>
+        <a:xfrm>
+          <a:off x="0" y="0"/>
+          <a:ext cx="0" cy="0"/>
+          <a:chOff x="0" y="0"/>
+          <a:chExt cx="0" cy="0"/>
+        </a:xfrm>
+      </p:grpSpPr>
+      <p:sp>
+        <p:nvSpPr>
+          <p:cNvPr id="2" name="Title 1"/>
+          <p:cNvSpPr>
+            <a:spLocks noGrp="1"/>
+          </p:cNvSpPr>
+          <p:nvPr>
+            <p:ph type="title"/>
+          </p:nvPr>
+        </p:nvSpPr>
+        <p:spPr/>
+        <p:txBody>
+          <a:bodyPr/>
+          <a:lstStyle/>
+          <a:p>
+            <a:endParaRPr lang="en-US"/>
+          </a:p>
+        </p:txBody>
+      </p:sp>
+      <p:sp>
+        <p:nvSpPr>
+          <p:cNvPr id="3" name="Content Placeholder 2"/>
+          <p:cNvSpPr>
+            <a:spLocks noGrp="1"/>
+          </p:cNvSpPr>
+          <p:nvPr>
+            <p:ph idx="1"/>
+          </p:nvPr>
+        </p:nvSpPr>
+        <p:spPr/>
+        <p:txBody>
+          <a:bodyPr/>
+          <a:lstStyle/>
+          <a:p>
+            <a:endParaRPr lang="en-US"/>
+          </a:p>
+        </p:txBody>
+      </p:sp>
+    </p:spTree>
+    <p:extLst>
+      <p:ext uri="{BB962C8B-B14F-4D97-AF65-F5344CB8AC3E}">
+        <p14:creationId xmlns:p14="http://schemas.microsoft.com/office/powerpoint/2010/main" val="2971142291"/>
+      </p:ext>
+    </p:extLst>
+  </p:cSld>
+  <p:clrMapOvr>
+    <a:masterClrMapping/>
+  </p:clrMapOvr>
 </p:sld>
 </file>
 
@@ -4281,8 +6242,8 @@
           <a:p>
             <a:r>
               <a:rPr lang="en-US">
-                <a:latin typeface="Times New Roman" panose="02020603050405020304" pitchFamily="18" charset="0"/>
-                <a:cs typeface="Times New Roman" panose="02020603050405020304" pitchFamily="18" charset="0"/>
+                <a:latin typeface="Arial" panose="020B0604020202020204" pitchFamily="34" charset="0"/>
+                <a:cs typeface="Arial" panose="020B0604020202020204" pitchFamily="34" charset="0"/>
               </a:rPr>
               <a:t>History of C language</a:t>
             </a:r>
@@ -4509,14 +6470,14 @@
           <a:p>
             <a:r>
               <a:rPr lang="en-US" smtClean="0">
-                <a:latin typeface="Times New Roman" panose="02020603050405020304" pitchFamily="18" charset="0"/>
-                <a:cs typeface="Times New Roman" panose="02020603050405020304" pitchFamily="18" charset="0"/>
+                <a:latin typeface="Arial" panose="020B0604020202020204" pitchFamily="34" charset="0"/>
+                <a:cs typeface="Arial" panose="020B0604020202020204" pitchFamily="34" charset="0"/>
               </a:rPr>
               <a:t>Compiling in C</a:t>
             </a:r>
             <a:endParaRPr lang="en-US">
-              <a:latin typeface="Times New Roman" panose="02020603050405020304" pitchFamily="18" charset="0"/>
-              <a:cs typeface="Times New Roman" panose="02020603050405020304" pitchFamily="18" charset="0"/>
+              <a:latin typeface="Arial" panose="020B0604020202020204" pitchFamily="34" charset="0"/>
+              <a:cs typeface="Arial" panose="020B0604020202020204" pitchFamily="34" charset="0"/>
             </a:endParaRPr>
           </a:p>
         </p:txBody>
@@ -4532,7 +6493,7 @@
         <p:spPr bwMode="auto">
           <a:xfrm>
             <a:off x="5174404" y="2081945"/>
-            <a:ext cx="3595856" cy="1200329"/>
+            <a:ext cx="4025461" cy="1200329"/>
           </a:xfrm>
           <a:prstGeom prst="rect">
             <a:avLst/>
@@ -4605,6 +6566,7 @@
               </a:solidFill>
               <a:effectLst/>
               <a:latin typeface="Arial" panose="020B0604020202020204" pitchFamily="34" charset="0"/>
+              <a:cs typeface="Arial" panose="020B0604020202020204" pitchFamily="34" charset="0"/>
             </a:endParaRPr>
           </a:p>
           <a:p>
@@ -4629,8 +6591,8 @@
                 <a:solidFill>
                   <a:srgbClr val="000000"/>
                 </a:solidFill>
-                <a:latin typeface="Times New Roman" panose="02020603050405020304" pitchFamily="18" charset="0"/>
-                <a:cs typeface="Times New Roman" panose="02020603050405020304" pitchFamily="18" charset="0"/>
+                <a:latin typeface="Arial" panose="020B0604020202020204" pitchFamily="34" charset="0"/>
+                <a:cs typeface="Arial" panose="020B0604020202020204" pitchFamily="34" charset="0"/>
               </a:rPr>
               <a:t>R</a:t>
             </a:r>
@@ -4643,24 +6605,10 @@
                   <a:srgbClr val="000000"/>
                 </a:solidFill>
                 <a:effectLst/>
-                <a:latin typeface="Times New Roman" panose="02020603050405020304" pitchFamily="18" charset="0"/>
-                <a:cs typeface="Times New Roman" panose="02020603050405020304" pitchFamily="18" charset="0"/>
-              </a:rPr>
-              <a:t>emoving </a:t>
-            </a:r>
-            <a:r>
-              <a:rPr kumimoji="0" lang="en-US" altLang="en-US" sz="1800" b="0" i="0" u="none" strike="noStrike" cap="none" normalizeH="0" baseline="0" smtClean="0">
-                <a:ln>
-                  <a:noFill/>
-                </a:ln>
-                <a:solidFill>
-                  <a:srgbClr val="000000"/>
-                </a:solidFill>
-                <a:effectLst/>
-                <a:latin typeface="Times New Roman" panose="02020603050405020304" pitchFamily="18" charset="0"/>
-                <a:cs typeface="Times New Roman" panose="02020603050405020304" pitchFamily="18" charset="0"/>
-              </a:rPr>
-              <a:t>comments</a:t>
+                <a:latin typeface="Arial" panose="020B0604020202020204" pitchFamily="34" charset="0"/>
+                <a:cs typeface="Arial" panose="020B0604020202020204" pitchFamily="34" charset="0"/>
+              </a:rPr>
+              <a:t>emoving comments</a:t>
             </a:r>
           </a:p>
           <a:p>
@@ -4685,8 +6633,8 @@
                 <a:solidFill>
                   <a:srgbClr val="000000"/>
                 </a:solidFill>
-                <a:latin typeface="Times New Roman" panose="02020603050405020304" pitchFamily="18" charset="0"/>
-                <a:cs typeface="Times New Roman" panose="02020603050405020304" pitchFamily="18" charset="0"/>
+                <a:latin typeface="Arial" panose="020B0604020202020204" pitchFamily="34" charset="0"/>
+                <a:cs typeface="Arial" panose="020B0604020202020204" pitchFamily="34" charset="0"/>
               </a:rPr>
               <a:t>I</a:t>
             </a:r>
@@ -4699,38 +6647,10 @@
                   <a:srgbClr val="000000"/>
                 </a:solidFill>
                 <a:effectLst/>
-                <a:latin typeface="Times New Roman" panose="02020603050405020304" pitchFamily="18" charset="0"/>
-                <a:cs typeface="Times New Roman" panose="02020603050405020304" pitchFamily="18" charset="0"/>
-              </a:rPr>
-              <a:t>nterpreting </a:t>
-            </a:r>
-            <a:r>
-              <a:rPr kumimoji="0" lang="en-US" altLang="en-US" sz="1800" b="0" i="0" u="none" strike="noStrike" cap="none" normalizeH="0" baseline="0" smtClean="0">
-                <a:ln>
-                  <a:noFill/>
-                </a:ln>
-                <a:solidFill>
-                  <a:srgbClr val="000000"/>
-                </a:solidFill>
-                <a:effectLst/>
-                <a:latin typeface="Times New Roman" panose="02020603050405020304" pitchFamily="18" charset="0"/>
-                <a:cs typeface="Times New Roman" panose="02020603050405020304" pitchFamily="18" charset="0"/>
-              </a:rPr>
-              <a:t>special</a:t>
-            </a:r>
-            <a:r>
-              <a:rPr kumimoji="0" lang="en-US" altLang="en-US" sz="1800" b="0" i="0" u="none" strike="noStrike" cap="none" normalizeH="0" baseline="0" smtClean="0">
-                <a:ln>
-                  <a:noFill/>
-                </a:ln>
-                <a:solidFill>
-                  <a:srgbClr val="000000"/>
-                </a:solidFill>
-                <a:effectLst/>
-                <a:latin typeface="Times New Roman" panose="02020603050405020304" pitchFamily="18" charset="0"/>
-                <a:cs typeface="Times New Roman" panose="02020603050405020304" pitchFamily="18" charset="0"/>
-              </a:rPr>
-              <a:t> </a:t>
+                <a:latin typeface="Arial" panose="020B0604020202020204" pitchFamily="34" charset="0"/>
+                <a:cs typeface="Arial" panose="020B0604020202020204" pitchFamily="34" charset="0"/>
+              </a:rPr>
+              <a:t>nterpreting special </a:t>
             </a:r>
             <a:r>
               <a:rPr kumimoji="0" lang="en-US" altLang="en-US" sz="1800" b="1" i="1" u="none" strike="noStrike" cap="none" normalizeH="0" baseline="0" smtClean="0">
@@ -4741,8 +6661,8 @@
                   <a:srgbClr val="000000"/>
                 </a:solidFill>
                 <a:effectLst/>
-                <a:latin typeface="Times New Roman" panose="02020603050405020304" pitchFamily="18" charset="0"/>
-                <a:cs typeface="Times New Roman" panose="02020603050405020304" pitchFamily="18" charset="0"/>
+                <a:latin typeface="Arial" panose="020B0604020202020204" pitchFamily="34" charset="0"/>
+                <a:cs typeface="Arial" panose="020B0604020202020204" pitchFamily="34" charset="0"/>
               </a:rPr>
               <a:t>preprocessor </a:t>
             </a:r>
@@ -4767,8 +6687,8 @@
                 <a:solidFill>
                   <a:srgbClr val="000000"/>
                 </a:solidFill>
-                <a:latin typeface="Times New Roman" panose="02020603050405020304" pitchFamily="18" charset="0"/>
-                <a:cs typeface="Times New Roman" panose="02020603050405020304" pitchFamily="18" charset="0"/>
+                <a:latin typeface="Arial" panose="020B0604020202020204" pitchFamily="34" charset="0"/>
+                <a:cs typeface="Arial" panose="020B0604020202020204" pitchFamily="34" charset="0"/>
               </a:rPr>
               <a:t> </a:t>
             </a:r>
@@ -4777,8 +6697,8 @@
                 <a:solidFill>
                   <a:srgbClr val="000000"/>
                 </a:solidFill>
-                <a:latin typeface="Times New Roman" panose="02020603050405020304" pitchFamily="18" charset="0"/>
-                <a:cs typeface="Times New Roman" panose="02020603050405020304" pitchFamily="18" charset="0"/>
+                <a:latin typeface="Arial" panose="020B0604020202020204" pitchFamily="34" charset="0"/>
+                <a:cs typeface="Arial" panose="020B0604020202020204" pitchFamily="34" charset="0"/>
               </a:rPr>
               <a:t>    </a:t>
             </a:r>
@@ -4791,8 +6711,8 @@
                   <a:srgbClr val="000000"/>
                 </a:solidFill>
                 <a:effectLst/>
-                <a:latin typeface="Times New Roman" panose="02020603050405020304" pitchFamily="18" charset="0"/>
-                <a:cs typeface="Times New Roman" panose="02020603050405020304" pitchFamily="18" charset="0"/>
+                <a:latin typeface="Arial" panose="020B0604020202020204" pitchFamily="34" charset="0"/>
+                <a:cs typeface="Arial" panose="020B0604020202020204" pitchFamily="34" charset="0"/>
               </a:rPr>
               <a:t>directives</a:t>
             </a:r>
@@ -4805,24 +6725,10 @@
                   <a:srgbClr val="000000"/>
                 </a:solidFill>
                 <a:effectLst/>
-                <a:latin typeface="Times New Roman" panose="02020603050405020304" pitchFamily="18" charset="0"/>
-                <a:cs typeface="Times New Roman" panose="02020603050405020304" pitchFamily="18" charset="0"/>
-              </a:rPr>
-              <a:t> denoted by</a:t>
-            </a:r>
-            <a:r>
-              <a:rPr kumimoji="0" lang="en-US" altLang="en-US" sz="1800" b="0" i="0" u="none" strike="noStrike" cap="none" normalizeH="0" baseline="0" smtClean="0">
-                <a:ln>
-                  <a:noFill/>
-                </a:ln>
-                <a:solidFill>
-                  <a:srgbClr val="000000"/>
-                </a:solidFill>
-                <a:effectLst/>
-                <a:latin typeface="Times New Roman" panose="02020603050405020304" pitchFamily="18" charset="0"/>
-                <a:cs typeface="Times New Roman" panose="02020603050405020304" pitchFamily="18" charset="0"/>
-              </a:rPr>
-              <a:t> </a:t>
+                <a:latin typeface="Arial" panose="020B0604020202020204" pitchFamily="34" charset="0"/>
+                <a:cs typeface="Arial" panose="020B0604020202020204" pitchFamily="34" charset="0"/>
+              </a:rPr>
+              <a:t> denoted by </a:t>
             </a:r>
             <a:r>
               <a:rPr kumimoji="0" lang="en-US" altLang="en-US" sz="1000" b="0" i="0" u="none" strike="noStrike" cap="none" normalizeH="0" baseline="0" smtClean="0">
@@ -4833,8 +6739,8 @@
                   <a:srgbClr val="000000"/>
                 </a:solidFill>
                 <a:effectLst/>
-                <a:latin typeface="Arial Unicode MS" panose="020B0604020202020204" pitchFamily="34" charset="-128"/>
-                <a:cs typeface="Times New Roman" panose="02020603050405020304" pitchFamily="18" charset="0"/>
+                <a:latin typeface="Arial" panose="020B0604020202020204" pitchFamily="34" charset="0"/>
+                <a:cs typeface="Arial" panose="020B0604020202020204" pitchFamily="34" charset="0"/>
               </a:rPr>
               <a:t>#</a:t>
             </a:r>
@@ -4847,8 +6753,8 @@
                   <a:srgbClr val="000000"/>
                 </a:solidFill>
                 <a:effectLst/>
-                <a:latin typeface="Times New Roman" panose="02020603050405020304" pitchFamily="18" charset="0"/>
-                <a:cs typeface="Times New Roman" panose="02020603050405020304" pitchFamily="18" charset="0"/>
+                <a:latin typeface="Arial" panose="020B0604020202020204" pitchFamily="34" charset="0"/>
+                <a:cs typeface="Arial" panose="020B0604020202020204" pitchFamily="34" charset="0"/>
               </a:rPr>
               <a:t>.</a:t>
             </a:r>
@@ -4860,8 +6766,8 @@
                 <a:srgbClr val="000000"/>
               </a:solidFill>
               <a:effectLst/>
-              <a:latin typeface="Times New Roman" panose="02020603050405020304" pitchFamily="18" charset="0"/>
-              <a:cs typeface="Times New Roman" panose="02020603050405020304" pitchFamily="18" charset="0"/>
+              <a:latin typeface="Arial" panose="020B0604020202020204" pitchFamily="34" charset="0"/>
+              <a:cs typeface="Arial" panose="020B0604020202020204" pitchFamily="34" charset="0"/>
             </a:endParaRPr>
           </a:p>
         </p:txBody>
@@ -4896,55 +6802,47 @@
                 <a:solidFill>
                   <a:srgbClr val="000000"/>
                 </a:solidFill>
-                <a:latin typeface="Times New Roman" panose="02020603050405020304" pitchFamily="18" charset="0"/>
-              </a:rPr>
-              <a:t>The C compiler </a:t>
-            </a:r>
+                <a:latin typeface="Arial" panose="020B0604020202020204" pitchFamily="34" charset="0"/>
+                <a:cs typeface="Arial" panose="020B0604020202020204" pitchFamily="34" charset="0"/>
+              </a:rPr>
+              <a:t>The C compiler translates </a:t>
+            </a:r>
+          </a:p>
+          <a:p>
             <a:r>
               <a:rPr lang="en-US">
                 <a:solidFill>
                   <a:srgbClr val="000000"/>
                 </a:solidFill>
-                <a:latin typeface="Times New Roman" panose="02020603050405020304" pitchFamily="18" charset="0"/>
-              </a:rPr>
-              <a:t>translates </a:t>
+                <a:latin typeface="Arial" panose="020B0604020202020204" pitchFamily="34" charset="0"/>
+                <a:cs typeface="Arial" panose="020B0604020202020204" pitchFamily="34" charset="0"/>
+              </a:rPr>
+              <a:t> </a:t>
+            </a:r>
+            <a:r>
+              <a:rPr lang="en-US" smtClean="0">
+                <a:solidFill>
+                  <a:srgbClr val="000000"/>
+                </a:solidFill>
+                <a:latin typeface="Arial" panose="020B0604020202020204" pitchFamily="34" charset="0"/>
+                <a:cs typeface="Arial" panose="020B0604020202020204" pitchFamily="34" charset="0"/>
+              </a:rPr>
+              <a:t>    source </a:t>
+            </a:r>
+            <a:r>
+              <a:rPr lang="en-US">
+                <a:solidFill>
+                  <a:srgbClr val="000000"/>
+                </a:solidFill>
+                <a:latin typeface="Arial" panose="020B0604020202020204" pitchFamily="34" charset="0"/>
+                <a:cs typeface="Arial" panose="020B0604020202020204" pitchFamily="34" charset="0"/>
+              </a:rPr>
+              <a:t>to assembly code.</a:t>
             </a:r>
             <a:endParaRPr lang="en-US">
-              <a:solidFill>
-                <a:srgbClr val="000000"/>
-              </a:solidFill>
-              <a:latin typeface="Times New Roman" panose="02020603050405020304" pitchFamily="18" charset="0"/>
+              <a:latin typeface="Arial" panose="020B0604020202020204" pitchFamily="34" charset="0"/>
+              <a:cs typeface="Arial" panose="020B0604020202020204" pitchFamily="34" charset="0"/>
             </a:endParaRPr>
-          </a:p>
-          <a:p>
-            <a:r>
-              <a:rPr lang="en-US">
-                <a:solidFill>
-                  <a:srgbClr val="000000"/>
-                </a:solidFill>
-                <a:latin typeface="Times New Roman" panose="02020603050405020304" pitchFamily="18" charset="0"/>
-              </a:rPr>
-              <a:t> </a:t>
-            </a:r>
-            <a:r>
-              <a:rPr lang="en-US" smtClean="0">
-                <a:solidFill>
-                  <a:srgbClr val="000000"/>
-                </a:solidFill>
-                <a:latin typeface="Times New Roman" panose="02020603050405020304" pitchFamily="18" charset="0"/>
-              </a:rPr>
-              <a:t>    source </a:t>
-            </a:r>
-            <a:r>
-              <a:rPr lang="en-US">
-                <a:solidFill>
-                  <a:srgbClr val="000000"/>
-                </a:solidFill>
-                <a:latin typeface="Times New Roman" panose="02020603050405020304" pitchFamily="18" charset="0"/>
-              </a:rPr>
-              <a:t>to assembly code.</a:t>
-            </a:r>
-            <a:endParaRPr lang="en-US"/>
           </a:p>
         </p:txBody>
       </p:sp>
@@ -4957,7 +6855,7 @@
         <p:spPr>
           <a:xfrm>
             <a:off x="5174404" y="4378565"/>
-            <a:ext cx="3685624" cy="369332"/>
+            <a:ext cx="4128053" cy="369332"/>
           </a:xfrm>
           <a:prstGeom prst="rect">
             <a:avLst/>
@@ -4978,11 +6876,15 @@
                 <a:solidFill>
                   <a:srgbClr val="000000"/>
                 </a:solidFill>
-                <a:latin typeface="Times New Roman" panose="02020603050405020304" pitchFamily="18" charset="0"/>
+                <a:latin typeface="Arial" panose="020B0604020202020204" pitchFamily="34" charset="0"/>
+                <a:cs typeface="Arial" panose="020B0604020202020204" pitchFamily="34" charset="0"/>
               </a:rPr>
               <a:t>The assembler creates object code.</a:t>
             </a:r>
-            <a:endParaRPr lang="en-US"/>
+            <a:endParaRPr lang="en-US">
+              <a:latin typeface="Arial" panose="020B0604020202020204" pitchFamily="34" charset="0"/>
+              <a:cs typeface="Arial" panose="020B0604020202020204" pitchFamily="34" charset="0"/>
+            </a:endParaRPr>
           </a:p>
         </p:txBody>
       </p:sp>
@@ -5059,7 +6961,8 @@
                 <a:solidFill>
                   <a:srgbClr val="000000"/>
                 </a:solidFill>
-                <a:latin typeface="Times New Roman" panose="02020603050405020304" pitchFamily="18" charset="0"/>
+                <a:latin typeface="Arial" panose="020B0604020202020204" pitchFamily="34" charset="0"/>
+                <a:cs typeface="Arial" panose="020B0604020202020204" pitchFamily="34" charset="0"/>
               </a:rPr>
               <a:t>links the object code with the library code to produce an executable file</a:t>
             </a:r>
@@ -5119,7 +7022,10 @@
           <a:lstStyle/>
           <a:p>
             <a:r>
-              <a:rPr lang="en-US"/>
+              <a:rPr lang="en-US">
+                <a:latin typeface="Arial" panose="020B0604020202020204" pitchFamily="34" charset="0"/>
+                <a:cs typeface="Arial" panose="020B0604020202020204" pitchFamily="34" charset="0"/>
+              </a:rPr>
               <a:t>program structure in c</a:t>
             </a:r>
           </a:p>
@@ -5137,55 +7043,91 @@
         </p:nvSpPr>
         <p:spPr>
           <a:xfrm>
-            <a:off x="360167" y="2651760"/>
-            <a:ext cx="3369622" cy="4206240"/>
+            <a:off x="685018" y="2651760"/>
+            <a:ext cx="4827885" cy="4206240"/>
           </a:xfrm>
         </p:spPr>
         <p:txBody>
-          <a:bodyPr/>
+          <a:bodyPr>
+            <a:normAutofit/>
+          </a:bodyPr>
           <a:lstStyle/>
           <a:p>
-            <a:pPr marL="0" indent="0" algn="just">
+            <a:pPr marL="0" indent="0">
               <a:buNone/>
             </a:pPr>
             <a:r>
-              <a:rPr lang="en-US"/>
+              <a:rPr lang="en-US" sz="2800">
+                <a:latin typeface="Arial" panose="020B0604020202020204" pitchFamily="34" charset="0"/>
+                <a:cs typeface="Arial" panose="020B0604020202020204" pitchFamily="34" charset="0"/>
+              </a:rPr>
               <a:t>A C program basically consists of the following parts:</a:t>
             </a:r>
           </a:p>
           <a:p>
-            <a:pPr lvl="1" algn="just"/>
-            <a:r>
-              <a:rPr lang="en-US"/>
+            <a:pPr lvl="1"/>
+            <a:r>
+              <a:rPr lang="en-US" sz="2800">
+                <a:latin typeface="Arial" panose="020B0604020202020204" pitchFamily="34" charset="0"/>
+                <a:cs typeface="Arial" panose="020B0604020202020204" pitchFamily="34" charset="0"/>
+              </a:rPr>
               <a:t>Preprocessor </a:t>
             </a:r>
             <a:r>
-              <a:rPr lang="en-US" smtClean="0"/>
-              <a:t>Commands Functions</a:t>
-            </a:r>
-          </a:p>
-          <a:p>
-            <a:pPr lvl="1" algn="just"/>
-            <a:r>
-              <a:rPr lang="en-US" smtClean="0"/>
+              <a:rPr lang="en-US" sz="2800" smtClean="0">
+                <a:latin typeface="Arial" panose="020B0604020202020204" pitchFamily="34" charset="0"/>
+                <a:cs typeface="Arial" panose="020B0604020202020204" pitchFamily="34" charset="0"/>
+              </a:rPr>
+              <a:t>Commands</a:t>
+            </a:r>
+          </a:p>
+          <a:p>
+            <a:pPr lvl="1"/>
+            <a:r>
+              <a:rPr lang="en-US" sz="2800" smtClean="0">
+                <a:latin typeface="Arial" panose="020B0604020202020204" pitchFamily="34" charset="0"/>
+                <a:cs typeface="Arial" panose="020B0604020202020204" pitchFamily="34" charset="0"/>
+              </a:rPr>
               <a:t>Prototype</a:t>
             </a:r>
-            <a:endParaRPr lang="en-US"/>
-          </a:p>
-          <a:p>
-            <a:pPr lvl="1" algn="just"/>
-            <a:r>
-              <a:rPr lang="en-US"/>
+          </a:p>
+          <a:p>
+            <a:pPr lvl="1"/>
+            <a:r>
+              <a:rPr lang="en-US" sz="2800" smtClean="0">
+                <a:latin typeface="Arial" panose="020B0604020202020204" pitchFamily="34" charset="0"/>
+                <a:cs typeface="Arial" panose="020B0604020202020204" pitchFamily="34" charset="0"/>
+              </a:rPr>
+              <a:t>Functions</a:t>
+            </a:r>
+          </a:p>
+          <a:p>
+            <a:pPr lvl="1"/>
+            <a:r>
+              <a:rPr lang="en-US" sz="2800" smtClean="0">
+                <a:latin typeface="Arial" panose="020B0604020202020204" pitchFamily="34" charset="0"/>
+                <a:cs typeface="Arial" panose="020B0604020202020204" pitchFamily="34" charset="0"/>
+              </a:rPr>
               <a:t>Variables</a:t>
             </a:r>
-          </a:p>
-          <a:p>
-            <a:pPr lvl="1" algn="just"/>
-            <a:r>
-              <a:rPr lang="en-US" smtClean="0"/>
+            <a:endParaRPr lang="en-US" sz="2800">
+              <a:latin typeface="Arial" panose="020B0604020202020204" pitchFamily="34" charset="0"/>
+              <a:cs typeface="Arial" panose="020B0604020202020204" pitchFamily="34" charset="0"/>
+            </a:endParaRPr>
+          </a:p>
+          <a:p>
+            <a:pPr lvl="1"/>
+            <a:r>
+              <a:rPr lang="en-US" sz="2800" smtClean="0">
+                <a:latin typeface="Arial" panose="020B0604020202020204" pitchFamily="34" charset="0"/>
+                <a:cs typeface="Arial" panose="020B0604020202020204" pitchFamily="34" charset="0"/>
+              </a:rPr>
               <a:t>Comments</a:t>
             </a:r>
-            <a:endParaRPr lang="en-US"/>
+            <a:endParaRPr lang="en-US" sz="2800">
+              <a:latin typeface="Arial" panose="020B0604020202020204" pitchFamily="34" charset="0"/>
+              <a:cs typeface="Arial" panose="020B0604020202020204" pitchFamily="34" charset="0"/>
+            </a:endParaRPr>
           </a:p>
         </p:txBody>
       </p:sp>
@@ -5197,7 +7139,7 @@
         </p:nvSpPr>
         <p:spPr>
           <a:xfrm>
-            <a:off x="5281082" y="2651760"/>
+            <a:off x="5811169" y="2651760"/>
             <a:ext cx="3176337" cy="3539430"/>
           </a:xfrm>
           <a:prstGeom prst="rect">
@@ -5372,6 +7314,3673 @@
       </p:par>
     </p:tnLst>
   </p:timing>
+</p:sld>
+</file>
+
+<file path=ppt/slides/slide5.xml><?xml version="1.0" encoding="utf-8"?>
+<p:sld xmlns:a="http://schemas.openxmlformats.org/drawingml/2006/main" xmlns:r="http://schemas.openxmlformats.org/officeDocument/2006/relationships" xmlns:p="http://schemas.openxmlformats.org/presentationml/2006/main">
+  <p:cSld>
+    <p:spTree>
+      <p:nvGrpSpPr>
+        <p:cNvPr id="1" name=""/>
+        <p:cNvGrpSpPr/>
+        <p:nvPr/>
+      </p:nvGrpSpPr>
+      <p:grpSpPr>
+        <a:xfrm>
+          <a:off x="0" y="0"/>
+          <a:ext cx="0" cy="0"/>
+          <a:chOff x="0" y="0"/>
+          <a:chExt cx="0" cy="0"/>
+        </a:xfrm>
+      </p:grpSpPr>
+      <p:sp>
+        <p:nvSpPr>
+          <p:cNvPr id="2" name="Title 1"/>
+          <p:cNvSpPr>
+            <a:spLocks noGrp="1"/>
+          </p:cNvSpPr>
+          <p:nvPr>
+            <p:ph type="title"/>
+          </p:nvPr>
+        </p:nvSpPr>
+        <p:spPr/>
+        <p:txBody>
+          <a:bodyPr/>
+          <a:lstStyle/>
+          <a:p>
+            <a:r>
+              <a:rPr lang="en-US"/>
+              <a:t>program structure in c</a:t>
+            </a:r>
+          </a:p>
+        </p:txBody>
+      </p:sp>
+      <p:sp>
+        <p:nvSpPr>
+          <p:cNvPr id="3" name="Content Placeholder 2"/>
+          <p:cNvSpPr>
+            <a:spLocks noGrp="1"/>
+          </p:cNvSpPr>
+          <p:nvPr>
+            <p:ph idx="1"/>
+          </p:nvPr>
+        </p:nvSpPr>
+        <p:spPr>
+          <a:xfrm>
+            <a:off x="685019" y="1934816"/>
+            <a:ext cx="7772400" cy="4923183"/>
+          </a:xfrm>
+        </p:spPr>
+        <p:txBody>
+          <a:bodyPr>
+            <a:normAutofit fontScale="92500" lnSpcReduction="10000"/>
+          </a:bodyPr>
+          <a:lstStyle/>
+          <a:p>
+            <a:pPr marL="0" indent="0">
+              <a:spcBef>
+                <a:spcPts val="0"/>
+              </a:spcBef>
+              <a:spcAft>
+                <a:spcPts val="0"/>
+              </a:spcAft>
+              <a:buNone/>
+            </a:pPr>
+            <a:r>
+              <a:rPr lang="en-US" smtClean="0">
+                <a:solidFill>
+                  <a:schemeClr val="bg1"/>
+                </a:solidFill>
+                <a:latin typeface="Arial" panose="020B0604020202020204" pitchFamily="34" charset="0"/>
+                <a:cs typeface="Arial" panose="020B0604020202020204" pitchFamily="34" charset="0"/>
+              </a:rPr>
+              <a:t>#include &lt;stdio.h&gt;</a:t>
+            </a:r>
+          </a:p>
+          <a:p>
+            <a:pPr marL="0" indent="0">
+              <a:lnSpc>
+                <a:spcPct val="100000"/>
+              </a:lnSpc>
+              <a:spcBef>
+                <a:spcPts val="0"/>
+              </a:spcBef>
+              <a:spcAft>
+                <a:spcPts val="0"/>
+              </a:spcAft>
+              <a:buNone/>
+            </a:pPr>
+            <a:r>
+              <a:rPr lang="en-US" smtClean="0">
+                <a:solidFill>
+                  <a:schemeClr val="bg1"/>
+                </a:solidFill>
+                <a:latin typeface="Arial" panose="020B0604020202020204" pitchFamily="34" charset="0"/>
+                <a:cs typeface="Arial" panose="020B0604020202020204" pitchFamily="34" charset="0"/>
+              </a:rPr>
+              <a:t>#define min(x, y) ( x &lt; y ? x : y)</a:t>
+            </a:r>
+          </a:p>
+          <a:p>
+            <a:pPr marL="0" indent="0">
+              <a:lnSpc>
+                <a:spcPct val="100000"/>
+              </a:lnSpc>
+              <a:spcBef>
+                <a:spcPts val="0"/>
+              </a:spcBef>
+              <a:spcAft>
+                <a:spcPts val="0"/>
+              </a:spcAft>
+              <a:buNone/>
+            </a:pPr>
+            <a:r>
+              <a:rPr lang="en-US" smtClean="0">
+                <a:solidFill>
+                  <a:schemeClr val="bg1"/>
+                </a:solidFill>
+                <a:latin typeface="Arial" panose="020B0604020202020204" pitchFamily="34" charset="0"/>
+                <a:cs typeface="Arial" panose="020B0604020202020204" pitchFamily="34" charset="0"/>
+              </a:rPr>
+              <a:t>void swap( int &amp;a, int &amp;b) ; // prototype function swap</a:t>
+            </a:r>
+          </a:p>
+          <a:p>
+            <a:pPr marL="0" indent="0">
+              <a:lnSpc>
+                <a:spcPct val="100000"/>
+              </a:lnSpc>
+              <a:spcBef>
+                <a:spcPts val="0"/>
+              </a:spcBef>
+              <a:spcAft>
+                <a:spcPts val="0"/>
+              </a:spcAft>
+              <a:buNone/>
+            </a:pPr>
+            <a:r>
+              <a:rPr lang="en-US" smtClean="0">
+                <a:solidFill>
+                  <a:schemeClr val="bg1"/>
+                </a:solidFill>
+                <a:latin typeface="Arial" panose="020B0604020202020204" pitchFamily="34" charset="0"/>
+                <a:cs typeface="Arial" panose="020B0604020202020204" pitchFamily="34" charset="0"/>
+              </a:rPr>
+              <a:t>int main() {</a:t>
+            </a:r>
+          </a:p>
+          <a:p>
+            <a:pPr marL="0" indent="0">
+              <a:lnSpc>
+                <a:spcPct val="100000"/>
+              </a:lnSpc>
+              <a:spcBef>
+                <a:spcPts val="0"/>
+              </a:spcBef>
+              <a:spcAft>
+                <a:spcPts val="0"/>
+              </a:spcAft>
+              <a:buNone/>
+            </a:pPr>
+            <a:r>
+              <a:rPr lang="en-US">
+                <a:solidFill>
+                  <a:schemeClr val="bg1"/>
+                </a:solidFill>
+                <a:latin typeface="Arial" panose="020B0604020202020204" pitchFamily="34" charset="0"/>
+                <a:cs typeface="Arial" panose="020B0604020202020204" pitchFamily="34" charset="0"/>
+              </a:rPr>
+              <a:t>	</a:t>
+            </a:r>
+            <a:r>
+              <a:rPr lang="en-US" smtClean="0">
+                <a:solidFill>
+                  <a:schemeClr val="bg1"/>
+                </a:solidFill>
+                <a:latin typeface="Arial" panose="020B0604020202020204" pitchFamily="34" charset="0"/>
+                <a:cs typeface="Arial" panose="020B0604020202020204" pitchFamily="34" charset="0"/>
+              </a:rPr>
+              <a:t>int x = 1;</a:t>
+            </a:r>
+          </a:p>
+          <a:p>
+            <a:pPr marL="0" indent="0">
+              <a:lnSpc>
+                <a:spcPct val="100000"/>
+              </a:lnSpc>
+              <a:spcBef>
+                <a:spcPts val="0"/>
+              </a:spcBef>
+              <a:spcAft>
+                <a:spcPts val="0"/>
+              </a:spcAft>
+              <a:buNone/>
+            </a:pPr>
+            <a:r>
+              <a:rPr lang="en-US">
+                <a:solidFill>
+                  <a:schemeClr val="bg1"/>
+                </a:solidFill>
+                <a:latin typeface="Arial" panose="020B0604020202020204" pitchFamily="34" charset="0"/>
+                <a:cs typeface="Arial" panose="020B0604020202020204" pitchFamily="34" charset="0"/>
+              </a:rPr>
+              <a:t>	</a:t>
+            </a:r>
+            <a:r>
+              <a:rPr lang="en-US" smtClean="0">
+                <a:solidFill>
+                  <a:schemeClr val="bg1"/>
+                </a:solidFill>
+                <a:latin typeface="Arial" panose="020B0604020202020204" pitchFamily="34" charset="0"/>
+                <a:cs typeface="Arial" panose="020B0604020202020204" pitchFamily="34" charset="0"/>
+              </a:rPr>
+              <a:t>int y = 2;</a:t>
+            </a:r>
+          </a:p>
+          <a:p>
+            <a:pPr marL="0" indent="0">
+              <a:lnSpc>
+                <a:spcPct val="100000"/>
+              </a:lnSpc>
+              <a:spcBef>
+                <a:spcPts val="0"/>
+              </a:spcBef>
+              <a:spcAft>
+                <a:spcPts val="0"/>
+              </a:spcAft>
+              <a:buNone/>
+            </a:pPr>
+            <a:r>
+              <a:rPr lang="en-US">
+                <a:solidFill>
+                  <a:schemeClr val="bg1"/>
+                </a:solidFill>
+                <a:latin typeface="Arial" panose="020B0604020202020204" pitchFamily="34" charset="0"/>
+                <a:cs typeface="Arial" panose="020B0604020202020204" pitchFamily="34" charset="0"/>
+              </a:rPr>
+              <a:t>	</a:t>
+            </a:r>
+            <a:r>
+              <a:rPr lang="en-US" smtClean="0">
+                <a:solidFill>
+                  <a:schemeClr val="bg1"/>
+                </a:solidFill>
+                <a:latin typeface="Arial" panose="020B0604020202020204" pitchFamily="34" charset="0"/>
+                <a:cs typeface="Arial" panose="020B0604020202020204" pitchFamily="34" charset="0"/>
+              </a:rPr>
+              <a:t>swap(x, y);</a:t>
+            </a:r>
+          </a:p>
+          <a:p>
+            <a:pPr marL="0" indent="0">
+              <a:lnSpc>
+                <a:spcPct val="100000"/>
+              </a:lnSpc>
+              <a:spcBef>
+                <a:spcPts val="0"/>
+              </a:spcBef>
+              <a:spcAft>
+                <a:spcPts val="0"/>
+              </a:spcAft>
+              <a:buNone/>
+            </a:pPr>
+            <a:r>
+              <a:rPr lang="en-US">
+                <a:solidFill>
+                  <a:schemeClr val="bg1"/>
+                </a:solidFill>
+                <a:latin typeface="Arial" panose="020B0604020202020204" pitchFamily="34" charset="0"/>
+                <a:cs typeface="Arial" panose="020B0604020202020204" pitchFamily="34" charset="0"/>
+              </a:rPr>
+              <a:t>	</a:t>
+            </a:r>
+            <a:r>
+              <a:rPr lang="en-US" smtClean="0">
+                <a:solidFill>
+                  <a:schemeClr val="bg1"/>
+                </a:solidFill>
+                <a:latin typeface="Arial" panose="020B0604020202020204" pitchFamily="34" charset="0"/>
+                <a:cs typeface="Arial" panose="020B0604020202020204" pitchFamily="34" charset="0"/>
+              </a:rPr>
+              <a:t>min(x, y);</a:t>
+            </a:r>
+          </a:p>
+          <a:p>
+            <a:pPr marL="0" indent="0">
+              <a:lnSpc>
+                <a:spcPct val="100000"/>
+              </a:lnSpc>
+              <a:spcBef>
+                <a:spcPts val="0"/>
+              </a:spcBef>
+              <a:spcAft>
+                <a:spcPts val="0"/>
+              </a:spcAft>
+              <a:buNone/>
+            </a:pPr>
+            <a:r>
+              <a:rPr lang="en-US">
+                <a:solidFill>
+                  <a:schemeClr val="bg1"/>
+                </a:solidFill>
+                <a:latin typeface="Arial" panose="020B0604020202020204" pitchFamily="34" charset="0"/>
+                <a:cs typeface="Arial" panose="020B0604020202020204" pitchFamily="34" charset="0"/>
+              </a:rPr>
+              <a:t>	</a:t>
+            </a:r>
+            <a:r>
+              <a:rPr lang="en-US" smtClean="0">
+                <a:solidFill>
+                  <a:schemeClr val="bg1"/>
+                </a:solidFill>
+                <a:latin typeface="Arial" panose="020B0604020202020204" pitchFamily="34" charset="0"/>
+                <a:cs typeface="Arial" panose="020B0604020202020204" pitchFamily="34" charset="0"/>
+              </a:rPr>
+              <a:t>return 0;</a:t>
+            </a:r>
+          </a:p>
+          <a:p>
+            <a:pPr marL="0" indent="0">
+              <a:lnSpc>
+                <a:spcPct val="100000"/>
+              </a:lnSpc>
+              <a:spcBef>
+                <a:spcPts val="0"/>
+              </a:spcBef>
+              <a:spcAft>
+                <a:spcPts val="0"/>
+              </a:spcAft>
+              <a:buNone/>
+            </a:pPr>
+            <a:r>
+              <a:rPr lang="en-US" smtClean="0">
+                <a:solidFill>
+                  <a:schemeClr val="bg1"/>
+                </a:solidFill>
+                <a:latin typeface="Arial" panose="020B0604020202020204" pitchFamily="34" charset="0"/>
+                <a:cs typeface="Arial" panose="020B0604020202020204" pitchFamily="34" charset="0"/>
+              </a:rPr>
+              <a:t>}</a:t>
+            </a:r>
+          </a:p>
+          <a:p>
+            <a:pPr marL="0" indent="0">
+              <a:lnSpc>
+                <a:spcPct val="100000"/>
+              </a:lnSpc>
+              <a:spcBef>
+                <a:spcPts val="0"/>
+              </a:spcBef>
+              <a:spcAft>
+                <a:spcPts val="0"/>
+              </a:spcAft>
+              <a:buNone/>
+            </a:pPr>
+            <a:endParaRPr lang="en-US">
+              <a:solidFill>
+                <a:schemeClr val="bg1"/>
+              </a:solidFill>
+              <a:latin typeface="Arial" panose="020B0604020202020204" pitchFamily="34" charset="0"/>
+              <a:cs typeface="Arial" panose="020B0604020202020204" pitchFamily="34" charset="0"/>
+            </a:endParaRPr>
+          </a:p>
+          <a:p>
+            <a:pPr marL="0" indent="0">
+              <a:lnSpc>
+                <a:spcPct val="100000"/>
+              </a:lnSpc>
+              <a:spcBef>
+                <a:spcPts val="0"/>
+              </a:spcBef>
+              <a:spcAft>
+                <a:spcPts val="0"/>
+              </a:spcAft>
+              <a:buNone/>
+            </a:pPr>
+            <a:r>
+              <a:rPr lang="en-US" smtClean="0">
+                <a:solidFill>
+                  <a:schemeClr val="bg1"/>
+                </a:solidFill>
+                <a:latin typeface="Arial" panose="020B0604020202020204" pitchFamily="34" charset="0"/>
+                <a:cs typeface="Arial" panose="020B0604020202020204" pitchFamily="34" charset="0"/>
+              </a:rPr>
+              <a:t>Void swap( int &amp;a, int &amp;b) {</a:t>
+            </a:r>
+          </a:p>
+          <a:p>
+            <a:pPr marL="0" indent="0">
+              <a:lnSpc>
+                <a:spcPct val="100000"/>
+              </a:lnSpc>
+              <a:spcBef>
+                <a:spcPts val="0"/>
+              </a:spcBef>
+              <a:spcAft>
+                <a:spcPts val="0"/>
+              </a:spcAft>
+              <a:buNone/>
+            </a:pPr>
+            <a:r>
+              <a:rPr lang="en-US">
+                <a:solidFill>
+                  <a:schemeClr val="bg1"/>
+                </a:solidFill>
+                <a:latin typeface="Arial" panose="020B0604020202020204" pitchFamily="34" charset="0"/>
+                <a:cs typeface="Arial" panose="020B0604020202020204" pitchFamily="34" charset="0"/>
+              </a:rPr>
+              <a:t>	</a:t>
+            </a:r>
+            <a:r>
+              <a:rPr lang="en-US" smtClean="0">
+                <a:solidFill>
+                  <a:schemeClr val="bg1"/>
+                </a:solidFill>
+                <a:latin typeface="Arial" panose="020B0604020202020204" pitchFamily="34" charset="0"/>
+                <a:cs typeface="Arial" panose="020B0604020202020204" pitchFamily="34" charset="0"/>
+              </a:rPr>
+              <a:t>int temp;</a:t>
+            </a:r>
+          </a:p>
+          <a:p>
+            <a:pPr marL="0" indent="0">
+              <a:lnSpc>
+                <a:spcPct val="100000"/>
+              </a:lnSpc>
+              <a:spcBef>
+                <a:spcPts val="0"/>
+              </a:spcBef>
+              <a:spcAft>
+                <a:spcPts val="0"/>
+              </a:spcAft>
+              <a:buNone/>
+            </a:pPr>
+            <a:r>
+              <a:rPr lang="en-US">
+                <a:solidFill>
+                  <a:schemeClr val="bg1"/>
+                </a:solidFill>
+                <a:latin typeface="Arial" panose="020B0604020202020204" pitchFamily="34" charset="0"/>
+                <a:cs typeface="Arial" panose="020B0604020202020204" pitchFamily="34" charset="0"/>
+              </a:rPr>
+              <a:t>	</a:t>
+            </a:r>
+            <a:r>
+              <a:rPr lang="en-US" smtClean="0">
+                <a:solidFill>
+                  <a:schemeClr val="bg1"/>
+                </a:solidFill>
+                <a:latin typeface="Arial" panose="020B0604020202020204" pitchFamily="34" charset="0"/>
+                <a:cs typeface="Arial" panose="020B0604020202020204" pitchFamily="34" charset="0"/>
+              </a:rPr>
+              <a:t>temp = a;</a:t>
+            </a:r>
+          </a:p>
+          <a:p>
+            <a:pPr marL="0" indent="0">
+              <a:lnSpc>
+                <a:spcPct val="100000"/>
+              </a:lnSpc>
+              <a:spcBef>
+                <a:spcPts val="0"/>
+              </a:spcBef>
+              <a:spcAft>
+                <a:spcPts val="0"/>
+              </a:spcAft>
+              <a:buNone/>
+            </a:pPr>
+            <a:r>
+              <a:rPr lang="en-US">
+                <a:solidFill>
+                  <a:schemeClr val="bg1"/>
+                </a:solidFill>
+                <a:latin typeface="Arial" panose="020B0604020202020204" pitchFamily="34" charset="0"/>
+                <a:cs typeface="Arial" panose="020B0604020202020204" pitchFamily="34" charset="0"/>
+              </a:rPr>
+              <a:t>	</a:t>
+            </a:r>
+            <a:r>
+              <a:rPr lang="en-US" smtClean="0">
+                <a:solidFill>
+                  <a:schemeClr val="bg1"/>
+                </a:solidFill>
+                <a:latin typeface="Arial" panose="020B0604020202020204" pitchFamily="34" charset="0"/>
+                <a:cs typeface="Arial" panose="020B0604020202020204" pitchFamily="34" charset="0"/>
+              </a:rPr>
+              <a:t>a = b;</a:t>
+            </a:r>
+          </a:p>
+          <a:p>
+            <a:pPr marL="0" indent="0">
+              <a:lnSpc>
+                <a:spcPct val="100000"/>
+              </a:lnSpc>
+              <a:spcBef>
+                <a:spcPts val="0"/>
+              </a:spcBef>
+              <a:spcAft>
+                <a:spcPts val="0"/>
+              </a:spcAft>
+              <a:buNone/>
+            </a:pPr>
+            <a:r>
+              <a:rPr lang="en-US">
+                <a:solidFill>
+                  <a:schemeClr val="bg1"/>
+                </a:solidFill>
+                <a:latin typeface="Arial" panose="020B0604020202020204" pitchFamily="34" charset="0"/>
+                <a:cs typeface="Arial" panose="020B0604020202020204" pitchFamily="34" charset="0"/>
+              </a:rPr>
+              <a:t>	</a:t>
+            </a:r>
+            <a:r>
+              <a:rPr lang="en-US" smtClean="0">
+                <a:solidFill>
+                  <a:schemeClr val="bg1"/>
+                </a:solidFill>
+                <a:latin typeface="Arial" panose="020B0604020202020204" pitchFamily="34" charset="0"/>
+                <a:cs typeface="Arial" panose="020B0604020202020204" pitchFamily="34" charset="0"/>
+              </a:rPr>
+              <a:t>b = temp;</a:t>
+            </a:r>
+          </a:p>
+          <a:p>
+            <a:pPr marL="0" indent="0">
+              <a:lnSpc>
+                <a:spcPct val="100000"/>
+              </a:lnSpc>
+              <a:spcBef>
+                <a:spcPts val="0"/>
+              </a:spcBef>
+              <a:spcAft>
+                <a:spcPts val="0"/>
+              </a:spcAft>
+              <a:buNone/>
+            </a:pPr>
+            <a:r>
+              <a:rPr lang="en-US">
+                <a:solidFill>
+                  <a:schemeClr val="bg1"/>
+                </a:solidFill>
+                <a:latin typeface="Arial" panose="020B0604020202020204" pitchFamily="34" charset="0"/>
+                <a:cs typeface="Arial" panose="020B0604020202020204" pitchFamily="34" charset="0"/>
+              </a:rPr>
+              <a:t>}</a:t>
+            </a:r>
+            <a:endParaRPr lang="en-US" smtClean="0">
+              <a:solidFill>
+                <a:schemeClr val="bg1"/>
+              </a:solidFill>
+              <a:latin typeface="Arial" panose="020B0604020202020204" pitchFamily="34" charset="0"/>
+              <a:cs typeface="Arial" panose="020B0604020202020204" pitchFamily="34" charset="0"/>
+            </a:endParaRPr>
+          </a:p>
+        </p:txBody>
+      </p:sp>
+    </p:spTree>
+    <p:extLst>
+      <p:ext uri="{BB962C8B-B14F-4D97-AF65-F5344CB8AC3E}">
+        <p14:creationId xmlns:p14="http://schemas.microsoft.com/office/powerpoint/2010/main" val="1926600743"/>
+      </p:ext>
+    </p:extLst>
+  </p:cSld>
+  <p:clrMapOvr>
+    <a:masterClrMapping/>
+  </p:clrMapOvr>
+  <p:timing>
+    <p:tnLst>
+      <p:par>
+        <p:cTn id="1" dur="indefinite" restart="never" nodeType="tmRoot"/>
+      </p:par>
+    </p:tnLst>
+  </p:timing>
+</p:sld>
+</file>
+
+<file path=ppt/slides/slide6.xml><?xml version="1.0" encoding="utf-8"?>
+<p:sld xmlns:a="http://schemas.openxmlformats.org/drawingml/2006/main" xmlns:r="http://schemas.openxmlformats.org/officeDocument/2006/relationships" xmlns:p="http://schemas.openxmlformats.org/presentationml/2006/main">
+  <p:cSld>
+    <p:spTree>
+      <p:nvGrpSpPr>
+        <p:cNvPr id="1" name=""/>
+        <p:cNvGrpSpPr/>
+        <p:nvPr/>
+      </p:nvGrpSpPr>
+      <p:grpSpPr>
+        <a:xfrm>
+          <a:off x="0" y="0"/>
+          <a:ext cx="0" cy="0"/>
+          <a:chOff x="0" y="0"/>
+          <a:chExt cx="0" cy="0"/>
+        </a:xfrm>
+      </p:grpSpPr>
+      <p:sp>
+        <p:nvSpPr>
+          <p:cNvPr id="2" name="Title 1"/>
+          <p:cNvSpPr>
+            <a:spLocks noGrp="1"/>
+          </p:cNvSpPr>
+          <p:nvPr>
+            <p:ph type="title"/>
+          </p:nvPr>
+        </p:nvSpPr>
+        <p:spPr/>
+        <p:txBody>
+          <a:bodyPr/>
+          <a:lstStyle/>
+          <a:p>
+            <a:r>
+              <a:rPr lang="en-US" smtClean="0">
+                <a:latin typeface="Arial" panose="020B0604020202020204" pitchFamily="34" charset="0"/>
+                <a:cs typeface="Arial" panose="020B0604020202020204" pitchFamily="34" charset="0"/>
+              </a:rPr>
+              <a:t>Data types in C</a:t>
+            </a:r>
+            <a:endParaRPr lang="en-US">
+              <a:latin typeface="Arial" panose="020B0604020202020204" pitchFamily="34" charset="0"/>
+              <a:cs typeface="Arial" panose="020B0604020202020204" pitchFamily="34" charset="0"/>
+            </a:endParaRPr>
+          </a:p>
+        </p:txBody>
+      </p:sp>
+      <p:pic>
+        <p:nvPicPr>
+          <p:cNvPr id="2050" name="Picture 2" descr="Primary data types in c"/>
+          <p:cNvPicPr>
+            <a:picLocks noGrp="1" noChangeAspect="1" noChangeArrowheads="1"/>
+          </p:cNvPicPr>
+          <p:nvPr>
+            <p:ph idx="1"/>
+          </p:nvPr>
+        </p:nvPicPr>
+        <p:blipFill>
+          <a:blip r:embed="rId3">
+            <a:extLst>
+              <a:ext uri="{28A0092B-C50C-407E-A947-70E740481C1C}">
+                <a14:useLocalDpi xmlns:a14="http://schemas.microsoft.com/office/drawing/2010/main" val="0"/>
+              </a:ext>
+            </a:extLst>
+          </a:blip>
+          <a:srcRect/>
+          <a:stretch>
+            <a:fillRect/>
+          </a:stretch>
+        </p:blipFill>
+        <p:spPr bwMode="auto">
+          <a:xfrm>
+            <a:off x="853107" y="2097735"/>
+            <a:ext cx="7808323" cy="4554855"/>
+          </a:xfrm>
+          <a:prstGeom prst="rect">
+            <a:avLst/>
+          </a:prstGeom>
+          <a:noFill/>
+          <a:extLst>
+            <a:ext uri="{909E8E84-426E-40DD-AFC4-6F175D3DCCD1}">
+              <a14:hiddenFill xmlns:a14="http://schemas.microsoft.com/office/drawing/2010/main">
+                <a:solidFill>
+                  <a:srgbClr val="FFFFFF"/>
+                </a:solidFill>
+              </a14:hiddenFill>
+            </a:ext>
+          </a:extLst>
+        </p:spPr>
+      </p:pic>
+    </p:spTree>
+    <p:extLst>
+      <p:ext uri="{BB962C8B-B14F-4D97-AF65-F5344CB8AC3E}">
+        <p14:creationId xmlns:p14="http://schemas.microsoft.com/office/powerpoint/2010/main" val="627075274"/>
+      </p:ext>
+    </p:extLst>
+  </p:cSld>
+  <p:clrMapOvr>
+    <a:masterClrMapping/>
+  </p:clrMapOvr>
+</p:sld>
+</file>
+
+<file path=ppt/slides/slide7.xml><?xml version="1.0" encoding="utf-8"?>
+<p:sld xmlns:a="http://schemas.openxmlformats.org/drawingml/2006/main" xmlns:r="http://schemas.openxmlformats.org/officeDocument/2006/relationships" xmlns:p="http://schemas.openxmlformats.org/presentationml/2006/main">
+  <p:cSld>
+    <p:spTree>
+      <p:nvGrpSpPr>
+        <p:cNvPr id="1" name=""/>
+        <p:cNvGrpSpPr/>
+        <p:nvPr/>
+      </p:nvGrpSpPr>
+      <p:grpSpPr>
+        <a:xfrm>
+          <a:off x="0" y="0"/>
+          <a:ext cx="0" cy="0"/>
+          <a:chOff x="0" y="0"/>
+          <a:chExt cx="0" cy="0"/>
+        </a:xfrm>
+      </p:grpSpPr>
+      <p:sp>
+        <p:nvSpPr>
+          <p:cNvPr id="2" name="Title 1"/>
+          <p:cNvSpPr>
+            <a:spLocks noGrp="1"/>
+          </p:cNvSpPr>
+          <p:nvPr>
+            <p:ph type="title"/>
+          </p:nvPr>
+        </p:nvSpPr>
+        <p:spPr/>
+        <p:txBody>
+          <a:bodyPr/>
+          <a:lstStyle/>
+          <a:p>
+            <a:r>
+              <a:rPr lang="en-US" smtClean="0">
+                <a:latin typeface="Arial" panose="020B0604020202020204" pitchFamily="34" charset="0"/>
+                <a:cs typeface="Arial" panose="020B0604020202020204" pitchFamily="34" charset="0"/>
+              </a:rPr>
+              <a:t>Data types in C</a:t>
+            </a:r>
+            <a:endParaRPr lang="en-US">
+              <a:latin typeface="Arial" panose="020B0604020202020204" pitchFamily="34" charset="0"/>
+              <a:cs typeface="Arial" panose="020B0604020202020204" pitchFamily="34" charset="0"/>
+            </a:endParaRPr>
+          </a:p>
+        </p:txBody>
+      </p:sp>
+      <p:sp>
+        <p:nvSpPr>
+          <p:cNvPr id="3" name="Content Placeholder 2"/>
+          <p:cNvSpPr>
+            <a:spLocks noGrp="1"/>
+          </p:cNvSpPr>
+          <p:nvPr>
+            <p:ph idx="1"/>
+          </p:nvPr>
+        </p:nvSpPr>
+        <p:spPr/>
+        <p:txBody>
+          <a:bodyPr/>
+          <a:lstStyle/>
+          <a:p>
+            <a:r>
+              <a:rPr lang="en-US" b="1">
+                <a:latin typeface="Arial" panose="020B0604020202020204" pitchFamily="34" charset="0"/>
+                <a:cs typeface="Arial" panose="020B0604020202020204" pitchFamily="34" charset="0"/>
+              </a:rPr>
+              <a:t>Size and range of </a:t>
+            </a:r>
+            <a:r>
+              <a:rPr lang="en-US" b="1" smtClean="0">
+                <a:latin typeface="Arial" panose="020B0604020202020204" pitchFamily="34" charset="0"/>
+                <a:cs typeface="Arial" panose="020B0604020202020204" pitchFamily="34" charset="0"/>
+              </a:rPr>
+              <a:t>Integer </a:t>
+            </a:r>
+            <a:r>
+              <a:rPr lang="en-US" b="1">
+                <a:latin typeface="Arial" panose="020B0604020202020204" pitchFamily="34" charset="0"/>
+                <a:cs typeface="Arial" panose="020B0604020202020204" pitchFamily="34" charset="0"/>
+              </a:rPr>
+              <a:t>type on 16-bit </a:t>
+            </a:r>
+            <a:r>
+              <a:rPr lang="en-US" b="1" smtClean="0">
+                <a:latin typeface="Arial" panose="020B0604020202020204" pitchFamily="34" charset="0"/>
+                <a:cs typeface="Arial" panose="020B0604020202020204" pitchFamily="34" charset="0"/>
+              </a:rPr>
+              <a:t>machine</a:t>
+            </a:r>
+          </a:p>
+          <a:p>
+            <a:endParaRPr lang="en-US">
+              <a:latin typeface="Arial" panose="020B0604020202020204" pitchFamily="34" charset="0"/>
+              <a:cs typeface="Arial" panose="020B0604020202020204" pitchFamily="34" charset="0"/>
+            </a:endParaRPr>
+          </a:p>
+        </p:txBody>
+      </p:sp>
+      <p:graphicFrame>
+        <p:nvGraphicFramePr>
+          <p:cNvPr id="6" name="Table 5"/>
+          <p:cNvGraphicFramePr>
+            <a:graphicFrameLocks noGrp="1"/>
+          </p:cNvGraphicFramePr>
+          <p:nvPr>
+            <p:extLst>
+              <p:ext uri="{D42A27DB-BD31-4B8C-83A1-F6EECF244321}">
+                <p14:modId xmlns:p14="http://schemas.microsoft.com/office/powerpoint/2010/main" val="1357232490"/>
+              </p:ext>
+            </p:extLst>
+          </p:nvPr>
+        </p:nvGraphicFramePr>
+        <p:xfrm>
+          <a:off x="685020" y="2560318"/>
+          <a:ext cx="8034909" cy="3880238"/>
+        </p:xfrm>
+        <a:graphic>
+          <a:graphicData uri="http://schemas.openxmlformats.org/drawingml/2006/table">
+            <a:tbl>
+              <a:tblPr/>
+              <a:tblGrid>
+                <a:gridCol w="2678303"/>
+                <a:gridCol w="2678303"/>
+                <a:gridCol w="2678303"/>
+              </a:tblGrid>
+              <a:tr h="532582">
+                <a:tc>
+                  <a:txBody>
+                    <a:bodyPr/>
+                    <a:lstStyle/>
+                    <a:p>
+                      <a:pPr algn="l" fontAlgn="t"/>
+                      <a:r>
+                        <a:rPr lang="en-US" b="1">
+                          <a:solidFill>
+                            <a:schemeClr val="bg1"/>
+                          </a:solidFill>
+                          <a:effectLst/>
+                          <a:latin typeface="Arial" panose="020B0604020202020204" pitchFamily="34" charset="0"/>
+                          <a:cs typeface="Arial" panose="020B0604020202020204" pitchFamily="34" charset="0"/>
+                        </a:rPr>
+                        <a:t>Type</a:t>
+                      </a:r>
+                    </a:p>
+                  </a:txBody>
+                  <a:tcPr marL="76200" marR="76200" marT="76200" marB="76200">
+                    <a:lnL w="9525" cap="flat" cmpd="sng" algn="ctr">
+                      <a:solidFill>
+                        <a:srgbClr val="DDDDDD"/>
+                      </a:solidFill>
+                      <a:prstDash val="solid"/>
+                      <a:round/>
+                      <a:headEnd type="none" w="med" len="med"/>
+                      <a:tailEnd type="none" w="med" len="med"/>
+                    </a:lnL>
+                    <a:lnR w="9525" cap="flat" cmpd="sng" algn="ctr">
+                      <a:solidFill>
+                        <a:srgbClr val="DDDDDD"/>
+                      </a:solidFill>
+                      <a:prstDash val="solid"/>
+                      <a:round/>
+                      <a:headEnd type="none" w="med" len="med"/>
+                      <a:tailEnd type="none" w="med" len="med"/>
+                    </a:lnR>
+                    <a:lnT w="9525" cap="flat" cmpd="sng" algn="ctr">
+                      <a:solidFill>
+                        <a:srgbClr val="DDDDDD"/>
+                      </a:solidFill>
+                      <a:prstDash val="solid"/>
+                      <a:round/>
+                      <a:headEnd type="none" w="med" len="med"/>
+                      <a:tailEnd type="none" w="med" len="med"/>
+                    </a:lnT>
+                    <a:lnB w="9525" cap="flat" cmpd="sng" algn="ctr">
+                      <a:solidFill>
+                        <a:srgbClr val="DDDDDD"/>
+                      </a:solidFill>
+                      <a:prstDash val="solid"/>
+                      <a:round/>
+                      <a:headEnd type="none" w="med" len="med"/>
+                      <a:tailEnd type="none" w="med" len="med"/>
+                    </a:lnB>
+                    <a:solidFill>
+                      <a:srgbClr val="F9F9F9"/>
+                    </a:solidFill>
+                  </a:tcPr>
+                </a:tc>
+                <a:tc>
+                  <a:txBody>
+                    <a:bodyPr/>
+                    <a:lstStyle/>
+                    <a:p>
+                      <a:pPr algn="l" fontAlgn="t"/>
+                      <a:r>
+                        <a:rPr lang="en-US" b="1">
+                          <a:solidFill>
+                            <a:schemeClr val="bg1"/>
+                          </a:solidFill>
+                          <a:effectLst/>
+                          <a:latin typeface="Arial" panose="020B0604020202020204" pitchFamily="34" charset="0"/>
+                          <a:cs typeface="Arial" panose="020B0604020202020204" pitchFamily="34" charset="0"/>
+                        </a:rPr>
+                        <a:t>Size(bytes)</a:t>
+                      </a:r>
+                    </a:p>
+                  </a:txBody>
+                  <a:tcPr marL="76200" marR="76200" marT="76200" marB="76200">
+                    <a:lnL w="9525" cap="flat" cmpd="sng" algn="ctr">
+                      <a:solidFill>
+                        <a:srgbClr val="DDDDDD"/>
+                      </a:solidFill>
+                      <a:prstDash val="solid"/>
+                      <a:round/>
+                      <a:headEnd type="none" w="med" len="med"/>
+                      <a:tailEnd type="none" w="med" len="med"/>
+                    </a:lnL>
+                    <a:lnR w="9525" cap="flat" cmpd="sng" algn="ctr">
+                      <a:solidFill>
+                        <a:srgbClr val="DDDDDD"/>
+                      </a:solidFill>
+                      <a:prstDash val="solid"/>
+                      <a:round/>
+                      <a:headEnd type="none" w="med" len="med"/>
+                      <a:tailEnd type="none" w="med" len="med"/>
+                    </a:lnR>
+                    <a:lnT w="9525" cap="flat" cmpd="sng" algn="ctr">
+                      <a:solidFill>
+                        <a:srgbClr val="DDDDDD"/>
+                      </a:solidFill>
+                      <a:prstDash val="solid"/>
+                      <a:round/>
+                      <a:headEnd type="none" w="med" len="med"/>
+                      <a:tailEnd type="none" w="med" len="med"/>
+                    </a:lnT>
+                    <a:lnB w="9525" cap="flat" cmpd="sng" algn="ctr">
+                      <a:solidFill>
+                        <a:srgbClr val="DDDDDD"/>
+                      </a:solidFill>
+                      <a:prstDash val="solid"/>
+                      <a:round/>
+                      <a:headEnd type="none" w="med" len="med"/>
+                      <a:tailEnd type="none" w="med" len="med"/>
+                    </a:lnB>
+                    <a:solidFill>
+                      <a:srgbClr val="F9F9F9"/>
+                    </a:solidFill>
+                  </a:tcPr>
+                </a:tc>
+                <a:tc>
+                  <a:txBody>
+                    <a:bodyPr/>
+                    <a:lstStyle/>
+                    <a:p>
+                      <a:pPr algn="l" fontAlgn="t"/>
+                      <a:r>
+                        <a:rPr lang="en-US" b="1">
+                          <a:solidFill>
+                            <a:schemeClr val="bg1"/>
+                          </a:solidFill>
+                          <a:effectLst/>
+                          <a:latin typeface="Arial" panose="020B0604020202020204" pitchFamily="34" charset="0"/>
+                          <a:cs typeface="Arial" panose="020B0604020202020204" pitchFamily="34" charset="0"/>
+                        </a:rPr>
+                        <a:t>Range</a:t>
+                      </a:r>
+                    </a:p>
+                  </a:txBody>
+                  <a:tcPr marL="76200" marR="76200" marT="76200" marB="76200">
+                    <a:lnL w="9525" cap="flat" cmpd="sng" algn="ctr">
+                      <a:solidFill>
+                        <a:srgbClr val="DDDDDD"/>
+                      </a:solidFill>
+                      <a:prstDash val="solid"/>
+                      <a:round/>
+                      <a:headEnd type="none" w="med" len="med"/>
+                      <a:tailEnd type="none" w="med" len="med"/>
+                    </a:lnL>
+                    <a:lnR w="9525" cap="flat" cmpd="sng" algn="ctr">
+                      <a:solidFill>
+                        <a:srgbClr val="DDDDDD"/>
+                      </a:solidFill>
+                      <a:prstDash val="solid"/>
+                      <a:round/>
+                      <a:headEnd type="none" w="med" len="med"/>
+                      <a:tailEnd type="none" w="med" len="med"/>
+                    </a:lnR>
+                    <a:lnT w="9525" cap="flat" cmpd="sng" algn="ctr">
+                      <a:solidFill>
+                        <a:srgbClr val="DDDDDD"/>
+                      </a:solidFill>
+                      <a:prstDash val="solid"/>
+                      <a:round/>
+                      <a:headEnd type="none" w="med" len="med"/>
+                      <a:tailEnd type="none" w="med" len="med"/>
+                    </a:lnT>
+                    <a:lnB w="9525" cap="flat" cmpd="sng" algn="ctr">
+                      <a:solidFill>
+                        <a:srgbClr val="DDDDDD"/>
+                      </a:solidFill>
+                      <a:prstDash val="solid"/>
+                      <a:round/>
+                      <a:headEnd type="none" w="med" len="med"/>
+                      <a:tailEnd type="none" w="med" len="med"/>
+                    </a:lnB>
+                    <a:solidFill>
+                      <a:srgbClr val="F9F9F9"/>
+                    </a:solidFill>
+                  </a:tcPr>
+                </a:tc>
+              </a:tr>
+              <a:tr h="532582">
+                <a:tc>
+                  <a:txBody>
+                    <a:bodyPr/>
+                    <a:lstStyle/>
+                    <a:p>
+                      <a:pPr algn="l" fontAlgn="t"/>
+                      <a:r>
+                        <a:rPr lang="en-US">
+                          <a:solidFill>
+                            <a:schemeClr val="bg1"/>
+                          </a:solidFill>
+                          <a:effectLst/>
+                          <a:latin typeface="Arial" panose="020B0604020202020204" pitchFamily="34" charset="0"/>
+                          <a:cs typeface="Arial" panose="020B0604020202020204" pitchFamily="34" charset="0"/>
+                        </a:rPr>
+                        <a:t>int or signed int</a:t>
+                      </a:r>
+                    </a:p>
+                  </a:txBody>
+                  <a:tcPr marL="76200" marR="76200" marT="76200" marB="76200">
+                    <a:lnL w="9525" cap="flat" cmpd="sng" algn="ctr">
+                      <a:solidFill>
+                        <a:srgbClr val="DDDDDD"/>
+                      </a:solidFill>
+                      <a:prstDash val="solid"/>
+                      <a:round/>
+                      <a:headEnd type="none" w="med" len="med"/>
+                      <a:tailEnd type="none" w="med" len="med"/>
+                    </a:lnL>
+                    <a:lnR w="9525" cap="flat" cmpd="sng" algn="ctr">
+                      <a:solidFill>
+                        <a:srgbClr val="DDDDDD"/>
+                      </a:solidFill>
+                      <a:prstDash val="solid"/>
+                      <a:round/>
+                      <a:headEnd type="none" w="med" len="med"/>
+                      <a:tailEnd type="none" w="med" len="med"/>
+                    </a:lnR>
+                    <a:lnT w="9525" cap="flat" cmpd="sng" algn="ctr">
+                      <a:solidFill>
+                        <a:srgbClr val="DDDDDD"/>
+                      </a:solidFill>
+                      <a:prstDash val="solid"/>
+                      <a:round/>
+                      <a:headEnd type="none" w="med" len="med"/>
+                      <a:tailEnd type="none" w="med" len="med"/>
+                    </a:lnT>
+                    <a:lnB w="9525" cap="flat" cmpd="sng" algn="ctr">
+                      <a:solidFill>
+                        <a:srgbClr val="DDDDDD"/>
+                      </a:solidFill>
+                      <a:prstDash val="solid"/>
+                      <a:round/>
+                      <a:headEnd type="none" w="med" len="med"/>
+                      <a:tailEnd type="none" w="med" len="med"/>
+                    </a:lnB>
+                    <a:solidFill>
+                      <a:srgbClr val="FFFFFF"/>
+                    </a:solidFill>
+                  </a:tcPr>
+                </a:tc>
+                <a:tc>
+                  <a:txBody>
+                    <a:bodyPr/>
+                    <a:lstStyle/>
+                    <a:p>
+                      <a:pPr algn="l" fontAlgn="t"/>
+                      <a:r>
+                        <a:rPr lang="en-US">
+                          <a:solidFill>
+                            <a:schemeClr val="bg1"/>
+                          </a:solidFill>
+                          <a:effectLst/>
+                          <a:latin typeface="Arial" panose="020B0604020202020204" pitchFamily="34" charset="0"/>
+                          <a:cs typeface="Arial" panose="020B0604020202020204" pitchFamily="34" charset="0"/>
+                        </a:rPr>
+                        <a:t>2</a:t>
+                      </a:r>
+                    </a:p>
+                  </a:txBody>
+                  <a:tcPr marL="76200" marR="76200" marT="76200" marB="76200">
+                    <a:lnL w="9525" cap="flat" cmpd="sng" algn="ctr">
+                      <a:solidFill>
+                        <a:srgbClr val="DDDDDD"/>
+                      </a:solidFill>
+                      <a:prstDash val="solid"/>
+                      <a:round/>
+                      <a:headEnd type="none" w="med" len="med"/>
+                      <a:tailEnd type="none" w="med" len="med"/>
+                    </a:lnL>
+                    <a:lnR w="9525" cap="flat" cmpd="sng" algn="ctr">
+                      <a:solidFill>
+                        <a:srgbClr val="DDDDDD"/>
+                      </a:solidFill>
+                      <a:prstDash val="solid"/>
+                      <a:round/>
+                      <a:headEnd type="none" w="med" len="med"/>
+                      <a:tailEnd type="none" w="med" len="med"/>
+                    </a:lnR>
+                    <a:lnT w="9525" cap="flat" cmpd="sng" algn="ctr">
+                      <a:solidFill>
+                        <a:srgbClr val="DDDDDD"/>
+                      </a:solidFill>
+                      <a:prstDash val="solid"/>
+                      <a:round/>
+                      <a:headEnd type="none" w="med" len="med"/>
+                      <a:tailEnd type="none" w="med" len="med"/>
+                    </a:lnT>
+                    <a:lnB w="9525" cap="flat" cmpd="sng" algn="ctr">
+                      <a:solidFill>
+                        <a:srgbClr val="DDDDDD"/>
+                      </a:solidFill>
+                      <a:prstDash val="solid"/>
+                      <a:round/>
+                      <a:headEnd type="none" w="med" len="med"/>
+                      <a:tailEnd type="none" w="med" len="med"/>
+                    </a:lnB>
+                    <a:solidFill>
+                      <a:srgbClr val="FFFFFF"/>
+                    </a:solidFill>
+                  </a:tcPr>
+                </a:tc>
+                <a:tc>
+                  <a:txBody>
+                    <a:bodyPr/>
+                    <a:lstStyle/>
+                    <a:p>
+                      <a:pPr algn="l" fontAlgn="t"/>
+                      <a:r>
+                        <a:rPr lang="en-US">
+                          <a:solidFill>
+                            <a:schemeClr val="bg1"/>
+                          </a:solidFill>
+                          <a:effectLst/>
+                          <a:latin typeface="Arial" panose="020B0604020202020204" pitchFamily="34" charset="0"/>
+                          <a:cs typeface="Arial" panose="020B0604020202020204" pitchFamily="34" charset="0"/>
+                        </a:rPr>
+                        <a:t>-32,768 to 32767</a:t>
+                      </a:r>
+                    </a:p>
+                  </a:txBody>
+                  <a:tcPr marL="76200" marR="76200" marT="76200" marB="76200">
+                    <a:lnL w="9525" cap="flat" cmpd="sng" algn="ctr">
+                      <a:solidFill>
+                        <a:srgbClr val="DDDDDD"/>
+                      </a:solidFill>
+                      <a:prstDash val="solid"/>
+                      <a:round/>
+                      <a:headEnd type="none" w="med" len="med"/>
+                      <a:tailEnd type="none" w="med" len="med"/>
+                    </a:lnL>
+                    <a:lnR w="9525" cap="flat" cmpd="sng" algn="ctr">
+                      <a:solidFill>
+                        <a:srgbClr val="DDDDDD"/>
+                      </a:solidFill>
+                      <a:prstDash val="solid"/>
+                      <a:round/>
+                      <a:headEnd type="none" w="med" len="med"/>
+                      <a:tailEnd type="none" w="med" len="med"/>
+                    </a:lnR>
+                    <a:lnT w="9525" cap="flat" cmpd="sng" algn="ctr">
+                      <a:solidFill>
+                        <a:srgbClr val="DDDDDD"/>
+                      </a:solidFill>
+                      <a:prstDash val="solid"/>
+                      <a:round/>
+                      <a:headEnd type="none" w="med" len="med"/>
+                      <a:tailEnd type="none" w="med" len="med"/>
+                    </a:lnT>
+                    <a:lnB w="9525" cap="flat" cmpd="sng" algn="ctr">
+                      <a:solidFill>
+                        <a:srgbClr val="DDDDDD"/>
+                      </a:solidFill>
+                      <a:prstDash val="solid"/>
+                      <a:round/>
+                      <a:headEnd type="none" w="med" len="med"/>
+                      <a:tailEnd type="none" w="med" len="med"/>
+                    </a:lnB>
+                    <a:solidFill>
+                      <a:srgbClr val="FFFFFF"/>
+                    </a:solidFill>
+                  </a:tcPr>
+                </a:tc>
+              </a:tr>
+              <a:tr h="532582">
+                <a:tc>
+                  <a:txBody>
+                    <a:bodyPr/>
+                    <a:lstStyle/>
+                    <a:p>
+                      <a:pPr algn="l" fontAlgn="t"/>
+                      <a:r>
+                        <a:rPr lang="en-US">
+                          <a:solidFill>
+                            <a:schemeClr val="bg1"/>
+                          </a:solidFill>
+                          <a:effectLst/>
+                          <a:latin typeface="Arial" panose="020B0604020202020204" pitchFamily="34" charset="0"/>
+                          <a:cs typeface="Arial" panose="020B0604020202020204" pitchFamily="34" charset="0"/>
+                        </a:rPr>
+                        <a:t>unsigned int</a:t>
+                      </a:r>
+                    </a:p>
+                  </a:txBody>
+                  <a:tcPr marL="76200" marR="76200" marT="76200" marB="76200">
+                    <a:lnL w="9525" cap="flat" cmpd="sng" algn="ctr">
+                      <a:solidFill>
+                        <a:srgbClr val="DDDDDD"/>
+                      </a:solidFill>
+                      <a:prstDash val="solid"/>
+                      <a:round/>
+                      <a:headEnd type="none" w="med" len="med"/>
+                      <a:tailEnd type="none" w="med" len="med"/>
+                    </a:lnL>
+                    <a:lnR w="9525" cap="flat" cmpd="sng" algn="ctr">
+                      <a:solidFill>
+                        <a:srgbClr val="DDDDDD"/>
+                      </a:solidFill>
+                      <a:prstDash val="solid"/>
+                      <a:round/>
+                      <a:headEnd type="none" w="med" len="med"/>
+                      <a:tailEnd type="none" w="med" len="med"/>
+                    </a:lnR>
+                    <a:lnT w="9525" cap="flat" cmpd="sng" algn="ctr">
+                      <a:solidFill>
+                        <a:srgbClr val="DDDDDD"/>
+                      </a:solidFill>
+                      <a:prstDash val="solid"/>
+                      <a:round/>
+                      <a:headEnd type="none" w="med" len="med"/>
+                      <a:tailEnd type="none" w="med" len="med"/>
+                    </a:lnT>
+                    <a:lnB w="9525" cap="flat" cmpd="sng" algn="ctr">
+                      <a:solidFill>
+                        <a:srgbClr val="DDDDDD"/>
+                      </a:solidFill>
+                      <a:prstDash val="solid"/>
+                      <a:round/>
+                      <a:headEnd type="none" w="med" len="med"/>
+                      <a:tailEnd type="none" w="med" len="med"/>
+                    </a:lnB>
+                    <a:solidFill>
+                      <a:srgbClr val="F9F9F9"/>
+                    </a:solidFill>
+                  </a:tcPr>
+                </a:tc>
+                <a:tc>
+                  <a:txBody>
+                    <a:bodyPr/>
+                    <a:lstStyle/>
+                    <a:p>
+                      <a:pPr algn="l" fontAlgn="t"/>
+                      <a:r>
+                        <a:rPr lang="en-US">
+                          <a:solidFill>
+                            <a:schemeClr val="bg1"/>
+                          </a:solidFill>
+                          <a:effectLst/>
+                          <a:latin typeface="Arial" panose="020B0604020202020204" pitchFamily="34" charset="0"/>
+                          <a:cs typeface="Arial" panose="020B0604020202020204" pitchFamily="34" charset="0"/>
+                        </a:rPr>
+                        <a:t>2</a:t>
+                      </a:r>
+                    </a:p>
+                  </a:txBody>
+                  <a:tcPr marL="76200" marR="76200" marT="76200" marB="76200">
+                    <a:lnL w="9525" cap="flat" cmpd="sng" algn="ctr">
+                      <a:solidFill>
+                        <a:srgbClr val="DDDDDD"/>
+                      </a:solidFill>
+                      <a:prstDash val="solid"/>
+                      <a:round/>
+                      <a:headEnd type="none" w="med" len="med"/>
+                      <a:tailEnd type="none" w="med" len="med"/>
+                    </a:lnL>
+                    <a:lnR w="9525" cap="flat" cmpd="sng" algn="ctr">
+                      <a:solidFill>
+                        <a:srgbClr val="DDDDDD"/>
+                      </a:solidFill>
+                      <a:prstDash val="solid"/>
+                      <a:round/>
+                      <a:headEnd type="none" w="med" len="med"/>
+                      <a:tailEnd type="none" w="med" len="med"/>
+                    </a:lnR>
+                    <a:lnT w="9525" cap="flat" cmpd="sng" algn="ctr">
+                      <a:solidFill>
+                        <a:srgbClr val="DDDDDD"/>
+                      </a:solidFill>
+                      <a:prstDash val="solid"/>
+                      <a:round/>
+                      <a:headEnd type="none" w="med" len="med"/>
+                      <a:tailEnd type="none" w="med" len="med"/>
+                    </a:lnT>
+                    <a:lnB w="9525" cap="flat" cmpd="sng" algn="ctr">
+                      <a:solidFill>
+                        <a:srgbClr val="DDDDDD"/>
+                      </a:solidFill>
+                      <a:prstDash val="solid"/>
+                      <a:round/>
+                      <a:headEnd type="none" w="med" len="med"/>
+                      <a:tailEnd type="none" w="med" len="med"/>
+                    </a:lnB>
+                    <a:solidFill>
+                      <a:srgbClr val="F9F9F9"/>
+                    </a:solidFill>
+                  </a:tcPr>
+                </a:tc>
+                <a:tc>
+                  <a:txBody>
+                    <a:bodyPr/>
+                    <a:lstStyle/>
+                    <a:p>
+                      <a:pPr algn="l" fontAlgn="t"/>
+                      <a:r>
+                        <a:rPr lang="en-US">
+                          <a:solidFill>
+                            <a:schemeClr val="bg1"/>
+                          </a:solidFill>
+                          <a:effectLst/>
+                          <a:latin typeface="Arial" panose="020B0604020202020204" pitchFamily="34" charset="0"/>
+                          <a:cs typeface="Arial" panose="020B0604020202020204" pitchFamily="34" charset="0"/>
+                        </a:rPr>
+                        <a:t>0 to 65535</a:t>
+                      </a:r>
+                    </a:p>
+                  </a:txBody>
+                  <a:tcPr marL="76200" marR="76200" marT="76200" marB="76200">
+                    <a:lnL w="9525" cap="flat" cmpd="sng" algn="ctr">
+                      <a:solidFill>
+                        <a:srgbClr val="DDDDDD"/>
+                      </a:solidFill>
+                      <a:prstDash val="solid"/>
+                      <a:round/>
+                      <a:headEnd type="none" w="med" len="med"/>
+                      <a:tailEnd type="none" w="med" len="med"/>
+                    </a:lnL>
+                    <a:lnR w="9525" cap="flat" cmpd="sng" algn="ctr">
+                      <a:solidFill>
+                        <a:srgbClr val="DDDDDD"/>
+                      </a:solidFill>
+                      <a:prstDash val="solid"/>
+                      <a:round/>
+                      <a:headEnd type="none" w="med" len="med"/>
+                      <a:tailEnd type="none" w="med" len="med"/>
+                    </a:lnR>
+                    <a:lnT w="9525" cap="flat" cmpd="sng" algn="ctr">
+                      <a:solidFill>
+                        <a:srgbClr val="DDDDDD"/>
+                      </a:solidFill>
+                      <a:prstDash val="solid"/>
+                      <a:round/>
+                      <a:headEnd type="none" w="med" len="med"/>
+                      <a:tailEnd type="none" w="med" len="med"/>
+                    </a:lnT>
+                    <a:lnB w="9525" cap="flat" cmpd="sng" algn="ctr">
+                      <a:solidFill>
+                        <a:srgbClr val="DDDDDD"/>
+                      </a:solidFill>
+                      <a:prstDash val="solid"/>
+                      <a:round/>
+                      <a:headEnd type="none" w="med" len="med"/>
+                      <a:tailEnd type="none" w="med" len="med"/>
+                    </a:lnB>
+                    <a:solidFill>
+                      <a:srgbClr val="F9F9F9"/>
+                    </a:solidFill>
+                  </a:tcPr>
+                </a:tc>
+              </a:tr>
+              <a:tr h="874955">
+                <a:tc>
+                  <a:txBody>
+                    <a:bodyPr/>
+                    <a:lstStyle/>
+                    <a:p>
+                      <a:pPr algn="l" fontAlgn="t"/>
+                      <a:r>
+                        <a:rPr lang="en-US">
+                          <a:solidFill>
+                            <a:schemeClr val="bg1"/>
+                          </a:solidFill>
+                          <a:effectLst/>
+                          <a:latin typeface="Arial" panose="020B0604020202020204" pitchFamily="34" charset="0"/>
+                          <a:cs typeface="Arial" panose="020B0604020202020204" pitchFamily="34" charset="0"/>
+                        </a:rPr>
+                        <a:t>short int or signed short int</a:t>
+                      </a:r>
+                    </a:p>
+                  </a:txBody>
+                  <a:tcPr marL="76200" marR="76200" marT="76200" marB="76200">
+                    <a:lnL w="9525" cap="flat" cmpd="sng" algn="ctr">
+                      <a:solidFill>
+                        <a:srgbClr val="DDDDDD"/>
+                      </a:solidFill>
+                      <a:prstDash val="solid"/>
+                      <a:round/>
+                      <a:headEnd type="none" w="med" len="med"/>
+                      <a:tailEnd type="none" w="med" len="med"/>
+                    </a:lnL>
+                    <a:lnR w="9525" cap="flat" cmpd="sng" algn="ctr">
+                      <a:solidFill>
+                        <a:srgbClr val="DDDDDD"/>
+                      </a:solidFill>
+                      <a:prstDash val="solid"/>
+                      <a:round/>
+                      <a:headEnd type="none" w="med" len="med"/>
+                      <a:tailEnd type="none" w="med" len="med"/>
+                    </a:lnR>
+                    <a:lnT w="9525" cap="flat" cmpd="sng" algn="ctr">
+                      <a:solidFill>
+                        <a:srgbClr val="DDDDDD"/>
+                      </a:solidFill>
+                      <a:prstDash val="solid"/>
+                      <a:round/>
+                      <a:headEnd type="none" w="med" len="med"/>
+                      <a:tailEnd type="none" w="med" len="med"/>
+                    </a:lnT>
+                    <a:lnB w="9525" cap="flat" cmpd="sng" algn="ctr">
+                      <a:solidFill>
+                        <a:srgbClr val="DDDDDD"/>
+                      </a:solidFill>
+                      <a:prstDash val="solid"/>
+                      <a:round/>
+                      <a:headEnd type="none" w="med" len="med"/>
+                      <a:tailEnd type="none" w="med" len="med"/>
+                    </a:lnB>
+                    <a:solidFill>
+                      <a:srgbClr val="FFFFFF"/>
+                    </a:solidFill>
+                  </a:tcPr>
+                </a:tc>
+                <a:tc>
+                  <a:txBody>
+                    <a:bodyPr/>
+                    <a:lstStyle/>
+                    <a:p>
+                      <a:pPr algn="l" fontAlgn="t"/>
+                      <a:r>
+                        <a:rPr lang="en-US">
+                          <a:solidFill>
+                            <a:schemeClr val="bg1"/>
+                          </a:solidFill>
+                          <a:effectLst/>
+                          <a:latin typeface="Arial" panose="020B0604020202020204" pitchFamily="34" charset="0"/>
+                          <a:cs typeface="Arial" panose="020B0604020202020204" pitchFamily="34" charset="0"/>
+                        </a:rPr>
+                        <a:t>1</a:t>
+                      </a:r>
+                    </a:p>
+                  </a:txBody>
+                  <a:tcPr marL="76200" marR="76200" marT="76200" marB="76200">
+                    <a:lnL w="9525" cap="flat" cmpd="sng" algn="ctr">
+                      <a:solidFill>
+                        <a:srgbClr val="DDDDDD"/>
+                      </a:solidFill>
+                      <a:prstDash val="solid"/>
+                      <a:round/>
+                      <a:headEnd type="none" w="med" len="med"/>
+                      <a:tailEnd type="none" w="med" len="med"/>
+                    </a:lnL>
+                    <a:lnR w="9525" cap="flat" cmpd="sng" algn="ctr">
+                      <a:solidFill>
+                        <a:srgbClr val="DDDDDD"/>
+                      </a:solidFill>
+                      <a:prstDash val="solid"/>
+                      <a:round/>
+                      <a:headEnd type="none" w="med" len="med"/>
+                      <a:tailEnd type="none" w="med" len="med"/>
+                    </a:lnR>
+                    <a:lnT w="9525" cap="flat" cmpd="sng" algn="ctr">
+                      <a:solidFill>
+                        <a:srgbClr val="DDDDDD"/>
+                      </a:solidFill>
+                      <a:prstDash val="solid"/>
+                      <a:round/>
+                      <a:headEnd type="none" w="med" len="med"/>
+                      <a:tailEnd type="none" w="med" len="med"/>
+                    </a:lnT>
+                    <a:lnB w="9525" cap="flat" cmpd="sng" algn="ctr">
+                      <a:solidFill>
+                        <a:srgbClr val="DDDDDD"/>
+                      </a:solidFill>
+                      <a:prstDash val="solid"/>
+                      <a:round/>
+                      <a:headEnd type="none" w="med" len="med"/>
+                      <a:tailEnd type="none" w="med" len="med"/>
+                    </a:lnB>
+                    <a:solidFill>
+                      <a:srgbClr val="FFFFFF"/>
+                    </a:solidFill>
+                  </a:tcPr>
+                </a:tc>
+                <a:tc>
+                  <a:txBody>
+                    <a:bodyPr/>
+                    <a:lstStyle/>
+                    <a:p>
+                      <a:pPr algn="l" fontAlgn="t"/>
+                      <a:r>
+                        <a:rPr lang="en-US">
+                          <a:solidFill>
+                            <a:schemeClr val="bg1"/>
+                          </a:solidFill>
+                          <a:effectLst/>
+                          <a:latin typeface="Arial" panose="020B0604020202020204" pitchFamily="34" charset="0"/>
+                          <a:cs typeface="Arial" panose="020B0604020202020204" pitchFamily="34" charset="0"/>
+                        </a:rPr>
+                        <a:t>-128 to 127</a:t>
+                      </a:r>
+                    </a:p>
+                  </a:txBody>
+                  <a:tcPr marL="76200" marR="76200" marT="76200" marB="76200">
+                    <a:lnL w="9525" cap="flat" cmpd="sng" algn="ctr">
+                      <a:solidFill>
+                        <a:srgbClr val="DDDDDD"/>
+                      </a:solidFill>
+                      <a:prstDash val="solid"/>
+                      <a:round/>
+                      <a:headEnd type="none" w="med" len="med"/>
+                      <a:tailEnd type="none" w="med" len="med"/>
+                    </a:lnL>
+                    <a:lnR w="9525" cap="flat" cmpd="sng" algn="ctr">
+                      <a:solidFill>
+                        <a:srgbClr val="DDDDDD"/>
+                      </a:solidFill>
+                      <a:prstDash val="solid"/>
+                      <a:round/>
+                      <a:headEnd type="none" w="med" len="med"/>
+                      <a:tailEnd type="none" w="med" len="med"/>
+                    </a:lnR>
+                    <a:lnT w="9525" cap="flat" cmpd="sng" algn="ctr">
+                      <a:solidFill>
+                        <a:srgbClr val="DDDDDD"/>
+                      </a:solidFill>
+                      <a:prstDash val="solid"/>
+                      <a:round/>
+                      <a:headEnd type="none" w="med" len="med"/>
+                      <a:tailEnd type="none" w="med" len="med"/>
+                    </a:lnT>
+                    <a:lnB w="9525" cap="flat" cmpd="sng" algn="ctr">
+                      <a:solidFill>
+                        <a:srgbClr val="DDDDDD"/>
+                      </a:solidFill>
+                      <a:prstDash val="solid"/>
+                      <a:round/>
+                      <a:headEnd type="none" w="med" len="med"/>
+                      <a:tailEnd type="none" w="med" len="med"/>
+                    </a:lnB>
+                    <a:solidFill>
+                      <a:srgbClr val="FFFFFF"/>
+                    </a:solidFill>
+                  </a:tcPr>
+                </a:tc>
+              </a:tr>
+              <a:tr h="874955">
+                <a:tc>
+                  <a:txBody>
+                    <a:bodyPr/>
+                    <a:lstStyle/>
+                    <a:p>
+                      <a:pPr algn="l" fontAlgn="t"/>
+                      <a:r>
+                        <a:rPr lang="en-US">
+                          <a:solidFill>
+                            <a:schemeClr val="bg1"/>
+                          </a:solidFill>
+                          <a:effectLst/>
+                          <a:latin typeface="Arial" panose="020B0604020202020204" pitchFamily="34" charset="0"/>
+                          <a:cs typeface="Arial" panose="020B0604020202020204" pitchFamily="34" charset="0"/>
+                        </a:rPr>
+                        <a:t>long int or signed long int</a:t>
+                      </a:r>
+                    </a:p>
+                  </a:txBody>
+                  <a:tcPr marL="76200" marR="76200" marT="76200" marB="76200">
+                    <a:lnL w="9525" cap="flat" cmpd="sng" algn="ctr">
+                      <a:solidFill>
+                        <a:srgbClr val="DDDDDD"/>
+                      </a:solidFill>
+                      <a:prstDash val="solid"/>
+                      <a:round/>
+                      <a:headEnd type="none" w="med" len="med"/>
+                      <a:tailEnd type="none" w="med" len="med"/>
+                    </a:lnL>
+                    <a:lnR w="9525" cap="flat" cmpd="sng" algn="ctr">
+                      <a:solidFill>
+                        <a:srgbClr val="DDDDDD"/>
+                      </a:solidFill>
+                      <a:prstDash val="solid"/>
+                      <a:round/>
+                      <a:headEnd type="none" w="med" len="med"/>
+                      <a:tailEnd type="none" w="med" len="med"/>
+                    </a:lnR>
+                    <a:lnT w="9525" cap="flat" cmpd="sng" algn="ctr">
+                      <a:solidFill>
+                        <a:srgbClr val="DDDDDD"/>
+                      </a:solidFill>
+                      <a:prstDash val="solid"/>
+                      <a:round/>
+                      <a:headEnd type="none" w="med" len="med"/>
+                      <a:tailEnd type="none" w="med" len="med"/>
+                    </a:lnT>
+                    <a:lnB w="9525" cap="flat" cmpd="sng" algn="ctr">
+                      <a:solidFill>
+                        <a:srgbClr val="DDDDDD"/>
+                      </a:solidFill>
+                      <a:prstDash val="solid"/>
+                      <a:round/>
+                      <a:headEnd type="none" w="med" len="med"/>
+                      <a:tailEnd type="none" w="med" len="med"/>
+                    </a:lnB>
+                    <a:solidFill>
+                      <a:srgbClr val="F9F9F9"/>
+                    </a:solidFill>
+                  </a:tcPr>
+                </a:tc>
+                <a:tc>
+                  <a:txBody>
+                    <a:bodyPr/>
+                    <a:lstStyle/>
+                    <a:p>
+                      <a:pPr algn="l" fontAlgn="t"/>
+                      <a:r>
+                        <a:rPr lang="en-US">
+                          <a:solidFill>
+                            <a:schemeClr val="bg1"/>
+                          </a:solidFill>
+                          <a:effectLst/>
+                          <a:latin typeface="Arial" panose="020B0604020202020204" pitchFamily="34" charset="0"/>
+                          <a:cs typeface="Arial" panose="020B0604020202020204" pitchFamily="34" charset="0"/>
+                        </a:rPr>
+                        <a:t>4</a:t>
+                      </a:r>
+                    </a:p>
+                  </a:txBody>
+                  <a:tcPr marL="76200" marR="76200" marT="76200" marB="76200">
+                    <a:lnL w="9525" cap="flat" cmpd="sng" algn="ctr">
+                      <a:solidFill>
+                        <a:srgbClr val="DDDDDD"/>
+                      </a:solidFill>
+                      <a:prstDash val="solid"/>
+                      <a:round/>
+                      <a:headEnd type="none" w="med" len="med"/>
+                      <a:tailEnd type="none" w="med" len="med"/>
+                    </a:lnL>
+                    <a:lnR w="9525" cap="flat" cmpd="sng" algn="ctr">
+                      <a:solidFill>
+                        <a:srgbClr val="DDDDDD"/>
+                      </a:solidFill>
+                      <a:prstDash val="solid"/>
+                      <a:round/>
+                      <a:headEnd type="none" w="med" len="med"/>
+                      <a:tailEnd type="none" w="med" len="med"/>
+                    </a:lnR>
+                    <a:lnT w="9525" cap="flat" cmpd="sng" algn="ctr">
+                      <a:solidFill>
+                        <a:srgbClr val="DDDDDD"/>
+                      </a:solidFill>
+                      <a:prstDash val="solid"/>
+                      <a:round/>
+                      <a:headEnd type="none" w="med" len="med"/>
+                      <a:tailEnd type="none" w="med" len="med"/>
+                    </a:lnT>
+                    <a:lnB w="9525" cap="flat" cmpd="sng" algn="ctr">
+                      <a:solidFill>
+                        <a:srgbClr val="DDDDDD"/>
+                      </a:solidFill>
+                      <a:prstDash val="solid"/>
+                      <a:round/>
+                      <a:headEnd type="none" w="med" len="med"/>
+                      <a:tailEnd type="none" w="med" len="med"/>
+                    </a:lnB>
+                    <a:solidFill>
+                      <a:srgbClr val="F9F9F9"/>
+                    </a:solidFill>
+                  </a:tcPr>
+                </a:tc>
+                <a:tc>
+                  <a:txBody>
+                    <a:bodyPr/>
+                    <a:lstStyle/>
+                    <a:p>
+                      <a:pPr algn="l" fontAlgn="t"/>
+                      <a:r>
+                        <a:rPr lang="en-US">
+                          <a:solidFill>
+                            <a:schemeClr val="bg1"/>
+                          </a:solidFill>
+                          <a:effectLst/>
+                          <a:latin typeface="Arial" panose="020B0604020202020204" pitchFamily="34" charset="0"/>
+                          <a:cs typeface="Arial" panose="020B0604020202020204" pitchFamily="34" charset="0"/>
+                        </a:rPr>
+                        <a:t>-2,147,483,648 to 2,147,483,647</a:t>
+                      </a:r>
+                    </a:p>
+                  </a:txBody>
+                  <a:tcPr marL="76200" marR="76200" marT="76200" marB="76200">
+                    <a:lnL w="9525" cap="flat" cmpd="sng" algn="ctr">
+                      <a:solidFill>
+                        <a:srgbClr val="DDDDDD"/>
+                      </a:solidFill>
+                      <a:prstDash val="solid"/>
+                      <a:round/>
+                      <a:headEnd type="none" w="med" len="med"/>
+                      <a:tailEnd type="none" w="med" len="med"/>
+                    </a:lnL>
+                    <a:lnR w="9525" cap="flat" cmpd="sng" algn="ctr">
+                      <a:solidFill>
+                        <a:srgbClr val="DDDDDD"/>
+                      </a:solidFill>
+                      <a:prstDash val="solid"/>
+                      <a:round/>
+                      <a:headEnd type="none" w="med" len="med"/>
+                      <a:tailEnd type="none" w="med" len="med"/>
+                    </a:lnR>
+                    <a:lnT w="9525" cap="flat" cmpd="sng" algn="ctr">
+                      <a:solidFill>
+                        <a:srgbClr val="DDDDDD"/>
+                      </a:solidFill>
+                      <a:prstDash val="solid"/>
+                      <a:round/>
+                      <a:headEnd type="none" w="med" len="med"/>
+                      <a:tailEnd type="none" w="med" len="med"/>
+                    </a:lnT>
+                    <a:lnB w="9525" cap="flat" cmpd="sng" algn="ctr">
+                      <a:solidFill>
+                        <a:srgbClr val="DDDDDD"/>
+                      </a:solidFill>
+                      <a:prstDash val="solid"/>
+                      <a:round/>
+                      <a:headEnd type="none" w="med" len="med"/>
+                      <a:tailEnd type="none" w="med" len="med"/>
+                    </a:lnB>
+                    <a:solidFill>
+                      <a:srgbClr val="F9F9F9"/>
+                    </a:solidFill>
+                  </a:tcPr>
+                </a:tc>
+              </a:tr>
+              <a:tr h="532582">
+                <a:tc>
+                  <a:txBody>
+                    <a:bodyPr/>
+                    <a:lstStyle/>
+                    <a:p>
+                      <a:pPr algn="l" fontAlgn="t"/>
+                      <a:r>
+                        <a:rPr lang="en-US">
+                          <a:solidFill>
+                            <a:schemeClr val="bg1"/>
+                          </a:solidFill>
+                          <a:effectLst/>
+                          <a:latin typeface="Arial" panose="020B0604020202020204" pitchFamily="34" charset="0"/>
+                          <a:cs typeface="Arial" panose="020B0604020202020204" pitchFamily="34" charset="0"/>
+                        </a:rPr>
+                        <a:t>unsigned long int</a:t>
+                      </a:r>
+                    </a:p>
+                  </a:txBody>
+                  <a:tcPr marL="76200" marR="76200" marT="76200" marB="76200">
+                    <a:lnL w="9525" cap="flat" cmpd="sng" algn="ctr">
+                      <a:solidFill>
+                        <a:srgbClr val="DDDDDD"/>
+                      </a:solidFill>
+                      <a:prstDash val="solid"/>
+                      <a:round/>
+                      <a:headEnd type="none" w="med" len="med"/>
+                      <a:tailEnd type="none" w="med" len="med"/>
+                    </a:lnL>
+                    <a:lnR w="9525" cap="flat" cmpd="sng" algn="ctr">
+                      <a:solidFill>
+                        <a:srgbClr val="DDDDDD"/>
+                      </a:solidFill>
+                      <a:prstDash val="solid"/>
+                      <a:round/>
+                      <a:headEnd type="none" w="med" len="med"/>
+                      <a:tailEnd type="none" w="med" len="med"/>
+                    </a:lnR>
+                    <a:lnT w="9525" cap="flat" cmpd="sng" algn="ctr">
+                      <a:solidFill>
+                        <a:srgbClr val="DDDDDD"/>
+                      </a:solidFill>
+                      <a:prstDash val="solid"/>
+                      <a:round/>
+                      <a:headEnd type="none" w="med" len="med"/>
+                      <a:tailEnd type="none" w="med" len="med"/>
+                    </a:lnT>
+                    <a:lnB w="9525" cap="flat" cmpd="sng" algn="ctr">
+                      <a:solidFill>
+                        <a:srgbClr val="DDDDDD"/>
+                      </a:solidFill>
+                      <a:prstDash val="solid"/>
+                      <a:round/>
+                      <a:headEnd type="none" w="med" len="med"/>
+                      <a:tailEnd type="none" w="med" len="med"/>
+                    </a:lnB>
+                    <a:solidFill>
+                      <a:srgbClr val="FFFFFF"/>
+                    </a:solidFill>
+                  </a:tcPr>
+                </a:tc>
+                <a:tc>
+                  <a:txBody>
+                    <a:bodyPr/>
+                    <a:lstStyle/>
+                    <a:p>
+                      <a:pPr algn="l" fontAlgn="t"/>
+                      <a:r>
+                        <a:rPr lang="en-US">
+                          <a:solidFill>
+                            <a:schemeClr val="bg1"/>
+                          </a:solidFill>
+                          <a:effectLst/>
+                          <a:latin typeface="Arial" panose="020B0604020202020204" pitchFamily="34" charset="0"/>
+                          <a:cs typeface="Arial" panose="020B0604020202020204" pitchFamily="34" charset="0"/>
+                        </a:rPr>
+                        <a:t>4</a:t>
+                      </a:r>
+                    </a:p>
+                  </a:txBody>
+                  <a:tcPr marL="76200" marR="76200" marT="76200" marB="76200">
+                    <a:lnL w="9525" cap="flat" cmpd="sng" algn="ctr">
+                      <a:solidFill>
+                        <a:srgbClr val="DDDDDD"/>
+                      </a:solidFill>
+                      <a:prstDash val="solid"/>
+                      <a:round/>
+                      <a:headEnd type="none" w="med" len="med"/>
+                      <a:tailEnd type="none" w="med" len="med"/>
+                    </a:lnL>
+                    <a:lnR w="9525" cap="flat" cmpd="sng" algn="ctr">
+                      <a:solidFill>
+                        <a:srgbClr val="DDDDDD"/>
+                      </a:solidFill>
+                      <a:prstDash val="solid"/>
+                      <a:round/>
+                      <a:headEnd type="none" w="med" len="med"/>
+                      <a:tailEnd type="none" w="med" len="med"/>
+                    </a:lnR>
+                    <a:lnT w="9525" cap="flat" cmpd="sng" algn="ctr">
+                      <a:solidFill>
+                        <a:srgbClr val="DDDDDD"/>
+                      </a:solidFill>
+                      <a:prstDash val="solid"/>
+                      <a:round/>
+                      <a:headEnd type="none" w="med" len="med"/>
+                      <a:tailEnd type="none" w="med" len="med"/>
+                    </a:lnT>
+                    <a:lnB w="9525" cap="flat" cmpd="sng" algn="ctr">
+                      <a:solidFill>
+                        <a:srgbClr val="DDDDDD"/>
+                      </a:solidFill>
+                      <a:prstDash val="solid"/>
+                      <a:round/>
+                      <a:headEnd type="none" w="med" len="med"/>
+                      <a:tailEnd type="none" w="med" len="med"/>
+                    </a:lnB>
+                    <a:solidFill>
+                      <a:srgbClr val="FFFFFF"/>
+                    </a:solidFill>
+                  </a:tcPr>
+                </a:tc>
+                <a:tc>
+                  <a:txBody>
+                    <a:bodyPr/>
+                    <a:lstStyle/>
+                    <a:p>
+                      <a:pPr algn="l" fontAlgn="t"/>
+                      <a:r>
+                        <a:rPr lang="en-US">
+                          <a:solidFill>
+                            <a:schemeClr val="bg1"/>
+                          </a:solidFill>
+                          <a:effectLst/>
+                          <a:latin typeface="Arial" panose="020B0604020202020204" pitchFamily="34" charset="0"/>
+                          <a:cs typeface="Arial" panose="020B0604020202020204" pitchFamily="34" charset="0"/>
+                        </a:rPr>
+                        <a:t>0 to 4,294,967,295</a:t>
+                      </a:r>
+                    </a:p>
+                  </a:txBody>
+                  <a:tcPr marL="76200" marR="76200" marT="76200" marB="76200">
+                    <a:lnL w="9525" cap="flat" cmpd="sng" algn="ctr">
+                      <a:solidFill>
+                        <a:srgbClr val="DDDDDD"/>
+                      </a:solidFill>
+                      <a:prstDash val="solid"/>
+                      <a:round/>
+                      <a:headEnd type="none" w="med" len="med"/>
+                      <a:tailEnd type="none" w="med" len="med"/>
+                    </a:lnL>
+                    <a:lnR w="9525" cap="flat" cmpd="sng" algn="ctr">
+                      <a:solidFill>
+                        <a:srgbClr val="DDDDDD"/>
+                      </a:solidFill>
+                      <a:prstDash val="solid"/>
+                      <a:round/>
+                      <a:headEnd type="none" w="med" len="med"/>
+                      <a:tailEnd type="none" w="med" len="med"/>
+                    </a:lnR>
+                    <a:lnT w="9525" cap="flat" cmpd="sng" algn="ctr">
+                      <a:solidFill>
+                        <a:srgbClr val="DDDDDD"/>
+                      </a:solidFill>
+                      <a:prstDash val="solid"/>
+                      <a:round/>
+                      <a:headEnd type="none" w="med" len="med"/>
+                      <a:tailEnd type="none" w="med" len="med"/>
+                    </a:lnT>
+                    <a:lnB w="9525" cap="flat" cmpd="sng" algn="ctr">
+                      <a:solidFill>
+                        <a:srgbClr val="DDDDDD"/>
+                      </a:solidFill>
+                      <a:prstDash val="solid"/>
+                      <a:round/>
+                      <a:headEnd type="none" w="med" len="med"/>
+                      <a:tailEnd type="none" w="med" len="med"/>
+                    </a:lnB>
+                    <a:solidFill>
+                      <a:srgbClr val="FFFFFF"/>
+                    </a:solidFill>
+                  </a:tcPr>
+                </a:tc>
+              </a:tr>
+            </a:tbl>
+          </a:graphicData>
+        </a:graphic>
+      </p:graphicFrame>
+      <p:sp>
+        <p:nvSpPr>
+          <p:cNvPr id="7" name="Rectangle 2"/>
+          <p:cNvSpPr>
+            <a:spLocks noChangeArrowheads="1"/>
+          </p:cNvSpPr>
+          <p:nvPr/>
+        </p:nvSpPr>
+        <p:spPr bwMode="auto">
+          <a:xfrm>
+            <a:off x="1247774" y="2260331"/>
+            <a:ext cx="10276889" cy="646331"/>
+          </a:xfrm>
+          <a:prstGeom prst="rect">
+            <a:avLst/>
+          </a:prstGeom>
+          <a:noFill/>
+          <a:ln>
+            <a:noFill/>
+          </a:ln>
+          <a:effectLst/>
+          <a:extLst>
+            <a:ext uri="{909E8E84-426E-40DD-AFC4-6F175D3DCCD1}">
+              <a14:hiddenFill xmlns:a14="http://schemas.microsoft.com/office/drawing/2010/main">
+                <a:solidFill>
+                  <a:schemeClr val="accent1"/>
+                </a:solidFill>
+              </a14:hiddenFill>
+            </a:ext>
+            <a:ext uri="{91240B29-F687-4F45-9708-019B960494DF}">
+              <a14:hiddenLine xmlns:a14="http://schemas.microsoft.com/office/drawing/2010/main" w="9525">
+                <a:solidFill>
+                  <a:schemeClr val="tx1"/>
+                </a:solidFill>
+                <a:miter lim="800000"/>
+                <a:headEnd/>
+                <a:tailEnd/>
+              </a14:hiddenLine>
+            </a:ext>
+            <a:ext uri="{AF507438-7753-43E0-B8FC-AC1667EBCBE1}">
+              <a14:hiddenEffects xmlns:a14="http://schemas.microsoft.com/office/drawing/2010/main">
+                <a:effectLst>
+                  <a:outerShdw dist="35921" dir="2700000" algn="ctr" rotWithShape="0">
+                    <a:schemeClr val="bg2"/>
+                  </a:outerShdw>
+                </a:effectLst>
+              </a14:hiddenEffects>
+            </a:ext>
+          </a:extLst>
+        </p:spPr>
+        <p:txBody>
+          <a:bodyPr vert="horz" wrap="square" lIns="91440" tIns="45720" rIns="91440" bIns="45720" numCol="1" anchor="ctr" anchorCtr="0" compatLnSpc="1">
+            <a:prstTxWarp prst="textNoShape">
+              <a:avLst/>
+            </a:prstTxWarp>
+            <a:spAutoFit/>
+          </a:bodyPr>
+          <a:lstStyle/>
+          <a:p>
+            <a:pPr marL="0" marR="0" lvl="0" indent="0" algn="l" defTabSz="914400" rtl="0" eaLnBrk="0" fontAlgn="base" latinLnBrk="0" hangingPunct="0">
+              <a:lnSpc>
+                <a:spcPct val="100000"/>
+              </a:lnSpc>
+              <a:spcBef>
+                <a:spcPct val="0"/>
+              </a:spcBef>
+              <a:spcAft>
+                <a:spcPct val="0"/>
+              </a:spcAft>
+              <a:buClrTx/>
+              <a:buSzTx/>
+              <a:buFontTx/>
+              <a:buNone/>
+              <a:tabLst/>
+            </a:pPr>
+            <a:r>
+              <a:rPr kumimoji="0" lang="en-US" sz="1800" b="0" i="0" u="none" strike="noStrike" cap="none" normalizeH="0" baseline="0" smtClean="0">
+                <a:ln>
+                  <a:noFill/>
+                </a:ln>
+                <a:solidFill>
+                  <a:schemeClr val="tx1"/>
+                </a:solidFill>
+                <a:effectLst/>
+                <a:latin typeface="Arial" panose="020B0604020202020204" pitchFamily="34" charset="0"/>
+                <a:cs typeface="Arial" panose="020B0604020202020204" pitchFamily="34" charset="0"/>
+              </a:rPr>
+              <a:t/>
+            </a:r>
+            <a:br>
+              <a:rPr kumimoji="0" lang="en-US" sz="1800" b="0" i="0" u="none" strike="noStrike" cap="none" normalizeH="0" baseline="0" smtClean="0">
+                <a:ln>
+                  <a:noFill/>
+                </a:ln>
+                <a:solidFill>
+                  <a:schemeClr val="tx1"/>
+                </a:solidFill>
+                <a:effectLst/>
+                <a:latin typeface="Arial" panose="020B0604020202020204" pitchFamily="34" charset="0"/>
+                <a:cs typeface="Arial" panose="020B0604020202020204" pitchFamily="34" charset="0"/>
+              </a:rPr>
+            </a:br>
+            <a:endParaRPr kumimoji="0" lang="en-US" sz="1800" b="0" i="0" u="none" strike="noStrike" cap="none" normalizeH="0" baseline="0" smtClean="0">
+              <a:ln>
+                <a:noFill/>
+              </a:ln>
+              <a:solidFill>
+                <a:schemeClr val="tx1"/>
+              </a:solidFill>
+              <a:effectLst/>
+              <a:latin typeface="Arial" panose="020B0604020202020204" pitchFamily="34" charset="0"/>
+              <a:cs typeface="Arial" panose="020B0604020202020204" pitchFamily="34" charset="0"/>
+            </a:endParaRPr>
+          </a:p>
+        </p:txBody>
+      </p:sp>
+    </p:spTree>
+    <p:extLst>
+      <p:ext uri="{BB962C8B-B14F-4D97-AF65-F5344CB8AC3E}">
+        <p14:creationId xmlns:p14="http://schemas.microsoft.com/office/powerpoint/2010/main" val="1511924794"/>
+      </p:ext>
+    </p:extLst>
+  </p:cSld>
+  <p:clrMapOvr>
+    <a:masterClrMapping/>
+  </p:clrMapOvr>
+</p:sld>
+</file>
+
+<file path=ppt/slides/slide8.xml><?xml version="1.0" encoding="utf-8"?>
+<p:sld xmlns:a="http://schemas.openxmlformats.org/drawingml/2006/main" xmlns:r="http://schemas.openxmlformats.org/officeDocument/2006/relationships" xmlns:p="http://schemas.openxmlformats.org/presentationml/2006/main">
+  <p:cSld>
+    <p:spTree>
+      <p:nvGrpSpPr>
+        <p:cNvPr id="1" name=""/>
+        <p:cNvGrpSpPr/>
+        <p:nvPr/>
+      </p:nvGrpSpPr>
+      <p:grpSpPr>
+        <a:xfrm>
+          <a:off x="0" y="0"/>
+          <a:ext cx="0" cy="0"/>
+          <a:chOff x="0" y="0"/>
+          <a:chExt cx="0" cy="0"/>
+        </a:xfrm>
+      </p:grpSpPr>
+      <p:sp>
+        <p:nvSpPr>
+          <p:cNvPr id="2" name="Title 1"/>
+          <p:cNvSpPr>
+            <a:spLocks noGrp="1"/>
+          </p:cNvSpPr>
+          <p:nvPr>
+            <p:ph type="title"/>
+          </p:nvPr>
+        </p:nvSpPr>
+        <p:spPr/>
+        <p:txBody>
+          <a:bodyPr/>
+          <a:lstStyle/>
+          <a:p>
+            <a:r>
+              <a:rPr lang="en-US" smtClean="0">
+                <a:latin typeface="Arial" panose="020B0604020202020204" pitchFamily="34" charset="0"/>
+                <a:cs typeface="Arial" panose="020B0604020202020204" pitchFamily="34" charset="0"/>
+              </a:rPr>
+              <a:t>Data types in c</a:t>
+            </a:r>
+            <a:endParaRPr lang="en-US">
+              <a:latin typeface="Arial" panose="020B0604020202020204" pitchFamily="34" charset="0"/>
+              <a:cs typeface="Arial" panose="020B0604020202020204" pitchFamily="34" charset="0"/>
+            </a:endParaRPr>
+          </a:p>
+        </p:txBody>
+      </p:sp>
+      <p:sp>
+        <p:nvSpPr>
+          <p:cNvPr id="3" name="Content Placeholder 2"/>
+          <p:cNvSpPr>
+            <a:spLocks noGrp="1"/>
+          </p:cNvSpPr>
+          <p:nvPr>
+            <p:ph idx="1"/>
+          </p:nvPr>
+        </p:nvSpPr>
+        <p:spPr>
+          <a:xfrm>
+            <a:off x="685019" y="2011679"/>
+            <a:ext cx="7772400" cy="4601155"/>
+          </a:xfrm>
+        </p:spPr>
+        <p:txBody>
+          <a:bodyPr/>
+          <a:lstStyle/>
+          <a:p>
+            <a:r>
+              <a:rPr lang="en-US" b="1">
+                <a:latin typeface="Arial" panose="020B0604020202020204" pitchFamily="34" charset="0"/>
+                <a:cs typeface="Arial" panose="020B0604020202020204" pitchFamily="34" charset="0"/>
+              </a:rPr>
+              <a:t>Size </a:t>
+            </a:r>
+            <a:r>
+              <a:rPr lang="en-US" b="1" smtClean="0">
+                <a:latin typeface="Arial" panose="020B0604020202020204" pitchFamily="34" charset="0"/>
+                <a:cs typeface="Arial" panose="020B0604020202020204" pitchFamily="34" charset="0"/>
+              </a:rPr>
+              <a:t>and </a:t>
+            </a:r>
+            <a:r>
+              <a:rPr lang="en-US" b="1">
+                <a:latin typeface="Arial" panose="020B0604020202020204" pitchFamily="34" charset="0"/>
+                <a:cs typeface="Arial" panose="020B0604020202020204" pitchFamily="34" charset="0"/>
+              </a:rPr>
+              <a:t>range of Integer type on 16-bit </a:t>
+            </a:r>
+            <a:r>
+              <a:rPr lang="en-US" b="1" smtClean="0">
+                <a:latin typeface="Arial" panose="020B0604020202020204" pitchFamily="34" charset="0"/>
+                <a:cs typeface="Arial" panose="020B0604020202020204" pitchFamily="34" charset="0"/>
+              </a:rPr>
+              <a:t>machine</a:t>
+            </a:r>
+          </a:p>
+          <a:p>
+            <a:endParaRPr lang="en-US" b="1">
+              <a:latin typeface="Arial" panose="020B0604020202020204" pitchFamily="34" charset="0"/>
+              <a:cs typeface="Arial" panose="020B0604020202020204" pitchFamily="34" charset="0"/>
+            </a:endParaRPr>
+          </a:p>
+        </p:txBody>
+      </p:sp>
+      <p:graphicFrame>
+        <p:nvGraphicFramePr>
+          <p:cNvPr id="6" name="Table 5"/>
+          <p:cNvGraphicFramePr>
+            <a:graphicFrameLocks noGrp="1"/>
+          </p:cNvGraphicFramePr>
+          <p:nvPr>
+            <p:extLst>
+              <p:ext uri="{D42A27DB-BD31-4B8C-83A1-F6EECF244321}">
+                <p14:modId xmlns:p14="http://schemas.microsoft.com/office/powerpoint/2010/main" val="3115227228"/>
+              </p:ext>
+            </p:extLst>
+          </p:nvPr>
+        </p:nvGraphicFramePr>
+        <p:xfrm>
+          <a:off x="685019" y="2452976"/>
+          <a:ext cx="7772400" cy="1706880"/>
+        </p:xfrm>
+        <a:graphic>
+          <a:graphicData uri="http://schemas.openxmlformats.org/drawingml/2006/table">
+            <a:tbl>
+              <a:tblPr/>
+              <a:tblGrid>
+                <a:gridCol w="2590800"/>
+                <a:gridCol w="2051555"/>
+                <a:gridCol w="3130045"/>
+              </a:tblGrid>
+              <a:tr h="0">
+                <a:tc>
+                  <a:txBody>
+                    <a:bodyPr/>
+                    <a:lstStyle/>
+                    <a:p>
+                      <a:pPr algn="l" fontAlgn="t"/>
+                      <a:r>
+                        <a:rPr lang="en-US" b="1">
+                          <a:solidFill>
+                            <a:schemeClr val="bg1"/>
+                          </a:solidFill>
+                          <a:effectLst/>
+                          <a:latin typeface="Arial" panose="020B0604020202020204" pitchFamily="34" charset="0"/>
+                          <a:cs typeface="Arial" panose="020B0604020202020204" pitchFamily="34" charset="0"/>
+                        </a:rPr>
+                        <a:t>Type</a:t>
+                      </a:r>
+                    </a:p>
+                  </a:txBody>
+                  <a:tcPr marL="76200" marR="76200" marT="76200" marB="76200">
+                    <a:lnL w="9525" cap="flat" cmpd="sng" algn="ctr">
+                      <a:solidFill>
+                        <a:srgbClr val="DDDDDD"/>
+                      </a:solidFill>
+                      <a:prstDash val="solid"/>
+                      <a:round/>
+                      <a:headEnd type="none" w="med" len="med"/>
+                      <a:tailEnd type="none" w="med" len="med"/>
+                    </a:lnL>
+                    <a:lnR w="9525" cap="flat" cmpd="sng" algn="ctr">
+                      <a:solidFill>
+                        <a:srgbClr val="DDDDDD"/>
+                      </a:solidFill>
+                      <a:prstDash val="solid"/>
+                      <a:round/>
+                      <a:headEnd type="none" w="med" len="med"/>
+                      <a:tailEnd type="none" w="med" len="med"/>
+                    </a:lnR>
+                    <a:lnT>
+                      <a:noFill/>
+                    </a:lnT>
+                    <a:lnB w="9525" cap="flat" cmpd="sng" algn="ctr">
+                      <a:solidFill>
+                        <a:srgbClr val="DDDDDD"/>
+                      </a:solidFill>
+                      <a:prstDash val="solid"/>
+                      <a:round/>
+                      <a:headEnd type="none" w="med" len="med"/>
+                      <a:tailEnd type="none" w="med" len="med"/>
+                    </a:lnB>
+                    <a:solidFill>
+                      <a:srgbClr val="F9F9F9"/>
+                    </a:solidFill>
+                  </a:tcPr>
+                </a:tc>
+                <a:tc>
+                  <a:txBody>
+                    <a:bodyPr/>
+                    <a:lstStyle/>
+                    <a:p>
+                      <a:pPr algn="l" fontAlgn="t"/>
+                      <a:r>
+                        <a:rPr lang="en-US" b="1">
+                          <a:solidFill>
+                            <a:schemeClr val="bg1"/>
+                          </a:solidFill>
+                          <a:effectLst/>
+                          <a:latin typeface="Arial" panose="020B0604020202020204" pitchFamily="34" charset="0"/>
+                          <a:cs typeface="Arial" panose="020B0604020202020204" pitchFamily="34" charset="0"/>
+                        </a:rPr>
+                        <a:t>Size(bytes)</a:t>
+                      </a:r>
+                    </a:p>
+                  </a:txBody>
+                  <a:tcPr marL="76200" marR="76200" marT="76200" marB="76200">
+                    <a:lnL w="9525" cap="flat" cmpd="sng" algn="ctr">
+                      <a:solidFill>
+                        <a:srgbClr val="DDDDDD"/>
+                      </a:solidFill>
+                      <a:prstDash val="solid"/>
+                      <a:round/>
+                      <a:headEnd type="none" w="med" len="med"/>
+                      <a:tailEnd type="none" w="med" len="med"/>
+                    </a:lnL>
+                    <a:lnR w="9525" cap="flat" cmpd="sng" algn="ctr">
+                      <a:solidFill>
+                        <a:srgbClr val="DDDDDD"/>
+                      </a:solidFill>
+                      <a:prstDash val="solid"/>
+                      <a:round/>
+                      <a:headEnd type="none" w="med" len="med"/>
+                      <a:tailEnd type="none" w="med" len="med"/>
+                    </a:lnR>
+                    <a:lnT>
+                      <a:noFill/>
+                    </a:lnT>
+                    <a:lnB w="9525" cap="flat" cmpd="sng" algn="ctr">
+                      <a:solidFill>
+                        <a:srgbClr val="DDDDDD"/>
+                      </a:solidFill>
+                      <a:prstDash val="solid"/>
+                      <a:round/>
+                      <a:headEnd type="none" w="med" len="med"/>
+                      <a:tailEnd type="none" w="med" len="med"/>
+                    </a:lnB>
+                    <a:solidFill>
+                      <a:srgbClr val="F9F9F9"/>
+                    </a:solidFill>
+                  </a:tcPr>
+                </a:tc>
+                <a:tc>
+                  <a:txBody>
+                    <a:bodyPr/>
+                    <a:lstStyle/>
+                    <a:p>
+                      <a:pPr algn="l" fontAlgn="t"/>
+                      <a:r>
+                        <a:rPr lang="en-US" b="1">
+                          <a:solidFill>
+                            <a:schemeClr val="bg1"/>
+                          </a:solidFill>
+                          <a:effectLst/>
+                          <a:latin typeface="Arial" panose="020B0604020202020204" pitchFamily="34" charset="0"/>
+                          <a:cs typeface="Arial" panose="020B0604020202020204" pitchFamily="34" charset="0"/>
+                        </a:rPr>
+                        <a:t>Range</a:t>
+                      </a:r>
+                    </a:p>
+                  </a:txBody>
+                  <a:tcPr marL="76200" marR="76200" marT="76200" marB="76200">
+                    <a:lnL w="9525" cap="flat" cmpd="sng" algn="ctr">
+                      <a:solidFill>
+                        <a:srgbClr val="DDDDDD"/>
+                      </a:solidFill>
+                      <a:prstDash val="solid"/>
+                      <a:round/>
+                      <a:headEnd type="none" w="med" len="med"/>
+                      <a:tailEnd type="none" w="med" len="med"/>
+                    </a:lnL>
+                    <a:lnR>
+                      <a:noFill/>
+                    </a:lnR>
+                    <a:lnT>
+                      <a:noFill/>
+                    </a:lnT>
+                    <a:lnB w="9525" cap="flat" cmpd="sng" algn="ctr">
+                      <a:solidFill>
+                        <a:srgbClr val="DDDDDD"/>
+                      </a:solidFill>
+                      <a:prstDash val="solid"/>
+                      <a:round/>
+                      <a:headEnd type="none" w="med" len="med"/>
+                      <a:tailEnd type="none" w="med" len="med"/>
+                    </a:lnB>
+                    <a:solidFill>
+                      <a:srgbClr val="F9F9F9"/>
+                    </a:solidFill>
+                  </a:tcPr>
+                </a:tc>
+              </a:tr>
+              <a:tr h="0">
+                <a:tc>
+                  <a:txBody>
+                    <a:bodyPr/>
+                    <a:lstStyle/>
+                    <a:p>
+                      <a:pPr algn="l" fontAlgn="t"/>
+                      <a:r>
+                        <a:rPr lang="en-US">
+                          <a:solidFill>
+                            <a:schemeClr val="bg1"/>
+                          </a:solidFill>
+                          <a:effectLst/>
+                          <a:latin typeface="Arial" panose="020B0604020202020204" pitchFamily="34" charset="0"/>
+                          <a:cs typeface="Arial" panose="020B0604020202020204" pitchFamily="34" charset="0"/>
+                        </a:rPr>
+                        <a:t>Float</a:t>
+                      </a:r>
+                    </a:p>
+                  </a:txBody>
+                  <a:tcPr marL="76200" marR="76200" marT="76200" marB="76200">
+                    <a:lnL w="9525" cap="flat" cmpd="sng" algn="ctr">
+                      <a:solidFill>
+                        <a:srgbClr val="DDDDDD"/>
+                      </a:solidFill>
+                      <a:prstDash val="solid"/>
+                      <a:round/>
+                      <a:headEnd type="none" w="med" len="med"/>
+                      <a:tailEnd type="none" w="med" len="med"/>
+                    </a:lnL>
+                    <a:lnR w="9525" cap="flat" cmpd="sng" algn="ctr">
+                      <a:solidFill>
+                        <a:srgbClr val="DDDDDD"/>
+                      </a:solidFill>
+                      <a:prstDash val="solid"/>
+                      <a:round/>
+                      <a:headEnd type="none" w="med" len="med"/>
+                      <a:tailEnd type="none" w="med" len="med"/>
+                    </a:lnR>
+                    <a:lnT w="9525" cap="flat" cmpd="sng" algn="ctr">
+                      <a:solidFill>
+                        <a:srgbClr val="DDDDDD"/>
+                      </a:solidFill>
+                      <a:prstDash val="solid"/>
+                      <a:round/>
+                      <a:headEnd type="none" w="med" len="med"/>
+                      <a:tailEnd type="none" w="med" len="med"/>
+                    </a:lnT>
+                    <a:lnB w="9525" cap="flat" cmpd="sng" algn="ctr">
+                      <a:solidFill>
+                        <a:srgbClr val="DDDDDD"/>
+                      </a:solidFill>
+                      <a:prstDash val="solid"/>
+                      <a:round/>
+                      <a:headEnd type="none" w="med" len="med"/>
+                      <a:tailEnd type="none" w="med" len="med"/>
+                    </a:lnB>
+                    <a:solidFill>
+                      <a:srgbClr val="FFFFFF"/>
+                    </a:solidFill>
+                  </a:tcPr>
+                </a:tc>
+                <a:tc>
+                  <a:txBody>
+                    <a:bodyPr/>
+                    <a:lstStyle/>
+                    <a:p>
+                      <a:pPr algn="l" fontAlgn="t"/>
+                      <a:r>
+                        <a:rPr lang="en-US">
+                          <a:solidFill>
+                            <a:schemeClr val="bg1"/>
+                          </a:solidFill>
+                          <a:effectLst/>
+                          <a:latin typeface="Arial" panose="020B0604020202020204" pitchFamily="34" charset="0"/>
+                          <a:cs typeface="Arial" panose="020B0604020202020204" pitchFamily="34" charset="0"/>
+                        </a:rPr>
+                        <a:t>4</a:t>
+                      </a:r>
+                    </a:p>
+                  </a:txBody>
+                  <a:tcPr marL="76200" marR="76200" marT="76200" marB="76200">
+                    <a:lnL w="9525" cap="flat" cmpd="sng" algn="ctr">
+                      <a:solidFill>
+                        <a:srgbClr val="DDDDDD"/>
+                      </a:solidFill>
+                      <a:prstDash val="solid"/>
+                      <a:round/>
+                      <a:headEnd type="none" w="med" len="med"/>
+                      <a:tailEnd type="none" w="med" len="med"/>
+                    </a:lnL>
+                    <a:lnR w="9525" cap="flat" cmpd="sng" algn="ctr">
+                      <a:solidFill>
+                        <a:srgbClr val="DDDDDD"/>
+                      </a:solidFill>
+                      <a:prstDash val="solid"/>
+                      <a:round/>
+                      <a:headEnd type="none" w="med" len="med"/>
+                      <a:tailEnd type="none" w="med" len="med"/>
+                    </a:lnR>
+                    <a:lnT w="9525" cap="flat" cmpd="sng" algn="ctr">
+                      <a:solidFill>
+                        <a:srgbClr val="DDDDDD"/>
+                      </a:solidFill>
+                      <a:prstDash val="solid"/>
+                      <a:round/>
+                      <a:headEnd type="none" w="med" len="med"/>
+                      <a:tailEnd type="none" w="med" len="med"/>
+                    </a:lnT>
+                    <a:lnB w="9525" cap="flat" cmpd="sng" algn="ctr">
+                      <a:solidFill>
+                        <a:srgbClr val="DDDDDD"/>
+                      </a:solidFill>
+                      <a:prstDash val="solid"/>
+                      <a:round/>
+                      <a:headEnd type="none" w="med" len="med"/>
+                      <a:tailEnd type="none" w="med" len="med"/>
+                    </a:lnB>
+                    <a:solidFill>
+                      <a:srgbClr val="FFFFFF"/>
+                    </a:solidFill>
+                  </a:tcPr>
+                </a:tc>
+                <a:tc>
+                  <a:txBody>
+                    <a:bodyPr/>
+                    <a:lstStyle/>
+                    <a:p>
+                      <a:pPr algn="l" fontAlgn="t"/>
+                      <a:r>
+                        <a:rPr lang="en-US">
+                          <a:solidFill>
+                            <a:schemeClr val="bg1"/>
+                          </a:solidFill>
+                          <a:effectLst/>
+                          <a:latin typeface="Arial" panose="020B0604020202020204" pitchFamily="34" charset="0"/>
+                          <a:cs typeface="Arial" panose="020B0604020202020204" pitchFamily="34" charset="0"/>
+                        </a:rPr>
+                        <a:t>3.4E-38 to 3.4E+38</a:t>
+                      </a:r>
+                    </a:p>
+                  </a:txBody>
+                  <a:tcPr marL="76200" marR="76200" marT="76200" marB="76200">
+                    <a:lnL w="9525" cap="flat" cmpd="sng" algn="ctr">
+                      <a:solidFill>
+                        <a:srgbClr val="DDDDDD"/>
+                      </a:solidFill>
+                      <a:prstDash val="solid"/>
+                      <a:round/>
+                      <a:headEnd type="none" w="med" len="med"/>
+                      <a:tailEnd type="none" w="med" len="med"/>
+                    </a:lnL>
+                    <a:lnR>
+                      <a:noFill/>
+                    </a:lnR>
+                    <a:lnT w="9525" cap="flat" cmpd="sng" algn="ctr">
+                      <a:solidFill>
+                        <a:srgbClr val="DDDDDD"/>
+                      </a:solidFill>
+                      <a:prstDash val="solid"/>
+                      <a:round/>
+                      <a:headEnd type="none" w="med" len="med"/>
+                      <a:tailEnd type="none" w="med" len="med"/>
+                    </a:lnT>
+                    <a:lnB w="9525" cap="flat" cmpd="sng" algn="ctr">
+                      <a:solidFill>
+                        <a:srgbClr val="DDDDDD"/>
+                      </a:solidFill>
+                      <a:prstDash val="solid"/>
+                      <a:round/>
+                      <a:headEnd type="none" w="med" len="med"/>
+                      <a:tailEnd type="none" w="med" len="med"/>
+                    </a:lnB>
+                    <a:solidFill>
+                      <a:srgbClr val="FFFFFF"/>
+                    </a:solidFill>
+                  </a:tcPr>
+                </a:tc>
+              </a:tr>
+              <a:tr h="0">
+                <a:tc>
+                  <a:txBody>
+                    <a:bodyPr/>
+                    <a:lstStyle/>
+                    <a:p>
+                      <a:pPr algn="l" fontAlgn="t"/>
+                      <a:r>
+                        <a:rPr lang="en-US">
+                          <a:solidFill>
+                            <a:schemeClr val="bg1"/>
+                          </a:solidFill>
+                          <a:effectLst/>
+                          <a:latin typeface="Arial" panose="020B0604020202020204" pitchFamily="34" charset="0"/>
+                          <a:cs typeface="Arial" panose="020B0604020202020204" pitchFamily="34" charset="0"/>
+                        </a:rPr>
+                        <a:t>double</a:t>
+                      </a:r>
+                    </a:p>
+                  </a:txBody>
+                  <a:tcPr marL="76200" marR="76200" marT="76200" marB="76200">
+                    <a:lnL w="9525" cap="flat" cmpd="sng" algn="ctr">
+                      <a:solidFill>
+                        <a:srgbClr val="DDDDDD"/>
+                      </a:solidFill>
+                      <a:prstDash val="solid"/>
+                      <a:round/>
+                      <a:headEnd type="none" w="med" len="med"/>
+                      <a:tailEnd type="none" w="med" len="med"/>
+                    </a:lnL>
+                    <a:lnR w="9525" cap="flat" cmpd="sng" algn="ctr">
+                      <a:solidFill>
+                        <a:srgbClr val="DDDDDD"/>
+                      </a:solidFill>
+                      <a:prstDash val="solid"/>
+                      <a:round/>
+                      <a:headEnd type="none" w="med" len="med"/>
+                      <a:tailEnd type="none" w="med" len="med"/>
+                    </a:lnR>
+                    <a:lnT w="9525" cap="flat" cmpd="sng" algn="ctr">
+                      <a:solidFill>
+                        <a:srgbClr val="DDDDDD"/>
+                      </a:solidFill>
+                      <a:prstDash val="solid"/>
+                      <a:round/>
+                      <a:headEnd type="none" w="med" len="med"/>
+                      <a:tailEnd type="none" w="med" len="med"/>
+                    </a:lnT>
+                    <a:lnB w="9525" cap="flat" cmpd="sng" algn="ctr">
+                      <a:solidFill>
+                        <a:srgbClr val="DDDDDD"/>
+                      </a:solidFill>
+                      <a:prstDash val="solid"/>
+                      <a:round/>
+                      <a:headEnd type="none" w="med" len="med"/>
+                      <a:tailEnd type="none" w="med" len="med"/>
+                    </a:lnB>
+                    <a:solidFill>
+                      <a:srgbClr val="F9F9F9"/>
+                    </a:solidFill>
+                  </a:tcPr>
+                </a:tc>
+                <a:tc>
+                  <a:txBody>
+                    <a:bodyPr/>
+                    <a:lstStyle/>
+                    <a:p>
+                      <a:pPr algn="l" fontAlgn="t"/>
+                      <a:r>
+                        <a:rPr lang="en-US">
+                          <a:solidFill>
+                            <a:schemeClr val="bg1"/>
+                          </a:solidFill>
+                          <a:effectLst/>
+                          <a:latin typeface="Arial" panose="020B0604020202020204" pitchFamily="34" charset="0"/>
+                          <a:cs typeface="Arial" panose="020B0604020202020204" pitchFamily="34" charset="0"/>
+                        </a:rPr>
+                        <a:t>8</a:t>
+                      </a:r>
+                    </a:p>
+                  </a:txBody>
+                  <a:tcPr marL="76200" marR="76200" marT="76200" marB="76200">
+                    <a:lnL w="9525" cap="flat" cmpd="sng" algn="ctr">
+                      <a:solidFill>
+                        <a:srgbClr val="DDDDDD"/>
+                      </a:solidFill>
+                      <a:prstDash val="solid"/>
+                      <a:round/>
+                      <a:headEnd type="none" w="med" len="med"/>
+                      <a:tailEnd type="none" w="med" len="med"/>
+                    </a:lnL>
+                    <a:lnR w="9525" cap="flat" cmpd="sng" algn="ctr">
+                      <a:solidFill>
+                        <a:srgbClr val="DDDDDD"/>
+                      </a:solidFill>
+                      <a:prstDash val="solid"/>
+                      <a:round/>
+                      <a:headEnd type="none" w="med" len="med"/>
+                      <a:tailEnd type="none" w="med" len="med"/>
+                    </a:lnR>
+                    <a:lnT w="9525" cap="flat" cmpd="sng" algn="ctr">
+                      <a:solidFill>
+                        <a:srgbClr val="DDDDDD"/>
+                      </a:solidFill>
+                      <a:prstDash val="solid"/>
+                      <a:round/>
+                      <a:headEnd type="none" w="med" len="med"/>
+                      <a:tailEnd type="none" w="med" len="med"/>
+                    </a:lnT>
+                    <a:lnB w="9525" cap="flat" cmpd="sng" algn="ctr">
+                      <a:solidFill>
+                        <a:srgbClr val="DDDDDD"/>
+                      </a:solidFill>
+                      <a:prstDash val="solid"/>
+                      <a:round/>
+                      <a:headEnd type="none" w="med" len="med"/>
+                      <a:tailEnd type="none" w="med" len="med"/>
+                    </a:lnB>
+                    <a:solidFill>
+                      <a:srgbClr val="F9F9F9"/>
+                    </a:solidFill>
+                  </a:tcPr>
+                </a:tc>
+                <a:tc>
+                  <a:txBody>
+                    <a:bodyPr/>
+                    <a:lstStyle/>
+                    <a:p>
+                      <a:pPr algn="l" fontAlgn="t"/>
+                      <a:r>
+                        <a:rPr lang="en-US">
+                          <a:solidFill>
+                            <a:schemeClr val="bg1"/>
+                          </a:solidFill>
+                          <a:effectLst/>
+                          <a:latin typeface="Arial" panose="020B0604020202020204" pitchFamily="34" charset="0"/>
+                          <a:cs typeface="Arial" panose="020B0604020202020204" pitchFamily="34" charset="0"/>
+                        </a:rPr>
+                        <a:t>1.7E-308 to 1.7E+308</a:t>
+                      </a:r>
+                    </a:p>
+                  </a:txBody>
+                  <a:tcPr marL="76200" marR="76200" marT="76200" marB="76200">
+                    <a:lnL w="9525" cap="flat" cmpd="sng" algn="ctr">
+                      <a:solidFill>
+                        <a:srgbClr val="DDDDDD"/>
+                      </a:solidFill>
+                      <a:prstDash val="solid"/>
+                      <a:round/>
+                      <a:headEnd type="none" w="med" len="med"/>
+                      <a:tailEnd type="none" w="med" len="med"/>
+                    </a:lnL>
+                    <a:lnR>
+                      <a:noFill/>
+                    </a:lnR>
+                    <a:lnT w="9525" cap="flat" cmpd="sng" algn="ctr">
+                      <a:solidFill>
+                        <a:srgbClr val="DDDDDD"/>
+                      </a:solidFill>
+                      <a:prstDash val="solid"/>
+                      <a:round/>
+                      <a:headEnd type="none" w="med" len="med"/>
+                      <a:tailEnd type="none" w="med" len="med"/>
+                    </a:lnT>
+                    <a:lnB w="9525" cap="flat" cmpd="sng" algn="ctr">
+                      <a:solidFill>
+                        <a:srgbClr val="DDDDDD"/>
+                      </a:solidFill>
+                      <a:prstDash val="solid"/>
+                      <a:round/>
+                      <a:headEnd type="none" w="med" len="med"/>
+                      <a:tailEnd type="none" w="med" len="med"/>
+                    </a:lnB>
+                    <a:solidFill>
+                      <a:srgbClr val="F9F9F9"/>
+                    </a:solidFill>
+                  </a:tcPr>
+                </a:tc>
+              </a:tr>
+              <a:tr h="0">
+                <a:tc>
+                  <a:txBody>
+                    <a:bodyPr/>
+                    <a:lstStyle/>
+                    <a:p>
+                      <a:pPr algn="l" fontAlgn="t"/>
+                      <a:r>
+                        <a:rPr lang="en-US">
+                          <a:solidFill>
+                            <a:schemeClr val="bg1"/>
+                          </a:solidFill>
+                          <a:effectLst/>
+                          <a:latin typeface="Arial" panose="020B0604020202020204" pitchFamily="34" charset="0"/>
+                          <a:cs typeface="Arial" panose="020B0604020202020204" pitchFamily="34" charset="0"/>
+                        </a:rPr>
+                        <a:t>long double</a:t>
+                      </a:r>
+                    </a:p>
+                  </a:txBody>
+                  <a:tcPr marL="76200" marR="76200" marT="76200" marB="76200">
+                    <a:lnL w="9525" cap="flat" cmpd="sng" algn="ctr">
+                      <a:solidFill>
+                        <a:srgbClr val="DDDDDD"/>
+                      </a:solidFill>
+                      <a:prstDash val="solid"/>
+                      <a:round/>
+                      <a:headEnd type="none" w="med" len="med"/>
+                      <a:tailEnd type="none" w="med" len="med"/>
+                    </a:lnL>
+                    <a:lnR w="9525" cap="flat" cmpd="sng" algn="ctr">
+                      <a:solidFill>
+                        <a:srgbClr val="DDDDDD"/>
+                      </a:solidFill>
+                      <a:prstDash val="solid"/>
+                      <a:round/>
+                      <a:headEnd type="none" w="med" len="med"/>
+                      <a:tailEnd type="none" w="med" len="med"/>
+                    </a:lnR>
+                    <a:lnT w="9525" cap="flat" cmpd="sng" algn="ctr">
+                      <a:solidFill>
+                        <a:srgbClr val="DDDDDD"/>
+                      </a:solidFill>
+                      <a:prstDash val="solid"/>
+                      <a:round/>
+                      <a:headEnd type="none" w="med" len="med"/>
+                      <a:tailEnd type="none" w="med" len="med"/>
+                    </a:lnT>
+                    <a:lnB>
+                      <a:noFill/>
+                    </a:lnB>
+                    <a:solidFill>
+                      <a:srgbClr val="FFFFFF"/>
+                    </a:solidFill>
+                  </a:tcPr>
+                </a:tc>
+                <a:tc>
+                  <a:txBody>
+                    <a:bodyPr/>
+                    <a:lstStyle/>
+                    <a:p>
+                      <a:pPr algn="l" fontAlgn="t"/>
+                      <a:r>
+                        <a:rPr lang="en-US">
+                          <a:solidFill>
+                            <a:schemeClr val="bg1"/>
+                          </a:solidFill>
+                          <a:effectLst/>
+                          <a:latin typeface="Arial" panose="020B0604020202020204" pitchFamily="34" charset="0"/>
+                          <a:cs typeface="Arial" panose="020B0604020202020204" pitchFamily="34" charset="0"/>
+                        </a:rPr>
+                        <a:t>10</a:t>
+                      </a:r>
+                    </a:p>
+                  </a:txBody>
+                  <a:tcPr marL="76200" marR="76200" marT="76200" marB="76200">
+                    <a:lnL w="9525" cap="flat" cmpd="sng" algn="ctr">
+                      <a:solidFill>
+                        <a:srgbClr val="DDDDDD"/>
+                      </a:solidFill>
+                      <a:prstDash val="solid"/>
+                      <a:round/>
+                      <a:headEnd type="none" w="med" len="med"/>
+                      <a:tailEnd type="none" w="med" len="med"/>
+                    </a:lnL>
+                    <a:lnR w="9525" cap="flat" cmpd="sng" algn="ctr">
+                      <a:solidFill>
+                        <a:srgbClr val="DDDDDD"/>
+                      </a:solidFill>
+                      <a:prstDash val="solid"/>
+                      <a:round/>
+                      <a:headEnd type="none" w="med" len="med"/>
+                      <a:tailEnd type="none" w="med" len="med"/>
+                    </a:lnR>
+                    <a:lnT w="9525" cap="flat" cmpd="sng" algn="ctr">
+                      <a:solidFill>
+                        <a:srgbClr val="DDDDDD"/>
+                      </a:solidFill>
+                      <a:prstDash val="solid"/>
+                      <a:round/>
+                      <a:headEnd type="none" w="med" len="med"/>
+                      <a:tailEnd type="none" w="med" len="med"/>
+                    </a:lnT>
+                    <a:lnB>
+                      <a:noFill/>
+                    </a:lnB>
+                    <a:solidFill>
+                      <a:srgbClr val="FFFFFF"/>
+                    </a:solidFill>
+                  </a:tcPr>
+                </a:tc>
+                <a:tc>
+                  <a:txBody>
+                    <a:bodyPr/>
+                    <a:lstStyle/>
+                    <a:p>
+                      <a:pPr algn="l" fontAlgn="t"/>
+                      <a:r>
+                        <a:rPr lang="en-US">
+                          <a:solidFill>
+                            <a:schemeClr val="bg1"/>
+                          </a:solidFill>
+                          <a:effectLst/>
+                          <a:latin typeface="Arial" panose="020B0604020202020204" pitchFamily="34" charset="0"/>
+                          <a:cs typeface="Arial" panose="020B0604020202020204" pitchFamily="34" charset="0"/>
+                        </a:rPr>
+                        <a:t>3.4E-4932 to 1.1E+4932</a:t>
+                      </a:r>
+                    </a:p>
+                  </a:txBody>
+                  <a:tcPr marL="76200" marR="76200" marT="76200" marB="76200">
+                    <a:lnL w="9525" cap="flat" cmpd="sng" algn="ctr">
+                      <a:solidFill>
+                        <a:srgbClr val="DDDDDD"/>
+                      </a:solidFill>
+                      <a:prstDash val="solid"/>
+                      <a:round/>
+                      <a:headEnd type="none" w="med" len="med"/>
+                      <a:tailEnd type="none" w="med" len="med"/>
+                    </a:lnL>
+                    <a:lnR>
+                      <a:noFill/>
+                    </a:lnR>
+                    <a:lnT w="9525" cap="flat" cmpd="sng" algn="ctr">
+                      <a:solidFill>
+                        <a:srgbClr val="DDDDDD"/>
+                      </a:solidFill>
+                      <a:prstDash val="solid"/>
+                      <a:round/>
+                      <a:headEnd type="none" w="med" len="med"/>
+                      <a:tailEnd type="none" w="med" len="med"/>
+                    </a:lnT>
+                    <a:lnB>
+                      <a:noFill/>
+                    </a:lnB>
+                    <a:solidFill>
+                      <a:srgbClr val="FFFFFF"/>
+                    </a:solidFill>
+                  </a:tcPr>
+                </a:tc>
+              </a:tr>
+            </a:tbl>
+          </a:graphicData>
+        </a:graphic>
+      </p:graphicFrame>
+      <p:graphicFrame>
+        <p:nvGraphicFramePr>
+          <p:cNvPr id="7" name="Table 6"/>
+          <p:cNvGraphicFramePr>
+            <a:graphicFrameLocks noGrp="1"/>
+          </p:cNvGraphicFramePr>
+          <p:nvPr>
+            <p:extLst>
+              <p:ext uri="{D42A27DB-BD31-4B8C-83A1-F6EECF244321}">
+                <p14:modId xmlns:p14="http://schemas.microsoft.com/office/powerpoint/2010/main" val="2660798168"/>
+              </p:ext>
+            </p:extLst>
+          </p:nvPr>
+        </p:nvGraphicFramePr>
+        <p:xfrm>
+          <a:off x="685019" y="4312256"/>
+          <a:ext cx="7772400" cy="1280160"/>
+        </p:xfrm>
+        <a:graphic>
+          <a:graphicData uri="http://schemas.openxmlformats.org/drawingml/2006/table">
+            <a:tbl>
+              <a:tblPr/>
+              <a:tblGrid>
+                <a:gridCol w="2590800"/>
+                <a:gridCol w="2590800"/>
+                <a:gridCol w="2590800"/>
+              </a:tblGrid>
+              <a:tr h="0">
+                <a:tc>
+                  <a:txBody>
+                    <a:bodyPr/>
+                    <a:lstStyle/>
+                    <a:p>
+                      <a:pPr algn="l" fontAlgn="t"/>
+                      <a:r>
+                        <a:rPr lang="en-US" b="1">
+                          <a:solidFill>
+                            <a:schemeClr val="bg1"/>
+                          </a:solidFill>
+                          <a:effectLst/>
+                          <a:latin typeface="Arial" panose="020B0604020202020204" pitchFamily="34" charset="0"/>
+                          <a:cs typeface="Arial" panose="020B0604020202020204" pitchFamily="34" charset="0"/>
+                        </a:rPr>
+                        <a:t>Type</a:t>
+                      </a:r>
+                    </a:p>
+                  </a:txBody>
+                  <a:tcPr marL="76200" marR="76200" marT="76200" marB="76200">
+                    <a:lnL w="9525" cap="flat" cmpd="sng" algn="ctr">
+                      <a:solidFill>
+                        <a:srgbClr val="DDDDDD"/>
+                      </a:solidFill>
+                      <a:prstDash val="solid"/>
+                      <a:round/>
+                      <a:headEnd type="none" w="med" len="med"/>
+                      <a:tailEnd type="none" w="med" len="med"/>
+                    </a:lnL>
+                    <a:lnR w="9525" cap="flat" cmpd="sng" algn="ctr">
+                      <a:solidFill>
+                        <a:srgbClr val="DDDDDD"/>
+                      </a:solidFill>
+                      <a:prstDash val="solid"/>
+                      <a:round/>
+                      <a:headEnd type="none" w="med" len="med"/>
+                      <a:tailEnd type="none" w="med" len="med"/>
+                    </a:lnR>
+                    <a:lnT>
+                      <a:noFill/>
+                    </a:lnT>
+                    <a:lnB w="9525" cap="flat" cmpd="sng" algn="ctr">
+                      <a:solidFill>
+                        <a:srgbClr val="DDDDDD"/>
+                      </a:solidFill>
+                      <a:prstDash val="solid"/>
+                      <a:round/>
+                      <a:headEnd type="none" w="med" len="med"/>
+                      <a:tailEnd type="none" w="med" len="med"/>
+                    </a:lnB>
+                    <a:solidFill>
+                      <a:srgbClr val="F9F9F9"/>
+                    </a:solidFill>
+                  </a:tcPr>
+                </a:tc>
+                <a:tc>
+                  <a:txBody>
+                    <a:bodyPr/>
+                    <a:lstStyle/>
+                    <a:p>
+                      <a:pPr algn="l" fontAlgn="t"/>
+                      <a:r>
+                        <a:rPr lang="en-US" b="1">
+                          <a:solidFill>
+                            <a:schemeClr val="bg1"/>
+                          </a:solidFill>
+                          <a:effectLst/>
+                          <a:latin typeface="Arial" panose="020B0604020202020204" pitchFamily="34" charset="0"/>
+                          <a:cs typeface="Arial" panose="020B0604020202020204" pitchFamily="34" charset="0"/>
+                        </a:rPr>
+                        <a:t>Size(bytes)</a:t>
+                      </a:r>
+                    </a:p>
+                  </a:txBody>
+                  <a:tcPr marL="76200" marR="76200" marT="76200" marB="76200">
+                    <a:lnL w="9525" cap="flat" cmpd="sng" algn="ctr">
+                      <a:solidFill>
+                        <a:srgbClr val="DDDDDD"/>
+                      </a:solidFill>
+                      <a:prstDash val="solid"/>
+                      <a:round/>
+                      <a:headEnd type="none" w="med" len="med"/>
+                      <a:tailEnd type="none" w="med" len="med"/>
+                    </a:lnL>
+                    <a:lnR w="9525" cap="flat" cmpd="sng" algn="ctr">
+                      <a:solidFill>
+                        <a:srgbClr val="DDDDDD"/>
+                      </a:solidFill>
+                      <a:prstDash val="solid"/>
+                      <a:round/>
+                      <a:headEnd type="none" w="med" len="med"/>
+                      <a:tailEnd type="none" w="med" len="med"/>
+                    </a:lnR>
+                    <a:lnT>
+                      <a:noFill/>
+                    </a:lnT>
+                    <a:lnB w="9525" cap="flat" cmpd="sng" algn="ctr">
+                      <a:solidFill>
+                        <a:srgbClr val="DDDDDD"/>
+                      </a:solidFill>
+                      <a:prstDash val="solid"/>
+                      <a:round/>
+                      <a:headEnd type="none" w="med" len="med"/>
+                      <a:tailEnd type="none" w="med" len="med"/>
+                    </a:lnB>
+                    <a:solidFill>
+                      <a:srgbClr val="F9F9F9"/>
+                    </a:solidFill>
+                  </a:tcPr>
+                </a:tc>
+                <a:tc>
+                  <a:txBody>
+                    <a:bodyPr/>
+                    <a:lstStyle/>
+                    <a:p>
+                      <a:pPr algn="l" fontAlgn="t"/>
+                      <a:r>
+                        <a:rPr lang="en-US" b="1">
+                          <a:solidFill>
+                            <a:schemeClr val="bg1"/>
+                          </a:solidFill>
+                          <a:effectLst/>
+                          <a:latin typeface="Arial" panose="020B0604020202020204" pitchFamily="34" charset="0"/>
+                          <a:cs typeface="Arial" panose="020B0604020202020204" pitchFamily="34" charset="0"/>
+                        </a:rPr>
+                        <a:t>Range</a:t>
+                      </a:r>
+                    </a:p>
+                  </a:txBody>
+                  <a:tcPr marL="76200" marR="76200" marT="76200" marB="76200">
+                    <a:lnL w="9525" cap="flat" cmpd="sng" algn="ctr">
+                      <a:solidFill>
+                        <a:srgbClr val="DDDDDD"/>
+                      </a:solidFill>
+                      <a:prstDash val="solid"/>
+                      <a:round/>
+                      <a:headEnd type="none" w="med" len="med"/>
+                      <a:tailEnd type="none" w="med" len="med"/>
+                    </a:lnL>
+                    <a:lnR>
+                      <a:noFill/>
+                    </a:lnR>
+                    <a:lnT>
+                      <a:noFill/>
+                    </a:lnT>
+                    <a:lnB w="9525" cap="flat" cmpd="sng" algn="ctr">
+                      <a:solidFill>
+                        <a:srgbClr val="DDDDDD"/>
+                      </a:solidFill>
+                      <a:prstDash val="solid"/>
+                      <a:round/>
+                      <a:headEnd type="none" w="med" len="med"/>
+                      <a:tailEnd type="none" w="med" len="med"/>
+                    </a:lnB>
+                    <a:solidFill>
+                      <a:srgbClr val="F9F9F9"/>
+                    </a:solidFill>
+                  </a:tcPr>
+                </a:tc>
+              </a:tr>
+              <a:tr h="0">
+                <a:tc>
+                  <a:txBody>
+                    <a:bodyPr/>
+                    <a:lstStyle/>
+                    <a:p>
+                      <a:pPr algn="l" fontAlgn="t"/>
+                      <a:r>
+                        <a:rPr lang="en-US">
+                          <a:solidFill>
+                            <a:schemeClr val="bg1"/>
+                          </a:solidFill>
+                          <a:effectLst/>
+                          <a:latin typeface="Arial" panose="020B0604020202020204" pitchFamily="34" charset="0"/>
+                          <a:cs typeface="Arial" panose="020B0604020202020204" pitchFamily="34" charset="0"/>
+                        </a:rPr>
+                        <a:t>char or signed char</a:t>
+                      </a:r>
+                    </a:p>
+                  </a:txBody>
+                  <a:tcPr marL="76200" marR="76200" marT="76200" marB="76200">
+                    <a:lnL w="9525" cap="flat" cmpd="sng" algn="ctr">
+                      <a:solidFill>
+                        <a:srgbClr val="DDDDDD"/>
+                      </a:solidFill>
+                      <a:prstDash val="solid"/>
+                      <a:round/>
+                      <a:headEnd type="none" w="med" len="med"/>
+                      <a:tailEnd type="none" w="med" len="med"/>
+                    </a:lnL>
+                    <a:lnR w="9525" cap="flat" cmpd="sng" algn="ctr">
+                      <a:solidFill>
+                        <a:srgbClr val="DDDDDD"/>
+                      </a:solidFill>
+                      <a:prstDash val="solid"/>
+                      <a:round/>
+                      <a:headEnd type="none" w="med" len="med"/>
+                      <a:tailEnd type="none" w="med" len="med"/>
+                    </a:lnR>
+                    <a:lnT w="9525" cap="flat" cmpd="sng" algn="ctr">
+                      <a:solidFill>
+                        <a:srgbClr val="DDDDDD"/>
+                      </a:solidFill>
+                      <a:prstDash val="solid"/>
+                      <a:round/>
+                      <a:headEnd type="none" w="med" len="med"/>
+                      <a:tailEnd type="none" w="med" len="med"/>
+                    </a:lnT>
+                    <a:lnB w="9525" cap="flat" cmpd="sng" algn="ctr">
+                      <a:solidFill>
+                        <a:srgbClr val="DDDDDD"/>
+                      </a:solidFill>
+                      <a:prstDash val="solid"/>
+                      <a:round/>
+                      <a:headEnd type="none" w="med" len="med"/>
+                      <a:tailEnd type="none" w="med" len="med"/>
+                    </a:lnB>
+                    <a:solidFill>
+                      <a:srgbClr val="FFFFFF"/>
+                    </a:solidFill>
+                  </a:tcPr>
+                </a:tc>
+                <a:tc>
+                  <a:txBody>
+                    <a:bodyPr/>
+                    <a:lstStyle/>
+                    <a:p>
+                      <a:pPr algn="l" fontAlgn="t"/>
+                      <a:r>
+                        <a:rPr lang="en-US">
+                          <a:solidFill>
+                            <a:schemeClr val="bg1"/>
+                          </a:solidFill>
+                          <a:effectLst/>
+                          <a:latin typeface="Arial" panose="020B0604020202020204" pitchFamily="34" charset="0"/>
+                          <a:cs typeface="Arial" panose="020B0604020202020204" pitchFamily="34" charset="0"/>
+                        </a:rPr>
+                        <a:t>1</a:t>
+                      </a:r>
+                    </a:p>
+                  </a:txBody>
+                  <a:tcPr marL="76200" marR="76200" marT="76200" marB="76200">
+                    <a:lnL w="9525" cap="flat" cmpd="sng" algn="ctr">
+                      <a:solidFill>
+                        <a:srgbClr val="DDDDDD"/>
+                      </a:solidFill>
+                      <a:prstDash val="solid"/>
+                      <a:round/>
+                      <a:headEnd type="none" w="med" len="med"/>
+                      <a:tailEnd type="none" w="med" len="med"/>
+                    </a:lnL>
+                    <a:lnR w="9525" cap="flat" cmpd="sng" algn="ctr">
+                      <a:solidFill>
+                        <a:srgbClr val="DDDDDD"/>
+                      </a:solidFill>
+                      <a:prstDash val="solid"/>
+                      <a:round/>
+                      <a:headEnd type="none" w="med" len="med"/>
+                      <a:tailEnd type="none" w="med" len="med"/>
+                    </a:lnR>
+                    <a:lnT w="9525" cap="flat" cmpd="sng" algn="ctr">
+                      <a:solidFill>
+                        <a:srgbClr val="DDDDDD"/>
+                      </a:solidFill>
+                      <a:prstDash val="solid"/>
+                      <a:round/>
+                      <a:headEnd type="none" w="med" len="med"/>
+                      <a:tailEnd type="none" w="med" len="med"/>
+                    </a:lnT>
+                    <a:lnB w="9525" cap="flat" cmpd="sng" algn="ctr">
+                      <a:solidFill>
+                        <a:srgbClr val="DDDDDD"/>
+                      </a:solidFill>
+                      <a:prstDash val="solid"/>
+                      <a:round/>
+                      <a:headEnd type="none" w="med" len="med"/>
+                      <a:tailEnd type="none" w="med" len="med"/>
+                    </a:lnB>
+                    <a:solidFill>
+                      <a:srgbClr val="FFFFFF"/>
+                    </a:solidFill>
+                  </a:tcPr>
+                </a:tc>
+                <a:tc>
+                  <a:txBody>
+                    <a:bodyPr/>
+                    <a:lstStyle/>
+                    <a:p>
+                      <a:pPr algn="l" fontAlgn="t"/>
+                      <a:r>
+                        <a:rPr lang="en-US">
+                          <a:solidFill>
+                            <a:schemeClr val="bg1"/>
+                          </a:solidFill>
+                          <a:effectLst/>
+                          <a:latin typeface="Arial" panose="020B0604020202020204" pitchFamily="34" charset="0"/>
+                          <a:cs typeface="Arial" panose="020B0604020202020204" pitchFamily="34" charset="0"/>
+                        </a:rPr>
+                        <a:t>-128 to 127</a:t>
+                      </a:r>
+                    </a:p>
+                  </a:txBody>
+                  <a:tcPr marL="76200" marR="76200" marT="76200" marB="76200">
+                    <a:lnL w="9525" cap="flat" cmpd="sng" algn="ctr">
+                      <a:solidFill>
+                        <a:srgbClr val="DDDDDD"/>
+                      </a:solidFill>
+                      <a:prstDash val="solid"/>
+                      <a:round/>
+                      <a:headEnd type="none" w="med" len="med"/>
+                      <a:tailEnd type="none" w="med" len="med"/>
+                    </a:lnL>
+                    <a:lnR>
+                      <a:noFill/>
+                    </a:lnR>
+                    <a:lnT w="9525" cap="flat" cmpd="sng" algn="ctr">
+                      <a:solidFill>
+                        <a:srgbClr val="DDDDDD"/>
+                      </a:solidFill>
+                      <a:prstDash val="solid"/>
+                      <a:round/>
+                      <a:headEnd type="none" w="med" len="med"/>
+                      <a:tailEnd type="none" w="med" len="med"/>
+                    </a:lnT>
+                    <a:lnB w="9525" cap="flat" cmpd="sng" algn="ctr">
+                      <a:solidFill>
+                        <a:srgbClr val="DDDDDD"/>
+                      </a:solidFill>
+                      <a:prstDash val="solid"/>
+                      <a:round/>
+                      <a:headEnd type="none" w="med" len="med"/>
+                      <a:tailEnd type="none" w="med" len="med"/>
+                    </a:lnB>
+                    <a:solidFill>
+                      <a:srgbClr val="FFFFFF"/>
+                    </a:solidFill>
+                  </a:tcPr>
+                </a:tc>
+              </a:tr>
+              <a:tr h="0">
+                <a:tc>
+                  <a:txBody>
+                    <a:bodyPr/>
+                    <a:lstStyle/>
+                    <a:p>
+                      <a:pPr algn="l" fontAlgn="t"/>
+                      <a:r>
+                        <a:rPr lang="en-US">
+                          <a:solidFill>
+                            <a:schemeClr val="bg1"/>
+                          </a:solidFill>
+                          <a:effectLst/>
+                          <a:latin typeface="Arial" panose="020B0604020202020204" pitchFamily="34" charset="0"/>
+                          <a:cs typeface="Arial" panose="020B0604020202020204" pitchFamily="34" charset="0"/>
+                        </a:rPr>
+                        <a:t>unsigned char</a:t>
+                      </a:r>
+                    </a:p>
+                  </a:txBody>
+                  <a:tcPr marL="76200" marR="76200" marT="76200" marB="76200">
+                    <a:lnL w="9525" cap="flat" cmpd="sng" algn="ctr">
+                      <a:solidFill>
+                        <a:srgbClr val="DDDDDD"/>
+                      </a:solidFill>
+                      <a:prstDash val="solid"/>
+                      <a:round/>
+                      <a:headEnd type="none" w="med" len="med"/>
+                      <a:tailEnd type="none" w="med" len="med"/>
+                    </a:lnL>
+                    <a:lnR w="9525" cap="flat" cmpd="sng" algn="ctr">
+                      <a:solidFill>
+                        <a:srgbClr val="DDDDDD"/>
+                      </a:solidFill>
+                      <a:prstDash val="solid"/>
+                      <a:round/>
+                      <a:headEnd type="none" w="med" len="med"/>
+                      <a:tailEnd type="none" w="med" len="med"/>
+                    </a:lnR>
+                    <a:lnT w="9525" cap="flat" cmpd="sng" algn="ctr">
+                      <a:solidFill>
+                        <a:srgbClr val="DDDDDD"/>
+                      </a:solidFill>
+                      <a:prstDash val="solid"/>
+                      <a:round/>
+                      <a:headEnd type="none" w="med" len="med"/>
+                      <a:tailEnd type="none" w="med" len="med"/>
+                    </a:lnT>
+                    <a:lnB>
+                      <a:noFill/>
+                    </a:lnB>
+                    <a:solidFill>
+                      <a:srgbClr val="F9F9F9"/>
+                    </a:solidFill>
+                  </a:tcPr>
+                </a:tc>
+                <a:tc>
+                  <a:txBody>
+                    <a:bodyPr/>
+                    <a:lstStyle/>
+                    <a:p>
+                      <a:pPr algn="l" fontAlgn="t"/>
+                      <a:r>
+                        <a:rPr lang="en-US">
+                          <a:solidFill>
+                            <a:schemeClr val="bg1"/>
+                          </a:solidFill>
+                          <a:effectLst/>
+                          <a:latin typeface="Arial" panose="020B0604020202020204" pitchFamily="34" charset="0"/>
+                          <a:cs typeface="Arial" panose="020B0604020202020204" pitchFamily="34" charset="0"/>
+                        </a:rPr>
+                        <a:t>1</a:t>
+                      </a:r>
+                    </a:p>
+                  </a:txBody>
+                  <a:tcPr marL="76200" marR="76200" marT="76200" marB="76200">
+                    <a:lnL w="9525" cap="flat" cmpd="sng" algn="ctr">
+                      <a:solidFill>
+                        <a:srgbClr val="DDDDDD"/>
+                      </a:solidFill>
+                      <a:prstDash val="solid"/>
+                      <a:round/>
+                      <a:headEnd type="none" w="med" len="med"/>
+                      <a:tailEnd type="none" w="med" len="med"/>
+                    </a:lnL>
+                    <a:lnR w="9525" cap="flat" cmpd="sng" algn="ctr">
+                      <a:solidFill>
+                        <a:srgbClr val="DDDDDD"/>
+                      </a:solidFill>
+                      <a:prstDash val="solid"/>
+                      <a:round/>
+                      <a:headEnd type="none" w="med" len="med"/>
+                      <a:tailEnd type="none" w="med" len="med"/>
+                    </a:lnR>
+                    <a:lnT w="9525" cap="flat" cmpd="sng" algn="ctr">
+                      <a:solidFill>
+                        <a:srgbClr val="DDDDDD"/>
+                      </a:solidFill>
+                      <a:prstDash val="solid"/>
+                      <a:round/>
+                      <a:headEnd type="none" w="med" len="med"/>
+                      <a:tailEnd type="none" w="med" len="med"/>
+                    </a:lnT>
+                    <a:lnB>
+                      <a:noFill/>
+                    </a:lnB>
+                    <a:solidFill>
+                      <a:srgbClr val="F9F9F9"/>
+                    </a:solidFill>
+                  </a:tcPr>
+                </a:tc>
+                <a:tc>
+                  <a:txBody>
+                    <a:bodyPr/>
+                    <a:lstStyle/>
+                    <a:p>
+                      <a:pPr algn="l" fontAlgn="t"/>
+                      <a:r>
+                        <a:rPr lang="en-US">
+                          <a:solidFill>
+                            <a:schemeClr val="bg1"/>
+                          </a:solidFill>
+                          <a:effectLst/>
+                          <a:latin typeface="Arial" panose="020B0604020202020204" pitchFamily="34" charset="0"/>
+                          <a:cs typeface="Arial" panose="020B0604020202020204" pitchFamily="34" charset="0"/>
+                        </a:rPr>
+                        <a:t>0 to 255</a:t>
+                      </a:r>
+                    </a:p>
+                  </a:txBody>
+                  <a:tcPr marL="76200" marR="76200" marT="76200" marB="76200">
+                    <a:lnL w="9525" cap="flat" cmpd="sng" algn="ctr">
+                      <a:solidFill>
+                        <a:srgbClr val="DDDDDD"/>
+                      </a:solidFill>
+                      <a:prstDash val="solid"/>
+                      <a:round/>
+                      <a:headEnd type="none" w="med" len="med"/>
+                      <a:tailEnd type="none" w="med" len="med"/>
+                    </a:lnL>
+                    <a:lnR>
+                      <a:noFill/>
+                    </a:lnR>
+                    <a:lnT w="9525" cap="flat" cmpd="sng" algn="ctr">
+                      <a:solidFill>
+                        <a:srgbClr val="DDDDDD"/>
+                      </a:solidFill>
+                      <a:prstDash val="solid"/>
+                      <a:round/>
+                      <a:headEnd type="none" w="med" len="med"/>
+                      <a:tailEnd type="none" w="med" len="med"/>
+                    </a:lnT>
+                    <a:lnB>
+                      <a:noFill/>
+                    </a:lnB>
+                    <a:solidFill>
+                      <a:srgbClr val="F9F9F9"/>
+                    </a:solidFill>
+                  </a:tcPr>
+                </a:tc>
+              </a:tr>
+            </a:tbl>
+          </a:graphicData>
+        </a:graphic>
+      </p:graphicFrame>
+      <p:sp>
+        <p:nvSpPr>
+          <p:cNvPr id="8" name="Rectangle 7"/>
+          <p:cNvSpPr/>
+          <p:nvPr/>
+        </p:nvSpPr>
+        <p:spPr>
+          <a:xfrm>
+            <a:off x="685019" y="5911103"/>
+            <a:ext cx="8114425" cy="701731"/>
+          </a:xfrm>
+          <a:prstGeom prst="rect">
+            <a:avLst/>
+          </a:prstGeom>
+        </p:spPr>
+        <p:txBody>
+          <a:bodyPr wrap="square">
+            <a:spAutoFit/>
+          </a:bodyPr>
+          <a:lstStyle/>
+          <a:p>
+            <a:pPr marL="182880" indent="-182880" defTabSz="914400">
+              <a:lnSpc>
+                <a:spcPct val="90000"/>
+              </a:lnSpc>
+              <a:spcBef>
+                <a:spcPts val="1200"/>
+              </a:spcBef>
+              <a:spcAft>
+                <a:spcPts val="200"/>
+              </a:spcAft>
+              <a:buClr>
+                <a:schemeClr val="tx1"/>
+              </a:buClr>
+              <a:buFont typeface="Wingdings" pitchFamily="2" charset="2"/>
+              <a:buChar char=""/>
+            </a:pPr>
+            <a:r>
+              <a:rPr lang="en-US" sz="2200" b="1">
+                <a:latin typeface="Arial" panose="020B0604020202020204" pitchFamily="34" charset="0"/>
+                <a:cs typeface="Arial" panose="020B0604020202020204" pitchFamily="34" charset="0"/>
+              </a:rPr>
+              <a:t>void type means no value. This is usually used </a:t>
+            </a:r>
+            <a:r>
+              <a:rPr lang="en-US" sz="2200" b="1" smtClean="0">
+                <a:latin typeface="Arial" panose="020B0604020202020204" pitchFamily="34" charset="0"/>
+                <a:cs typeface="Arial" panose="020B0604020202020204" pitchFamily="34" charset="0"/>
+              </a:rPr>
+              <a:t>to specify </a:t>
+            </a:r>
+            <a:r>
+              <a:rPr lang="en-US" sz="2200" b="1">
+                <a:latin typeface="Arial" panose="020B0604020202020204" pitchFamily="34" charset="0"/>
+                <a:cs typeface="Arial" panose="020B0604020202020204" pitchFamily="34" charset="0"/>
+              </a:rPr>
+              <a:t>the type of functions.</a:t>
+            </a:r>
+          </a:p>
+        </p:txBody>
+      </p:sp>
+    </p:spTree>
+    <p:extLst>
+      <p:ext uri="{BB962C8B-B14F-4D97-AF65-F5344CB8AC3E}">
+        <p14:creationId xmlns:p14="http://schemas.microsoft.com/office/powerpoint/2010/main" val="3312291205"/>
+      </p:ext>
+    </p:extLst>
+  </p:cSld>
+  <p:clrMapOvr>
+    <a:masterClrMapping/>
+  </p:clrMapOvr>
+</p:sld>
+</file>
+
+<file path=ppt/slides/slide9.xml><?xml version="1.0" encoding="utf-8"?>
+<p:sld xmlns:a="http://schemas.openxmlformats.org/drawingml/2006/main" xmlns:r="http://schemas.openxmlformats.org/officeDocument/2006/relationships" xmlns:p="http://schemas.openxmlformats.org/presentationml/2006/main">
+  <p:cSld>
+    <p:spTree>
+      <p:nvGrpSpPr>
+        <p:cNvPr id="1" name=""/>
+        <p:cNvGrpSpPr/>
+        <p:nvPr/>
+      </p:nvGrpSpPr>
+      <p:grpSpPr>
+        <a:xfrm>
+          <a:off x="0" y="0"/>
+          <a:ext cx="0" cy="0"/>
+          <a:chOff x="0" y="0"/>
+          <a:chExt cx="0" cy="0"/>
+        </a:xfrm>
+      </p:grpSpPr>
+      <p:sp>
+        <p:nvSpPr>
+          <p:cNvPr id="2" name="Title 1"/>
+          <p:cNvSpPr>
+            <a:spLocks noGrp="1"/>
+          </p:cNvSpPr>
+          <p:nvPr>
+            <p:ph type="title"/>
+          </p:nvPr>
+        </p:nvSpPr>
+        <p:spPr/>
+        <p:txBody>
+          <a:bodyPr/>
+          <a:lstStyle/>
+          <a:p>
+            <a:r>
+              <a:rPr lang="en-US">
+                <a:latin typeface="Arial" panose="020B0604020202020204" pitchFamily="34" charset="0"/>
+                <a:cs typeface="Arial" panose="020B0604020202020204" pitchFamily="34" charset="0"/>
+              </a:rPr>
+              <a:t>Functions </a:t>
+            </a:r>
+            <a:r>
+              <a:rPr lang="en-US">
+                <a:latin typeface="Arial" panose="020B0604020202020204" pitchFamily="34" charset="0"/>
+                <a:cs typeface="Arial" panose="020B0604020202020204" pitchFamily="34" charset="0"/>
+              </a:rPr>
+              <a:t>in </a:t>
+            </a:r>
+            <a:r>
+              <a:rPr lang="en-US" smtClean="0">
+                <a:latin typeface="Arial" panose="020B0604020202020204" pitchFamily="34" charset="0"/>
+                <a:cs typeface="Arial" panose="020B0604020202020204" pitchFamily="34" charset="0"/>
+              </a:rPr>
+              <a:t>C</a:t>
+            </a:r>
+            <a:endParaRPr lang="en-US">
+              <a:latin typeface="Arial" panose="020B0604020202020204" pitchFamily="34" charset="0"/>
+              <a:cs typeface="Arial" panose="020B0604020202020204" pitchFamily="34" charset="0"/>
+            </a:endParaRPr>
+          </a:p>
+        </p:txBody>
+      </p:sp>
+      <p:sp>
+        <p:nvSpPr>
+          <p:cNvPr id="3" name="Content Placeholder 2"/>
+          <p:cNvSpPr>
+            <a:spLocks noGrp="1"/>
+          </p:cNvSpPr>
+          <p:nvPr>
+            <p:ph idx="1"/>
+          </p:nvPr>
+        </p:nvSpPr>
+        <p:spPr/>
+        <p:txBody>
+          <a:bodyPr/>
+          <a:lstStyle/>
+          <a:p>
+            <a:r>
+              <a:rPr lang="en-US"/>
+              <a:t>C functions can be classified into two categories,</a:t>
+            </a:r>
+          </a:p>
+          <a:p>
+            <a:pPr lvl="1"/>
+            <a:r>
+              <a:rPr lang="en-US" b="1"/>
+              <a:t>Library </a:t>
+            </a:r>
+            <a:r>
+              <a:rPr lang="en-US" b="1" smtClean="0"/>
+              <a:t>functions (</a:t>
+            </a:r>
+            <a:r>
+              <a:rPr lang="fr-FR"/>
+              <a:t> </a:t>
+            </a:r>
+            <a:r>
+              <a:rPr lang="fr-FR" smtClean="0"/>
+              <a:t>example:</a:t>
+            </a:r>
+            <a:r>
+              <a:rPr lang="fr-FR"/>
+              <a:t> </a:t>
+            </a:r>
+            <a:r>
+              <a:rPr lang="fr-FR" b="1"/>
+              <a:t>printf()</a:t>
+            </a:r>
+            <a:r>
+              <a:rPr lang="fr-FR"/>
+              <a:t>, </a:t>
+            </a:r>
+            <a:r>
+              <a:rPr lang="fr-FR" b="1"/>
+              <a:t>scanf()</a:t>
+            </a:r>
+            <a:r>
+              <a:rPr lang="fr-FR"/>
+              <a:t>, </a:t>
+            </a:r>
+            <a:r>
+              <a:rPr lang="fr-FR" b="1"/>
+              <a:t>strcat()</a:t>
+            </a:r>
+            <a:r>
+              <a:rPr lang="fr-FR"/>
+              <a:t> </a:t>
+            </a:r>
+            <a:r>
+              <a:rPr lang="fr-FR" smtClean="0"/>
+              <a:t>etc)</a:t>
+            </a:r>
+            <a:endParaRPr lang="en-US"/>
+          </a:p>
+          <a:p>
+            <a:pPr lvl="1"/>
+            <a:r>
+              <a:rPr lang="en-US" b="1"/>
+              <a:t>User-defined </a:t>
+            </a:r>
+            <a:r>
+              <a:rPr lang="en-US" b="1" smtClean="0"/>
+              <a:t>functions</a:t>
+            </a:r>
+            <a:endParaRPr lang="en-US"/>
+          </a:p>
+          <a:p>
+            <a:pPr marL="0" indent="0">
+              <a:buNone/>
+            </a:pPr>
+            <a:r>
+              <a:rPr lang="en-US" smtClean="0"/>
+              <a:t/>
+            </a:r>
+            <a:br>
+              <a:rPr lang="en-US" smtClean="0"/>
+            </a:br>
+            <a:endParaRPr lang="en-US"/>
+          </a:p>
+        </p:txBody>
+      </p:sp>
+      <p:pic>
+        <p:nvPicPr>
+          <p:cNvPr id="4" name="Picture 3"/>
+          <p:cNvPicPr>
+            <a:picLocks noChangeAspect="1"/>
+          </p:cNvPicPr>
+          <p:nvPr/>
+        </p:nvPicPr>
+        <p:blipFill>
+          <a:blip r:embed="rId2"/>
+          <a:stretch>
+            <a:fillRect/>
+          </a:stretch>
+        </p:blipFill>
+        <p:spPr>
+          <a:xfrm>
+            <a:off x="1251549" y="3074670"/>
+            <a:ext cx="6639339" cy="3361994"/>
+          </a:xfrm>
+          <a:prstGeom prst="rect">
+            <a:avLst/>
+          </a:prstGeom>
+        </p:spPr>
+      </p:pic>
+    </p:spTree>
+    <p:extLst>
+      <p:ext uri="{BB962C8B-B14F-4D97-AF65-F5344CB8AC3E}">
+        <p14:creationId xmlns:p14="http://schemas.microsoft.com/office/powerpoint/2010/main" val="3447849503"/>
+      </p:ext>
+    </p:extLst>
+  </p:cSld>
+  <p:clrMapOvr>
+    <a:masterClrMapping/>
+  </p:clrMapOvr>
 </p:sld>
 </file>
 
